--- a/Semana 5/Clase 5.pptx
+++ b/Semana 5/Clase 5.pptx
@@ -1,23 +1,23 @@
 
 <file path=ppt/presentation.xml><?xml version="1.0" encoding="utf-8"?>
-<p:presentation xmlns:a="http://schemas.openxmlformats.org/drawingml/2006/main" xmlns:r="http://schemas.openxmlformats.org/officeDocument/2006/relationships" xmlns:mc="http://schemas.openxmlformats.org/markup-compatibility/2006" xmlns:mv="urn:schemas-microsoft-com:mac:vml" xmlns:p="http://schemas.openxmlformats.org/presentationml/2006/main" xmlns:c="http://schemas.openxmlformats.org/drawingml/2006/chart" xmlns:dgm="http://schemas.openxmlformats.org/drawingml/2006/diagram" xmlns:o="urn:schemas-microsoft-com:office:office" xmlns:v="urn:schemas-microsoft-com:vml" xmlns:pvml="urn:schemas-microsoft-com:office:powerpoint" xmlns:com="http://schemas.openxmlformats.org/drawingml/2006/compatibility" xmlns:p14="http://schemas.microsoft.com/office/powerpoint/2010/main" autoCompressPictures="0" strictFirstAndLastChars="0" saveSubsetFonts="1">
+<p:presentation xmlns:a="http://schemas.openxmlformats.org/drawingml/2006/main" xmlns:r="http://schemas.openxmlformats.org/officeDocument/2006/relationships" xmlns:p="http://schemas.openxmlformats.org/presentationml/2006/main" strictFirstAndLastChars="0" saveSubsetFonts="1" autoCompressPictures="0">
   <p:sldMasterIdLst>
-    <p:sldMasterId id="2147483659" r:id="rId3"/>
+    <p:sldMasterId id="2147483659" r:id="rId1"/>
   </p:sldMasterIdLst>
   <p:notesMasterIdLst>
-    <p:notesMasterId r:id="rId4"/>
+    <p:notesMasterId r:id="rId7"/>
   </p:notesMasterIdLst>
   <p:sldIdLst>
-    <p:sldId id="256" r:id="rId5"/>
-    <p:sldId id="257" r:id="rId6"/>
-    <p:sldId id="258" r:id="rId7"/>
-    <p:sldId id="259" r:id="rId8"/>
-    <p:sldId id="260" r:id="rId9"/>
+    <p:sldId id="256" r:id="rId2"/>
+    <p:sldId id="257" r:id="rId3"/>
+    <p:sldId id="258" r:id="rId4"/>
+    <p:sldId id="259" r:id="rId5"/>
+    <p:sldId id="260" r:id="rId6"/>
   </p:sldIdLst>
-  <p:sldSz cy="6858000" cx="9144000"/>
+  <p:sldSz cx="9144000" cy="6858000" type="screen4x3"/>
   <p:notesSz cx="6858000" cy="9144000"/>
   <p:defaultTextStyle>
-    <a:defPPr lvl="0" marR="0" rtl="0" algn="l">
+    <a:defPPr marR="0" lvl="0" algn="l" rtl="0">
       <a:lnSpc>
         <a:spcPct val="100000"/>
       </a:lnSpc>
@@ -28,7 +28,7 @@
         <a:spcPts val="0"/>
       </a:spcAft>
     </a:defPPr>
-    <a:lvl1pPr lvl="0" marR="0" rtl="0" algn="l">
+    <a:lvl1pPr marR="0" lvl="0" algn="l" rtl="0">
       <a:lnSpc>
         <a:spcPct val="100000"/>
       </a:lnSpc>
@@ -39,7 +39,7 @@
         <a:spcPts val="0"/>
       </a:spcAft>
       <a:buNone/>
-      <a:defRPr b="0" i="0" sz="1400" u="none" cap="none" strike="noStrike">
+      <a:defRPr sz="1400" b="0" i="0" u="none" strike="noStrike" cap="none">
         <a:solidFill>
           <a:srgbClr val="000000"/>
         </a:solidFill>
@@ -49,7 +49,7 @@
         <a:sym typeface="Arial"/>
       </a:defRPr>
     </a:lvl1pPr>
-    <a:lvl2pPr lvl="1" marR="0" rtl="0" algn="l">
+    <a:lvl2pPr marR="0" lvl="1" algn="l" rtl="0">
       <a:lnSpc>
         <a:spcPct val="100000"/>
       </a:lnSpc>
@@ -60,7 +60,7 @@
         <a:spcPts val="0"/>
       </a:spcAft>
       <a:buNone/>
-      <a:defRPr b="0" i="0" sz="1400" u="none" cap="none" strike="noStrike">
+      <a:defRPr sz="1400" b="0" i="0" u="none" strike="noStrike" cap="none">
         <a:solidFill>
           <a:srgbClr val="000000"/>
         </a:solidFill>
@@ -70,7 +70,7 @@
         <a:sym typeface="Arial"/>
       </a:defRPr>
     </a:lvl2pPr>
-    <a:lvl3pPr lvl="2" marR="0" rtl="0" algn="l">
+    <a:lvl3pPr marR="0" lvl="2" algn="l" rtl="0">
       <a:lnSpc>
         <a:spcPct val="100000"/>
       </a:lnSpc>
@@ -81,7 +81,7 @@
         <a:spcPts val="0"/>
       </a:spcAft>
       <a:buNone/>
-      <a:defRPr b="0" i="0" sz="1400" u="none" cap="none" strike="noStrike">
+      <a:defRPr sz="1400" b="0" i="0" u="none" strike="noStrike" cap="none">
         <a:solidFill>
           <a:srgbClr val="000000"/>
         </a:solidFill>
@@ -91,7 +91,7 @@
         <a:sym typeface="Arial"/>
       </a:defRPr>
     </a:lvl3pPr>
-    <a:lvl4pPr lvl="3" marR="0" rtl="0" algn="l">
+    <a:lvl4pPr marR="0" lvl="3" algn="l" rtl="0">
       <a:lnSpc>
         <a:spcPct val="100000"/>
       </a:lnSpc>
@@ -102,7 +102,7 @@
         <a:spcPts val="0"/>
       </a:spcAft>
       <a:buNone/>
-      <a:defRPr b="0" i="0" sz="1400" u="none" cap="none" strike="noStrike">
+      <a:defRPr sz="1400" b="0" i="0" u="none" strike="noStrike" cap="none">
         <a:solidFill>
           <a:srgbClr val="000000"/>
         </a:solidFill>
@@ -112,7 +112,7 @@
         <a:sym typeface="Arial"/>
       </a:defRPr>
     </a:lvl4pPr>
-    <a:lvl5pPr lvl="4" marR="0" rtl="0" algn="l">
+    <a:lvl5pPr marR="0" lvl="4" algn="l" rtl="0">
       <a:lnSpc>
         <a:spcPct val="100000"/>
       </a:lnSpc>
@@ -123,7 +123,7 @@
         <a:spcPts val="0"/>
       </a:spcAft>
       <a:buNone/>
-      <a:defRPr b="0" i="0" sz="1400" u="none" cap="none" strike="noStrike">
+      <a:defRPr sz="1400" b="0" i="0" u="none" strike="noStrike" cap="none">
         <a:solidFill>
           <a:srgbClr val="000000"/>
         </a:solidFill>
@@ -133,7 +133,7 @@
         <a:sym typeface="Arial"/>
       </a:defRPr>
     </a:lvl5pPr>
-    <a:lvl6pPr lvl="5" marR="0" rtl="0" algn="l">
+    <a:lvl6pPr marR="0" lvl="5" algn="l" rtl="0">
       <a:lnSpc>
         <a:spcPct val="100000"/>
       </a:lnSpc>
@@ -144,7 +144,7 @@
         <a:spcPts val="0"/>
       </a:spcAft>
       <a:buNone/>
-      <a:defRPr b="0" i="0" sz="1400" u="none" cap="none" strike="noStrike">
+      <a:defRPr sz="1400" b="0" i="0" u="none" strike="noStrike" cap="none">
         <a:solidFill>
           <a:srgbClr val="000000"/>
         </a:solidFill>
@@ -154,7 +154,7 @@
         <a:sym typeface="Arial"/>
       </a:defRPr>
     </a:lvl6pPr>
-    <a:lvl7pPr lvl="6" marR="0" rtl="0" algn="l">
+    <a:lvl7pPr marR="0" lvl="6" algn="l" rtl="0">
       <a:lnSpc>
         <a:spcPct val="100000"/>
       </a:lnSpc>
@@ -165,7 +165,7 @@
         <a:spcPts val="0"/>
       </a:spcAft>
       <a:buNone/>
-      <a:defRPr b="0" i="0" sz="1400" u="none" cap="none" strike="noStrike">
+      <a:defRPr sz="1400" b="0" i="0" u="none" strike="noStrike" cap="none">
         <a:solidFill>
           <a:srgbClr val="000000"/>
         </a:solidFill>
@@ -175,7 +175,7 @@
         <a:sym typeface="Arial"/>
       </a:defRPr>
     </a:lvl7pPr>
-    <a:lvl8pPr lvl="7" marR="0" rtl="0" algn="l">
+    <a:lvl8pPr marR="0" lvl="7" algn="l" rtl="0">
       <a:lnSpc>
         <a:spcPct val="100000"/>
       </a:lnSpc>
@@ -186,7 +186,7 @@
         <a:spcPts val="0"/>
       </a:spcAft>
       <a:buNone/>
-      <a:defRPr b="0" i="0" sz="1400" u="none" cap="none" strike="noStrike">
+      <a:defRPr sz="1400" b="0" i="0" u="none" strike="noStrike" cap="none">
         <a:solidFill>
           <a:srgbClr val="000000"/>
         </a:solidFill>
@@ -196,7 +196,7 @@
         <a:sym typeface="Arial"/>
       </a:defRPr>
     </a:lvl8pPr>
-    <a:lvl9pPr lvl="8" marR="0" rtl="0" algn="l">
+    <a:lvl9pPr marR="0" lvl="8" algn="l" rtl="0">
       <a:lnSpc>
         <a:spcPct val="100000"/>
       </a:lnSpc>
@@ -207,7 +207,7 @@
         <a:spcPts val="0"/>
       </a:spcAft>
       <a:buNone/>
-      <a:defRPr b="0" i="0" sz="1400" u="none" cap="none" strike="noStrike">
+      <a:defRPr sz="1400" b="0" i="0" u="none" strike="noStrike" cap="none">
         <a:solidFill>
           <a:srgbClr val="000000"/>
         </a:solidFill>
@@ -222,11 +222,16 @@
 </file>
 
 <file path=ppt/notesMasters/notesMaster1.xml><?xml version="1.0" encoding="utf-8"?>
-<p:notesMaster xmlns:a="http://schemas.openxmlformats.org/drawingml/2006/main" xmlns:r="http://schemas.openxmlformats.org/officeDocument/2006/relationships" xmlns:mc="http://schemas.openxmlformats.org/markup-compatibility/2006" xmlns:mv="urn:schemas-microsoft-com:mac:vml" xmlns:p="http://schemas.openxmlformats.org/presentationml/2006/main" xmlns:c="http://schemas.openxmlformats.org/drawingml/2006/chart" xmlns:dgm="http://schemas.openxmlformats.org/drawingml/2006/diagram" xmlns:o="urn:schemas-microsoft-com:office:office" xmlns:v="urn:schemas-microsoft-com:vml" xmlns:pvml="urn:schemas-microsoft-com:office:powerpoint" xmlns:com="http://schemas.openxmlformats.org/drawingml/2006/compatibility" xmlns:p14="http://schemas.microsoft.com/office/powerpoint/2010/main">
+<p:notesMaster xmlns:a="http://schemas.openxmlformats.org/drawingml/2006/main" xmlns:r="http://schemas.openxmlformats.org/officeDocument/2006/relationships" xmlns:p="http://schemas.openxmlformats.org/presentationml/2006/main">
   <p:cSld>
+    <p:bg>
+      <p:bgRef idx="1001">
+        <a:schemeClr val="bg1"/>
+      </p:bgRef>
+    </p:bg>
     <p:spTree>
       <p:nvGrpSpPr>
-        <p:cNvPr id="2" name="Shape 2"/>
+        <p:cNvPr id="1" name="Shape 2"/>
         <p:cNvGrpSpPr/>
         <p:nvPr/>
       </p:nvGrpSpPr>
@@ -241,9 +246,11 @@
       <p:sp>
         <p:nvSpPr>
           <p:cNvPr id="3" name="Shape 3"/>
-          <p:cNvSpPr/>
+          <p:cNvSpPr>
+            <a:spLocks noGrp="1" noRot="1" noChangeAspect="1"/>
+          </p:cNvSpPr>
           <p:nvPr>
-            <p:ph idx="2" type="sldImg"/>
+            <p:ph type="sldImg" idx="2"/>
           </p:nvPr>
         </p:nvSpPr>
         <p:spPr>
@@ -252,8 +259,13 @@
             <a:ext cx="4572225" cy="3429000"/>
           </a:xfrm>
           <a:custGeom>
+            <a:avLst/>
+            <a:gdLst/>
+            <a:ahLst/>
+            <a:cxnLst/>
+            <a:rect l="0" t="0" r="0" b="0"/>
             <a:pathLst>
-              <a:path extrusionOk="0" h="120000" w="120000">
+              <a:path w="120000" h="120000" extrusionOk="0">
                 <a:moveTo>
                   <a:pt x="0" y="0"/>
                 </a:moveTo>
@@ -271,23 +283,25 @@
             </a:pathLst>
           </a:custGeom>
           <a:noFill/>
-          <a:ln cap="flat" cmpd="sng" w="9525">
+          <a:ln w="9525" cap="flat" cmpd="sng">
             <a:solidFill>
               <a:srgbClr val="000000"/>
             </a:solidFill>
             <a:prstDash val="solid"/>
             <a:round/>
-            <a:headEnd len="med" w="med" type="none"/>
-            <a:tailEnd len="med" w="med" type="none"/>
+            <a:headEnd type="none" w="med" len="med"/>
+            <a:tailEnd type="none" w="med" len="med"/>
           </a:ln>
         </p:spPr>
       </p:sp>
       <p:sp>
         <p:nvSpPr>
           <p:cNvPr id="4" name="Shape 4"/>
-          <p:cNvSpPr txBox="1"/>
+          <p:cNvSpPr txBox="1">
+            <a:spLocks noGrp="1"/>
+          </p:cNvSpPr>
           <p:nvPr>
-            <p:ph idx="1" type="body"/>
+            <p:ph type="body" idx="1"/>
           </p:nvPr>
         </p:nvSpPr>
         <p:spPr>
@@ -304,7 +318,7 @@
           </a:ln>
         </p:spPr>
         <p:txBody>
-          <a:bodyPr anchorCtr="0" anchor="t" bIns="91425" lIns="91425" rIns="91425" tIns="91425"/>
+          <a:bodyPr lIns="91425" tIns="91425" rIns="91425" bIns="91425" anchor="t" anchorCtr="0"/>
           <a:lstStyle>
             <a:lvl1pPr lvl="0">
               <a:spcBef>
@@ -361,21 +375,115 @@
               <a:defRPr sz="1100"/>
             </a:lvl9pPr>
           </a:lstStyle>
-          <a:p/>
+          <a:p>
+            <a:endParaRPr/>
+          </a:p>
         </p:txBody>
       </p:sp>
     </p:spTree>
   </p:cSld>
-  <p:clrMap accent1="accent1" accent2="accent2" accent3="accent3" accent4="accent4" accent5="accent5" accent6="accent6" bg1="lt1" bg2="dk2" tx1="dk1" tx2="lt2" folHlink="folHlink" hlink="hlink"/>
+  <p:clrMap bg1="lt1" tx1="dk1" bg2="dk2" tx2="lt2" accent1="accent1" accent2="accent2" accent3="accent3" accent4="accent4" accent5="accent5" accent6="accent6" hlink="hlink" folHlink="folHlink"/>
+  <p:notesStyle>
+    <a:lvl1pPr marL="0" algn="l" defTabSz="914400" rtl="0" eaLnBrk="1" latinLnBrk="0" hangingPunct="1">
+      <a:defRPr sz="1200" kern="1200">
+        <a:solidFill>
+          <a:schemeClr val="tx1"/>
+        </a:solidFill>
+        <a:latin typeface="+mn-lt"/>
+        <a:ea typeface="+mn-ea"/>
+        <a:cs typeface="+mn-cs"/>
+      </a:defRPr>
+    </a:lvl1pPr>
+    <a:lvl2pPr marL="457200" algn="l" defTabSz="914400" rtl="0" eaLnBrk="1" latinLnBrk="0" hangingPunct="1">
+      <a:defRPr sz="1200" kern="1200">
+        <a:solidFill>
+          <a:schemeClr val="tx1"/>
+        </a:solidFill>
+        <a:latin typeface="+mn-lt"/>
+        <a:ea typeface="+mn-ea"/>
+        <a:cs typeface="+mn-cs"/>
+      </a:defRPr>
+    </a:lvl2pPr>
+    <a:lvl3pPr marL="914400" algn="l" defTabSz="914400" rtl="0" eaLnBrk="1" latinLnBrk="0" hangingPunct="1">
+      <a:defRPr sz="1200" kern="1200">
+        <a:solidFill>
+          <a:schemeClr val="tx1"/>
+        </a:solidFill>
+        <a:latin typeface="+mn-lt"/>
+        <a:ea typeface="+mn-ea"/>
+        <a:cs typeface="+mn-cs"/>
+      </a:defRPr>
+    </a:lvl3pPr>
+    <a:lvl4pPr marL="1371600" algn="l" defTabSz="914400" rtl="0" eaLnBrk="1" latinLnBrk="0" hangingPunct="1">
+      <a:defRPr sz="1200" kern="1200">
+        <a:solidFill>
+          <a:schemeClr val="tx1"/>
+        </a:solidFill>
+        <a:latin typeface="+mn-lt"/>
+        <a:ea typeface="+mn-ea"/>
+        <a:cs typeface="+mn-cs"/>
+      </a:defRPr>
+    </a:lvl4pPr>
+    <a:lvl5pPr marL="1828800" algn="l" defTabSz="914400" rtl="0" eaLnBrk="1" latinLnBrk="0" hangingPunct="1">
+      <a:defRPr sz="1200" kern="1200">
+        <a:solidFill>
+          <a:schemeClr val="tx1"/>
+        </a:solidFill>
+        <a:latin typeface="+mn-lt"/>
+        <a:ea typeface="+mn-ea"/>
+        <a:cs typeface="+mn-cs"/>
+      </a:defRPr>
+    </a:lvl5pPr>
+    <a:lvl6pPr marL="2286000" algn="l" defTabSz="914400" rtl="0" eaLnBrk="1" latinLnBrk="0" hangingPunct="1">
+      <a:defRPr sz="1200" kern="1200">
+        <a:solidFill>
+          <a:schemeClr val="tx1"/>
+        </a:solidFill>
+        <a:latin typeface="+mn-lt"/>
+        <a:ea typeface="+mn-ea"/>
+        <a:cs typeface="+mn-cs"/>
+      </a:defRPr>
+    </a:lvl6pPr>
+    <a:lvl7pPr marL="2743200" algn="l" defTabSz="914400" rtl="0" eaLnBrk="1" latinLnBrk="0" hangingPunct="1">
+      <a:defRPr sz="1200" kern="1200">
+        <a:solidFill>
+          <a:schemeClr val="tx1"/>
+        </a:solidFill>
+        <a:latin typeface="+mn-lt"/>
+        <a:ea typeface="+mn-ea"/>
+        <a:cs typeface="+mn-cs"/>
+      </a:defRPr>
+    </a:lvl7pPr>
+    <a:lvl8pPr marL="3200400" algn="l" defTabSz="914400" rtl="0" eaLnBrk="1" latinLnBrk="0" hangingPunct="1">
+      <a:defRPr sz="1200" kern="1200">
+        <a:solidFill>
+          <a:schemeClr val="tx1"/>
+        </a:solidFill>
+        <a:latin typeface="+mn-lt"/>
+        <a:ea typeface="+mn-ea"/>
+        <a:cs typeface="+mn-cs"/>
+      </a:defRPr>
+    </a:lvl8pPr>
+    <a:lvl9pPr marL="3657600" algn="l" defTabSz="914400" rtl="0" eaLnBrk="1" latinLnBrk="0" hangingPunct="1">
+      <a:defRPr sz="1200" kern="1200">
+        <a:solidFill>
+          <a:schemeClr val="tx1"/>
+        </a:solidFill>
+        <a:latin typeface="+mn-lt"/>
+        <a:ea typeface="+mn-ea"/>
+        <a:cs typeface="+mn-cs"/>
+      </a:defRPr>
+    </a:lvl9pPr>
+  </p:notesStyle>
 </p:notesMaster>
 </file>
 
 <file path=ppt/notesSlides/notesSlide1.xml><?xml version="1.0" encoding="utf-8"?>
-<p:notes xmlns:a="http://schemas.openxmlformats.org/drawingml/2006/main" xmlns:r="http://schemas.openxmlformats.org/officeDocument/2006/relationships" xmlns:mc="http://schemas.openxmlformats.org/markup-compatibility/2006" xmlns:mv="urn:schemas-microsoft-com:mac:vml" xmlns:p="http://schemas.openxmlformats.org/presentationml/2006/main" xmlns:c="http://schemas.openxmlformats.org/drawingml/2006/chart" xmlns:dgm="http://schemas.openxmlformats.org/drawingml/2006/diagram" xmlns:o="urn:schemas-microsoft-com:office:office" xmlns:v="urn:schemas-microsoft-com:vml" xmlns:pvml="urn:schemas-microsoft-com:office:powerpoint" xmlns:com="http://schemas.openxmlformats.org/drawingml/2006/compatibility" xmlns:p14="http://schemas.microsoft.com/office/powerpoint/2010/main" showMasterPhAnim="0" showMasterSp="0">
+<p:notes xmlns:a="http://schemas.openxmlformats.org/drawingml/2006/main" xmlns:r="http://schemas.openxmlformats.org/officeDocument/2006/relationships" xmlns:p="http://schemas.openxmlformats.org/presentationml/2006/main" showMasterSp="0" showMasterPhAnim="0">
   <p:cSld>
     <p:spTree>
       <p:nvGrpSpPr>
-        <p:cNvPr id="86" name="Shape 86"/>
+        <p:cNvPr id="1" name="Shape 86"/>
         <p:cNvGrpSpPr/>
         <p:nvPr/>
       </p:nvGrpSpPr>
@@ -390,9 +498,11 @@
       <p:sp>
         <p:nvSpPr>
           <p:cNvPr id="87" name="Shape 87"/>
-          <p:cNvSpPr txBox="1"/>
+          <p:cNvSpPr txBox="1">
+            <a:spLocks noGrp="1"/>
+          </p:cNvSpPr>
           <p:nvPr>
-            <p:ph idx="1" type="body"/>
+            <p:ph type="body" idx="1"/>
           </p:nvPr>
         </p:nvSpPr>
         <p:spPr>
@@ -409,7 +519,7 @@
           </a:ln>
         </p:spPr>
         <p:txBody>
-          <a:bodyPr anchorCtr="0" anchor="ctr" bIns="91425" lIns="91425" rIns="91425" tIns="91425">
+          <a:bodyPr lIns="91425" tIns="91425" rIns="91425" bIns="91425" anchor="ctr" anchorCtr="0">
             <a:noAutofit/>
           </a:bodyPr>
           <a:lstStyle/>
@@ -420,9 +530,6 @@
               </a:spcBef>
               <a:buNone/>
             </a:pPr>
-            <a:r>
-              <a:t/>
-            </a:r>
             <a:endParaRPr/>
           </a:p>
         </p:txBody>
@@ -430,19 +537,26 @@
       <p:sp>
         <p:nvSpPr>
           <p:cNvPr id="88" name="Shape 88"/>
-          <p:cNvSpPr/>
+          <p:cNvSpPr>
+            <a:spLocks noGrp="1" noRot="1" noChangeAspect="1"/>
+          </p:cNvSpPr>
           <p:nvPr>
-            <p:ph idx="2" type="sldImg"/>
+            <p:ph type="sldImg" idx="2"/>
           </p:nvPr>
         </p:nvSpPr>
         <p:spPr>
           <a:xfrm>
-            <a:off x="1143225" y="685800"/>
-            <a:ext cx="4572299" cy="3429000"/>
+            <a:off x="1143000" y="685800"/>
+            <a:ext cx="4572000" cy="3429000"/>
           </a:xfrm>
           <a:custGeom>
+            <a:avLst/>
+            <a:gdLst/>
+            <a:ahLst/>
+            <a:cxnLst/>
+            <a:rect l="0" t="0" r="0" b="0"/>
             <a:pathLst>
-              <a:path extrusionOk="0" h="120000" w="120000">
+              <a:path w="120000" h="120000" extrusionOk="0">
                 <a:moveTo>
                   <a:pt x="0" y="0"/>
                 </a:moveTo>
@@ -470,11 +584,11 @@
 </file>
 
 <file path=ppt/notesSlides/notesSlide2.xml><?xml version="1.0" encoding="utf-8"?>
-<p:notes xmlns:a="http://schemas.openxmlformats.org/drawingml/2006/main" xmlns:r="http://schemas.openxmlformats.org/officeDocument/2006/relationships" xmlns:mc="http://schemas.openxmlformats.org/markup-compatibility/2006" xmlns:mv="urn:schemas-microsoft-com:mac:vml" xmlns:p="http://schemas.openxmlformats.org/presentationml/2006/main" xmlns:c="http://schemas.openxmlformats.org/drawingml/2006/chart" xmlns:dgm="http://schemas.openxmlformats.org/drawingml/2006/diagram" xmlns:o="urn:schemas-microsoft-com:office:office" xmlns:v="urn:schemas-microsoft-com:vml" xmlns:pvml="urn:schemas-microsoft-com:office:powerpoint" xmlns:com="http://schemas.openxmlformats.org/drawingml/2006/compatibility" xmlns:p14="http://schemas.microsoft.com/office/powerpoint/2010/main" showMasterPhAnim="0" showMasterSp="0">
+<p:notes xmlns:a="http://schemas.openxmlformats.org/drawingml/2006/main" xmlns:r="http://schemas.openxmlformats.org/officeDocument/2006/relationships" xmlns:p="http://schemas.openxmlformats.org/presentationml/2006/main" showMasterSp="0" showMasterPhAnim="0">
   <p:cSld>
     <p:spTree>
       <p:nvGrpSpPr>
-        <p:cNvPr id="92" name="Shape 92"/>
+        <p:cNvPr id="1" name="Shape 92"/>
         <p:cNvGrpSpPr/>
         <p:nvPr/>
       </p:nvGrpSpPr>
@@ -489,9 +603,11 @@
       <p:sp>
         <p:nvSpPr>
           <p:cNvPr id="93" name="Shape 93"/>
-          <p:cNvSpPr txBox="1"/>
+          <p:cNvSpPr txBox="1">
+            <a:spLocks noGrp="1"/>
+          </p:cNvSpPr>
           <p:nvPr>
-            <p:ph idx="1" type="body"/>
+            <p:ph type="body" idx="1"/>
           </p:nvPr>
         </p:nvSpPr>
         <p:spPr>
@@ -508,7 +624,7 @@
           </a:ln>
         </p:spPr>
         <p:txBody>
-          <a:bodyPr anchorCtr="0" anchor="ctr" bIns="91425" lIns="91425" rIns="91425" tIns="91425">
+          <a:bodyPr lIns="91425" tIns="91425" rIns="91425" bIns="91425" anchor="ctr" anchorCtr="0">
             <a:noAutofit/>
           </a:bodyPr>
           <a:lstStyle/>
@@ -519,9 +635,6 @@
               </a:spcBef>
               <a:buNone/>
             </a:pPr>
-            <a:r>
-              <a:t/>
-            </a:r>
             <a:endParaRPr/>
           </a:p>
         </p:txBody>
@@ -529,19 +642,26 @@
       <p:sp>
         <p:nvSpPr>
           <p:cNvPr id="94" name="Shape 94"/>
-          <p:cNvSpPr/>
+          <p:cNvSpPr>
+            <a:spLocks noGrp="1" noRot="1" noChangeAspect="1"/>
+          </p:cNvSpPr>
           <p:nvPr>
-            <p:ph idx="2" type="sldImg"/>
+            <p:ph type="sldImg" idx="2"/>
           </p:nvPr>
         </p:nvSpPr>
         <p:spPr>
           <a:xfrm>
-            <a:off x="1143225" y="685800"/>
-            <a:ext cx="4572299" cy="3429000"/>
+            <a:off x="1143000" y="685800"/>
+            <a:ext cx="4572000" cy="3429000"/>
           </a:xfrm>
           <a:custGeom>
+            <a:avLst/>
+            <a:gdLst/>
+            <a:ahLst/>
+            <a:cxnLst/>
+            <a:rect l="0" t="0" r="0" b="0"/>
             <a:pathLst>
-              <a:path extrusionOk="0" h="120000" w="120000">
+              <a:path w="120000" h="120000" extrusionOk="0">
                 <a:moveTo>
                   <a:pt x="0" y="0"/>
                 </a:moveTo>
@@ -569,11 +689,11 @@
 </file>
 
 <file path=ppt/notesSlides/notesSlide3.xml><?xml version="1.0" encoding="utf-8"?>
-<p:notes xmlns:a="http://schemas.openxmlformats.org/drawingml/2006/main" xmlns:r="http://schemas.openxmlformats.org/officeDocument/2006/relationships" xmlns:mc="http://schemas.openxmlformats.org/markup-compatibility/2006" xmlns:mv="urn:schemas-microsoft-com:mac:vml" xmlns:p="http://schemas.openxmlformats.org/presentationml/2006/main" xmlns:c="http://schemas.openxmlformats.org/drawingml/2006/chart" xmlns:dgm="http://schemas.openxmlformats.org/drawingml/2006/diagram" xmlns:o="urn:schemas-microsoft-com:office:office" xmlns:v="urn:schemas-microsoft-com:vml" xmlns:pvml="urn:schemas-microsoft-com:office:powerpoint" xmlns:com="http://schemas.openxmlformats.org/drawingml/2006/compatibility" xmlns:p14="http://schemas.microsoft.com/office/powerpoint/2010/main" showMasterPhAnim="0" showMasterSp="0">
+<p:notes xmlns:a="http://schemas.openxmlformats.org/drawingml/2006/main" xmlns:r="http://schemas.openxmlformats.org/officeDocument/2006/relationships" xmlns:p="http://schemas.openxmlformats.org/presentationml/2006/main" showMasterSp="0" showMasterPhAnim="0">
   <p:cSld>
     <p:spTree>
       <p:nvGrpSpPr>
-        <p:cNvPr id="98" name="Shape 98"/>
+        <p:cNvPr id="1" name="Shape 98"/>
         <p:cNvGrpSpPr/>
         <p:nvPr/>
       </p:nvGrpSpPr>
@@ -588,19 +708,26 @@
       <p:sp>
         <p:nvSpPr>
           <p:cNvPr id="99" name="Shape 99"/>
-          <p:cNvSpPr/>
+          <p:cNvSpPr>
+            <a:spLocks noGrp="1" noRot="1" noChangeAspect="1"/>
+          </p:cNvSpPr>
           <p:nvPr>
-            <p:ph idx="2" type="sldImg"/>
+            <p:ph type="sldImg" idx="2"/>
           </p:nvPr>
         </p:nvSpPr>
         <p:spPr>
           <a:xfrm>
-            <a:off x="1143225" y="685800"/>
-            <a:ext cx="4572299" cy="3429000"/>
+            <a:off x="1143000" y="685800"/>
+            <a:ext cx="4572000" cy="3429000"/>
           </a:xfrm>
           <a:custGeom>
+            <a:avLst/>
+            <a:gdLst/>
+            <a:ahLst/>
+            <a:cxnLst/>
+            <a:rect l="0" t="0" r="0" b="0"/>
             <a:pathLst>
-              <a:path extrusionOk="0" h="120000" w="120000">
+              <a:path w="120000" h="120000" extrusionOk="0">
                 <a:moveTo>
                   <a:pt x="0" y="0"/>
                 </a:moveTo>
@@ -622,9 +749,11 @@
       <p:sp>
         <p:nvSpPr>
           <p:cNvPr id="100" name="Shape 100"/>
-          <p:cNvSpPr txBox="1"/>
+          <p:cNvSpPr txBox="1">
+            <a:spLocks noGrp="1"/>
+          </p:cNvSpPr>
           <p:nvPr>
-            <p:ph idx="1" type="body"/>
+            <p:ph type="body" idx="1"/>
           </p:nvPr>
         </p:nvSpPr>
         <p:spPr>
@@ -637,7 +766,7 @@
           </a:prstGeom>
         </p:spPr>
         <p:txBody>
-          <a:bodyPr anchorCtr="0" anchor="t" bIns="91425" lIns="91425" rIns="91425" tIns="91425">
+          <a:bodyPr lIns="91425" tIns="91425" rIns="91425" bIns="91425" anchor="t" anchorCtr="0">
             <a:noAutofit/>
           </a:bodyPr>
           <a:lstStyle/>
@@ -648,9 +777,6 @@
               </a:spcBef>
               <a:buNone/>
             </a:pPr>
-            <a:r>
-              <a:t/>
-            </a:r>
             <a:endParaRPr/>
           </a:p>
         </p:txBody>
@@ -664,11 +790,11 @@
 </file>
 
 <file path=ppt/notesSlides/notesSlide4.xml><?xml version="1.0" encoding="utf-8"?>
-<p:notes xmlns:a="http://schemas.openxmlformats.org/drawingml/2006/main" xmlns:r="http://schemas.openxmlformats.org/officeDocument/2006/relationships" xmlns:mc="http://schemas.openxmlformats.org/markup-compatibility/2006" xmlns:mv="urn:schemas-microsoft-com:mac:vml" xmlns:p="http://schemas.openxmlformats.org/presentationml/2006/main" xmlns:c="http://schemas.openxmlformats.org/drawingml/2006/chart" xmlns:dgm="http://schemas.openxmlformats.org/drawingml/2006/diagram" xmlns:o="urn:schemas-microsoft-com:office:office" xmlns:v="urn:schemas-microsoft-com:vml" xmlns:pvml="urn:schemas-microsoft-com:office:powerpoint" xmlns:com="http://schemas.openxmlformats.org/drawingml/2006/compatibility" xmlns:p14="http://schemas.microsoft.com/office/powerpoint/2010/main" showMasterPhAnim="0" showMasterSp="0">
+<p:notes xmlns:a="http://schemas.openxmlformats.org/drawingml/2006/main" xmlns:r="http://schemas.openxmlformats.org/officeDocument/2006/relationships" xmlns:p="http://schemas.openxmlformats.org/presentationml/2006/main" showMasterSp="0" showMasterPhAnim="0">
   <p:cSld>
     <p:spTree>
       <p:nvGrpSpPr>
-        <p:cNvPr id="105" name="Shape 105"/>
+        <p:cNvPr id="1" name="Shape 105"/>
         <p:cNvGrpSpPr/>
         <p:nvPr/>
       </p:nvGrpSpPr>
@@ -683,19 +809,26 @@
       <p:sp>
         <p:nvSpPr>
           <p:cNvPr id="106" name="Shape 106"/>
-          <p:cNvSpPr/>
+          <p:cNvSpPr>
+            <a:spLocks noGrp="1" noRot="1" noChangeAspect="1"/>
+          </p:cNvSpPr>
           <p:nvPr>
-            <p:ph idx="2" type="sldImg"/>
+            <p:ph type="sldImg" idx="2"/>
           </p:nvPr>
         </p:nvSpPr>
         <p:spPr>
           <a:xfrm>
-            <a:off x="1143225" y="685800"/>
-            <a:ext cx="4572299" cy="3429000"/>
+            <a:off x="1143000" y="685800"/>
+            <a:ext cx="4572000" cy="3429000"/>
           </a:xfrm>
           <a:custGeom>
+            <a:avLst/>
+            <a:gdLst/>
+            <a:ahLst/>
+            <a:cxnLst/>
+            <a:rect l="0" t="0" r="0" b="0"/>
             <a:pathLst>
-              <a:path extrusionOk="0" h="120000" w="120000">
+              <a:path w="120000" h="120000" extrusionOk="0">
                 <a:moveTo>
                   <a:pt x="0" y="0"/>
                 </a:moveTo>
@@ -717,9 +850,11 @@
       <p:sp>
         <p:nvSpPr>
           <p:cNvPr id="107" name="Shape 107"/>
-          <p:cNvSpPr txBox="1"/>
+          <p:cNvSpPr txBox="1">
+            <a:spLocks noGrp="1"/>
+          </p:cNvSpPr>
           <p:nvPr>
-            <p:ph idx="1" type="body"/>
+            <p:ph type="body" idx="1"/>
           </p:nvPr>
         </p:nvSpPr>
         <p:spPr>
@@ -732,7 +867,7 @@
           </a:prstGeom>
         </p:spPr>
         <p:txBody>
-          <a:bodyPr anchorCtr="0" anchor="t" bIns="91425" lIns="91425" rIns="91425" tIns="91425">
+          <a:bodyPr lIns="91425" tIns="91425" rIns="91425" bIns="91425" anchor="t" anchorCtr="0">
             <a:noAutofit/>
           </a:bodyPr>
           <a:lstStyle/>
@@ -743,9 +878,6 @@
               </a:spcBef>
               <a:buNone/>
             </a:pPr>
-            <a:r>
-              <a:t/>
-            </a:r>
             <a:endParaRPr/>
           </a:p>
         </p:txBody>
@@ -759,11 +891,11 @@
 </file>
 
 <file path=ppt/notesSlides/notesSlide5.xml><?xml version="1.0" encoding="utf-8"?>
-<p:notes xmlns:a="http://schemas.openxmlformats.org/drawingml/2006/main" xmlns:r="http://schemas.openxmlformats.org/officeDocument/2006/relationships" xmlns:mc="http://schemas.openxmlformats.org/markup-compatibility/2006" xmlns:mv="urn:schemas-microsoft-com:mac:vml" xmlns:p="http://schemas.openxmlformats.org/presentationml/2006/main" xmlns:c="http://schemas.openxmlformats.org/drawingml/2006/chart" xmlns:dgm="http://schemas.openxmlformats.org/drawingml/2006/diagram" xmlns:o="urn:schemas-microsoft-com:office:office" xmlns:v="urn:schemas-microsoft-com:vml" xmlns:pvml="urn:schemas-microsoft-com:office:powerpoint" xmlns:com="http://schemas.openxmlformats.org/drawingml/2006/compatibility" xmlns:p14="http://schemas.microsoft.com/office/powerpoint/2010/main" showMasterPhAnim="0" showMasterSp="0">
+<p:notes xmlns:a="http://schemas.openxmlformats.org/drawingml/2006/main" xmlns:r="http://schemas.openxmlformats.org/officeDocument/2006/relationships" xmlns:p="http://schemas.openxmlformats.org/presentationml/2006/main" showMasterSp="0" showMasterPhAnim="0">
   <p:cSld>
     <p:spTree>
       <p:nvGrpSpPr>
-        <p:cNvPr id="111" name="Shape 111"/>
+        <p:cNvPr id="1" name="Shape 111"/>
         <p:cNvGrpSpPr/>
         <p:nvPr/>
       </p:nvGrpSpPr>
@@ -778,19 +910,26 @@
       <p:sp>
         <p:nvSpPr>
           <p:cNvPr id="112" name="Shape 112"/>
-          <p:cNvSpPr/>
+          <p:cNvSpPr>
+            <a:spLocks noGrp="1" noRot="1" noChangeAspect="1"/>
+          </p:cNvSpPr>
           <p:nvPr>
-            <p:ph idx="2" type="sldImg"/>
+            <p:ph type="sldImg" idx="2"/>
           </p:nvPr>
         </p:nvSpPr>
         <p:spPr>
           <a:xfrm>
-            <a:off x="1143225" y="685800"/>
-            <a:ext cx="4572299" cy="3429000"/>
+            <a:off x="1143000" y="685800"/>
+            <a:ext cx="4572000" cy="3429000"/>
           </a:xfrm>
           <a:custGeom>
+            <a:avLst/>
+            <a:gdLst/>
+            <a:ahLst/>
+            <a:cxnLst/>
+            <a:rect l="0" t="0" r="0" b="0"/>
             <a:pathLst>
-              <a:path extrusionOk="0" h="120000" w="120000">
+              <a:path w="120000" h="120000" extrusionOk="0">
                 <a:moveTo>
                   <a:pt x="0" y="0"/>
                 </a:moveTo>
@@ -812,9 +951,11 @@
       <p:sp>
         <p:nvSpPr>
           <p:cNvPr id="113" name="Shape 113"/>
-          <p:cNvSpPr txBox="1"/>
+          <p:cNvSpPr txBox="1">
+            <a:spLocks noGrp="1"/>
+          </p:cNvSpPr>
           <p:nvPr>
-            <p:ph idx="1" type="body"/>
+            <p:ph type="body" idx="1"/>
           </p:nvPr>
         </p:nvSpPr>
         <p:spPr>
@@ -827,7 +968,7 @@
           </a:prstGeom>
         </p:spPr>
         <p:txBody>
-          <a:bodyPr anchorCtr="0" anchor="t" bIns="91425" lIns="91425" rIns="91425" tIns="91425">
+          <a:bodyPr lIns="91425" tIns="91425" rIns="91425" bIns="91425" anchor="t" anchorCtr="0">
             <a:noAutofit/>
           </a:bodyPr>
           <a:lstStyle/>
@@ -838,9 +979,6 @@
               </a:spcBef>
               <a:buNone/>
             </a:pPr>
-            <a:r>
-              <a:t/>
-            </a:r>
             <a:endParaRPr/>
           </a:p>
         </p:txBody>
@@ -854,11 +992,11 @@
 </file>
 
 <file path=ppt/slideLayouts/slideLayout1.xml><?xml version="1.0" encoding="utf-8"?>
-<p:sldLayout xmlns:a="http://schemas.openxmlformats.org/drawingml/2006/main" xmlns:r="http://schemas.openxmlformats.org/officeDocument/2006/relationships" xmlns:mc="http://schemas.openxmlformats.org/markup-compatibility/2006" xmlns:mv="urn:schemas-microsoft-com:mac:vml" xmlns:p="http://schemas.openxmlformats.org/presentationml/2006/main" xmlns:c="http://schemas.openxmlformats.org/drawingml/2006/chart" xmlns:dgm="http://schemas.openxmlformats.org/drawingml/2006/diagram" xmlns:o="urn:schemas-microsoft-com:office:office" xmlns:v="urn:schemas-microsoft-com:vml" xmlns:pvml="urn:schemas-microsoft-com:office:powerpoint" xmlns:com="http://schemas.openxmlformats.org/drawingml/2006/compatibility" xmlns:p14="http://schemas.microsoft.com/office/powerpoint/2010/main" type="title">
+<p:sldLayout xmlns:a="http://schemas.openxmlformats.org/drawingml/2006/main" xmlns:r="http://schemas.openxmlformats.org/officeDocument/2006/relationships" xmlns:p="http://schemas.openxmlformats.org/presentationml/2006/main" type="title">
   <p:cSld name="Diapositiva de título">
     <p:spTree>
       <p:nvGrpSpPr>
-        <p:cNvPr id="13" name="Shape 13"/>
+        <p:cNvPr id="1" name="Shape 13"/>
         <p:cNvGrpSpPr/>
         <p:nvPr/>
       </p:nvGrpSpPr>
@@ -873,7 +1011,9 @@
       <p:sp>
         <p:nvSpPr>
           <p:cNvPr id="14" name="Shape 14"/>
-          <p:cNvSpPr txBox="1"/>
+          <p:cNvSpPr txBox="1">
+            <a:spLocks noGrp="1"/>
+          </p:cNvSpPr>
           <p:nvPr>
             <p:ph type="ctrTitle"/>
           </p:nvPr>
@@ -892,9 +1032,9 @@
           </a:ln>
         </p:spPr>
         <p:txBody>
-          <a:bodyPr anchorCtr="0" anchor="b" bIns="91425" lIns="91425" rIns="91425" tIns="91425"/>
+          <a:bodyPr lIns="91425" tIns="91425" rIns="91425" bIns="91425" anchor="b" anchorCtr="0"/>
           <a:lstStyle>
-            <a:lvl1pPr indent="0" lvl="0" marL="0" marR="0" rtl="0" algn="l">
+            <a:lvl1pPr marL="0" marR="0" lvl="0" indent="0" algn="l" rtl="0">
               <a:spcBef>
                 <a:spcPts val="0"/>
               </a:spcBef>
@@ -905,64 +1045,68 @@
               <a:buNone/>
               <a:defRPr/>
             </a:lvl1pPr>
-            <a:lvl2pPr indent="0" lvl="1" marL="0" marR="0" rtl="0" algn="l">
+            <a:lvl2pPr marL="0" marR="0" lvl="1" indent="0" algn="l" rtl="0">
               <a:spcBef>
                 <a:spcPts val="0"/>
               </a:spcBef>
               <a:defRPr/>
             </a:lvl2pPr>
-            <a:lvl3pPr indent="0" lvl="2" marL="0" marR="0" rtl="0" algn="l">
+            <a:lvl3pPr marL="0" marR="0" lvl="2" indent="0" algn="l" rtl="0">
               <a:spcBef>
                 <a:spcPts val="0"/>
               </a:spcBef>
               <a:defRPr/>
             </a:lvl3pPr>
-            <a:lvl4pPr indent="0" lvl="3" marL="0" marR="0" rtl="0" algn="l">
+            <a:lvl4pPr marL="0" marR="0" lvl="3" indent="0" algn="l" rtl="0">
               <a:spcBef>
                 <a:spcPts val="0"/>
               </a:spcBef>
               <a:defRPr/>
             </a:lvl4pPr>
-            <a:lvl5pPr indent="0" lvl="4" marL="0" marR="0" rtl="0" algn="l">
+            <a:lvl5pPr marL="0" marR="0" lvl="4" indent="0" algn="l" rtl="0">
               <a:spcBef>
                 <a:spcPts val="0"/>
               </a:spcBef>
               <a:defRPr/>
             </a:lvl5pPr>
-            <a:lvl6pPr indent="0" lvl="5" marL="0" marR="0" rtl="0" algn="l">
+            <a:lvl6pPr marL="0" marR="0" lvl="5" indent="0" algn="l" rtl="0">
               <a:spcBef>
                 <a:spcPts val="0"/>
               </a:spcBef>
               <a:defRPr/>
             </a:lvl6pPr>
-            <a:lvl7pPr indent="0" lvl="6" marL="0" marR="0" rtl="0" algn="l">
+            <a:lvl7pPr marL="0" marR="0" lvl="6" indent="0" algn="l" rtl="0">
               <a:spcBef>
                 <a:spcPts val="0"/>
               </a:spcBef>
               <a:defRPr/>
             </a:lvl7pPr>
-            <a:lvl8pPr indent="0" lvl="7" marL="0" marR="0" rtl="0" algn="l">
+            <a:lvl8pPr marL="0" marR="0" lvl="7" indent="0" algn="l" rtl="0">
               <a:spcBef>
                 <a:spcPts val="0"/>
               </a:spcBef>
               <a:defRPr/>
             </a:lvl8pPr>
-            <a:lvl9pPr indent="0" lvl="8" marL="0" marR="0" rtl="0" algn="l">
+            <a:lvl9pPr marL="0" marR="0" lvl="8" indent="0" algn="l" rtl="0">
               <a:spcBef>
                 <a:spcPts val="0"/>
               </a:spcBef>
               <a:defRPr/>
             </a:lvl9pPr>
           </a:lstStyle>
-          <a:p/>
+          <a:p>
+            <a:endParaRPr/>
+          </a:p>
         </p:txBody>
       </p:sp>
       <p:sp>
         <p:nvSpPr>
           <p:cNvPr id="15" name="Shape 15"/>
-          <p:cNvSpPr txBox="1"/>
+          <p:cNvSpPr txBox="1">
+            <a:spLocks noGrp="1"/>
+          </p:cNvSpPr>
           <p:nvPr>
-            <p:ph idx="1" type="subTitle"/>
+            <p:ph type="subTitle" idx="1"/>
           </p:nvPr>
         </p:nvSpPr>
         <p:spPr>
@@ -979,9 +1123,9 @@
           </a:ln>
         </p:spPr>
         <p:txBody>
-          <a:bodyPr anchorCtr="0" anchor="t" bIns="91425" lIns="91425" rIns="91425" tIns="91425"/>
+          <a:bodyPr lIns="91425" tIns="91425" rIns="91425" bIns="91425" anchor="t" anchorCtr="0"/>
           <a:lstStyle>
-            <a:lvl1pPr indent="0" lvl="0" marL="0" marR="0" rtl="0" algn="l">
+            <a:lvl1pPr marL="0" marR="0" lvl="0" indent="0" algn="l" rtl="0">
               <a:spcBef>
                 <a:spcPts val="480"/>
               </a:spcBef>
@@ -992,7 +1136,7 @@
               <a:buNone/>
               <a:defRPr/>
             </a:lvl1pPr>
-            <a:lvl2pPr indent="0" lvl="1" marL="457200" marR="0" rtl="0" algn="ctr">
+            <a:lvl2pPr marL="457200" marR="0" lvl="1" indent="0" algn="ctr" rtl="0">
               <a:spcBef>
                 <a:spcPts val="400"/>
               </a:spcBef>
@@ -1003,7 +1147,7 @@
               <a:buNone/>
               <a:defRPr/>
             </a:lvl2pPr>
-            <a:lvl3pPr indent="0" lvl="2" marL="914400" marR="0" rtl="0" algn="ctr">
+            <a:lvl3pPr marL="914400" marR="0" lvl="2" indent="0" algn="ctr" rtl="0">
               <a:spcBef>
                 <a:spcPts val="360"/>
               </a:spcBef>
@@ -1014,7 +1158,7 @@
               <a:buNone/>
               <a:defRPr/>
             </a:lvl3pPr>
-            <a:lvl4pPr indent="0" lvl="3" marL="1371600" marR="0" rtl="0" algn="ctr">
+            <a:lvl4pPr marL="1371600" marR="0" lvl="3" indent="0" algn="ctr" rtl="0">
               <a:spcBef>
                 <a:spcPts val="320"/>
               </a:spcBef>
@@ -1025,7 +1169,7 @@
               <a:buNone/>
               <a:defRPr/>
             </a:lvl4pPr>
-            <a:lvl5pPr indent="0" lvl="4" marL="1828800" marR="0" rtl="0" algn="ctr">
+            <a:lvl5pPr marL="1828800" marR="0" lvl="4" indent="0" algn="ctr" rtl="0">
               <a:spcBef>
                 <a:spcPts val="280"/>
               </a:spcBef>
@@ -1036,7 +1180,7 @@
               <a:buNone/>
               <a:defRPr/>
             </a:lvl5pPr>
-            <a:lvl6pPr indent="0" lvl="5" marL="2286000" marR="0" rtl="0" algn="ctr">
+            <a:lvl6pPr marL="2286000" marR="0" lvl="5" indent="0" algn="ctr" rtl="0">
               <a:spcBef>
                 <a:spcPts val="260"/>
               </a:spcBef>
@@ -1047,7 +1191,7 @@
               <a:buNone/>
               <a:defRPr/>
             </a:lvl6pPr>
-            <a:lvl7pPr indent="0" lvl="6" marL="2743200" marR="0" rtl="0" algn="ctr">
+            <a:lvl7pPr marL="2743200" marR="0" lvl="6" indent="0" algn="ctr" rtl="0">
               <a:spcBef>
                 <a:spcPts val="260"/>
               </a:spcBef>
@@ -1058,7 +1202,7 @@
               <a:buNone/>
               <a:defRPr/>
             </a:lvl7pPr>
-            <a:lvl8pPr indent="0" lvl="7" marL="3200400" marR="0" rtl="0" algn="ctr">
+            <a:lvl8pPr marL="3200400" marR="0" lvl="7" indent="0" algn="ctr" rtl="0">
               <a:spcBef>
                 <a:spcPts val="260"/>
               </a:spcBef>
@@ -1069,7 +1213,7 @@
               <a:buNone/>
               <a:defRPr/>
             </a:lvl8pPr>
-            <a:lvl9pPr indent="0" lvl="8" marL="3657600" marR="0" rtl="0" algn="ctr">
+            <a:lvl9pPr marL="3657600" marR="0" lvl="8" indent="0" algn="ctr" rtl="0">
               <a:spcBef>
                 <a:spcPts val="260"/>
               </a:spcBef>
@@ -1081,15 +1225,19 @@
               <a:defRPr/>
             </a:lvl9pPr>
           </a:lstStyle>
-          <a:p/>
+          <a:p>
+            <a:endParaRPr/>
+          </a:p>
         </p:txBody>
       </p:sp>
       <p:sp>
         <p:nvSpPr>
           <p:cNvPr id="16" name="Shape 16"/>
-          <p:cNvSpPr txBox="1"/>
+          <p:cNvSpPr txBox="1">
+            <a:spLocks noGrp="1"/>
+          </p:cNvSpPr>
           <p:nvPr>
-            <p:ph idx="10" type="dt"/>
+            <p:ph type="dt" idx="10"/>
           </p:nvPr>
         </p:nvSpPr>
         <p:spPr>
@@ -1106,72 +1254,76 @@
           </a:ln>
         </p:spPr>
         <p:txBody>
-          <a:bodyPr anchorCtr="0" anchor="ctr" bIns="91425" lIns="91425" rIns="91425" tIns="91425"/>
+          <a:bodyPr lIns="91425" tIns="91425" rIns="91425" bIns="91425" anchor="ctr" anchorCtr="0"/>
           <a:lstStyle>
-            <a:lvl1pPr indent="0" lvl="0" marL="0" marR="0" rtl="0" algn="l">
+            <a:lvl1pPr marL="0" marR="0" lvl="0" indent="0" algn="l" rtl="0">
               <a:spcBef>
                 <a:spcPts val="0"/>
               </a:spcBef>
               <a:defRPr/>
             </a:lvl1pPr>
-            <a:lvl2pPr indent="0" lvl="1" marL="457200" marR="0" rtl="0" algn="l">
+            <a:lvl2pPr marL="457200" marR="0" lvl="1" indent="0" algn="l" rtl="0">
               <a:spcBef>
                 <a:spcPts val="0"/>
               </a:spcBef>
               <a:defRPr/>
             </a:lvl2pPr>
-            <a:lvl3pPr indent="0" lvl="2" marL="914400" marR="0" rtl="0" algn="l">
+            <a:lvl3pPr marL="914400" marR="0" lvl="2" indent="0" algn="l" rtl="0">
               <a:spcBef>
                 <a:spcPts val="0"/>
               </a:spcBef>
               <a:defRPr/>
             </a:lvl3pPr>
-            <a:lvl4pPr indent="0" lvl="3" marL="1371600" marR="0" rtl="0" algn="l">
+            <a:lvl4pPr marL="1371600" marR="0" lvl="3" indent="0" algn="l" rtl="0">
               <a:spcBef>
                 <a:spcPts val="0"/>
               </a:spcBef>
               <a:defRPr/>
             </a:lvl4pPr>
-            <a:lvl5pPr indent="0" lvl="4" marL="1828800" marR="0" rtl="0" algn="l">
+            <a:lvl5pPr marL="1828800" marR="0" lvl="4" indent="0" algn="l" rtl="0">
               <a:spcBef>
                 <a:spcPts val="0"/>
               </a:spcBef>
               <a:defRPr/>
             </a:lvl5pPr>
-            <a:lvl6pPr indent="0" lvl="5" marL="2286000" marR="0" rtl="0" algn="l">
+            <a:lvl6pPr marL="2286000" marR="0" lvl="5" indent="0" algn="l" rtl="0">
               <a:spcBef>
                 <a:spcPts val="0"/>
               </a:spcBef>
               <a:defRPr/>
             </a:lvl6pPr>
-            <a:lvl7pPr indent="0" lvl="6" marL="2743200" marR="0" rtl="0" algn="l">
+            <a:lvl7pPr marL="2743200" marR="0" lvl="6" indent="0" algn="l" rtl="0">
               <a:spcBef>
                 <a:spcPts val="0"/>
               </a:spcBef>
               <a:defRPr/>
             </a:lvl7pPr>
-            <a:lvl8pPr indent="0" lvl="7" marL="3200400" marR="0" rtl="0" algn="l">
+            <a:lvl8pPr marL="3200400" marR="0" lvl="7" indent="0" algn="l" rtl="0">
               <a:spcBef>
                 <a:spcPts val="0"/>
               </a:spcBef>
               <a:defRPr/>
             </a:lvl8pPr>
-            <a:lvl9pPr indent="0" lvl="8" marL="3657600" marR="0" rtl="0" algn="l">
+            <a:lvl9pPr marL="3657600" marR="0" lvl="8" indent="0" algn="l" rtl="0">
               <a:spcBef>
                 <a:spcPts val="0"/>
               </a:spcBef>
               <a:defRPr/>
             </a:lvl9pPr>
           </a:lstStyle>
-          <a:p/>
+          <a:p>
+            <a:endParaRPr/>
+          </a:p>
         </p:txBody>
       </p:sp>
       <p:sp>
         <p:nvSpPr>
           <p:cNvPr id="17" name="Shape 17"/>
-          <p:cNvSpPr txBox="1"/>
+          <p:cNvSpPr txBox="1">
+            <a:spLocks noGrp="1"/>
+          </p:cNvSpPr>
           <p:nvPr>
-            <p:ph idx="11" type="ftr"/>
+            <p:ph type="ftr" idx="11"/>
           </p:nvPr>
         </p:nvSpPr>
         <p:spPr>
@@ -1188,72 +1340,76 @@
           </a:ln>
         </p:spPr>
         <p:txBody>
-          <a:bodyPr anchorCtr="0" anchor="ctr" bIns="91425" lIns="91425" rIns="91425" tIns="91425"/>
+          <a:bodyPr lIns="91425" tIns="91425" rIns="91425" bIns="91425" anchor="ctr" anchorCtr="0"/>
           <a:lstStyle>
-            <a:lvl1pPr indent="0" lvl="0" marL="0" marR="0" rtl="0" algn="ctr">
+            <a:lvl1pPr marL="0" marR="0" lvl="0" indent="0" algn="ctr" rtl="0">
               <a:spcBef>
                 <a:spcPts val="0"/>
               </a:spcBef>
               <a:defRPr/>
             </a:lvl1pPr>
-            <a:lvl2pPr indent="0" lvl="1" marL="457200" marR="0" rtl="0" algn="l">
+            <a:lvl2pPr marL="457200" marR="0" lvl="1" indent="0" algn="l" rtl="0">
               <a:spcBef>
                 <a:spcPts val="0"/>
               </a:spcBef>
               <a:defRPr/>
             </a:lvl2pPr>
-            <a:lvl3pPr indent="0" lvl="2" marL="914400" marR="0" rtl="0" algn="l">
+            <a:lvl3pPr marL="914400" marR="0" lvl="2" indent="0" algn="l" rtl="0">
               <a:spcBef>
                 <a:spcPts val="0"/>
               </a:spcBef>
               <a:defRPr/>
             </a:lvl3pPr>
-            <a:lvl4pPr indent="0" lvl="3" marL="1371600" marR="0" rtl="0" algn="l">
+            <a:lvl4pPr marL="1371600" marR="0" lvl="3" indent="0" algn="l" rtl="0">
               <a:spcBef>
                 <a:spcPts val="0"/>
               </a:spcBef>
               <a:defRPr/>
             </a:lvl4pPr>
-            <a:lvl5pPr indent="0" lvl="4" marL="1828800" marR="0" rtl="0" algn="l">
+            <a:lvl5pPr marL="1828800" marR="0" lvl="4" indent="0" algn="l" rtl="0">
               <a:spcBef>
                 <a:spcPts val="0"/>
               </a:spcBef>
               <a:defRPr/>
             </a:lvl5pPr>
-            <a:lvl6pPr indent="0" lvl="5" marL="2286000" marR="0" rtl="0" algn="l">
+            <a:lvl6pPr marL="2286000" marR="0" lvl="5" indent="0" algn="l" rtl="0">
               <a:spcBef>
                 <a:spcPts val="0"/>
               </a:spcBef>
               <a:defRPr/>
             </a:lvl6pPr>
-            <a:lvl7pPr indent="0" lvl="6" marL="2743200" marR="0" rtl="0" algn="l">
+            <a:lvl7pPr marL="2743200" marR="0" lvl="6" indent="0" algn="l" rtl="0">
               <a:spcBef>
                 <a:spcPts val="0"/>
               </a:spcBef>
               <a:defRPr/>
             </a:lvl7pPr>
-            <a:lvl8pPr indent="0" lvl="7" marL="3200400" marR="0" rtl="0" algn="l">
+            <a:lvl8pPr marL="3200400" marR="0" lvl="7" indent="0" algn="l" rtl="0">
               <a:spcBef>
                 <a:spcPts val="0"/>
               </a:spcBef>
               <a:defRPr/>
             </a:lvl8pPr>
-            <a:lvl9pPr indent="0" lvl="8" marL="3657600" marR="0" rtl="0" algn="l">
+            <a:lvl9pPr marL="3657600" marR="0" lvl="8" indent="0" algn="l" rtl="0">
               <a:spcBef>
                 <a:spcPts val="0"/>
               </a:spcBef>
               <a:defRPr/>
             </a:lvl9pPr>
           </a:lstStyle>
-          <a:p/>
+          <a:p>
+            <a:endParaRPr/>
+          </a:p>
         </p:txBody>
       </p:sp>
       <p:sp>
         <p:nvSpPr>
           <p:cNvPr id="18" name="Shape 18"/>
-          <p:cNvSpPr txBox="1"/>
+          <p:cNvSpPr txBox="1">
+            <a:spLocks noGrp="1"/>
+          </p:cNvSpPr>
           <p:nvPr>
-            <p:ph idx="12" type="sldNum"/>
+            <p:ph type="sldNum" idx="12"/>
           </p:nvPr>
         </p:nvSpPr>
         <p:spPr>
@@ -1270,12 +1426,12 @@
           </a:ln>
         </p:spPr>
         <p:txBody>
-          <a:bodyPr anchorCtr="0" anchor="ctr" bIns="45700" lIns="91425" rIns="91425" tIns="45700">
+          <a:bodyPr lIns="91425" tIns="45700" rIns="91425" bIns="45700" anchor="ctr" anchorCtr="0">
             <a:noAutofit/>
           </a:bodyPr>
           <a:lstStyle/>
           <a:p>
-            <a:pPr indent="0" lvl="0" marL="0" marR="0" rtl="0" algn="l">
+            <a:pPr marL="0" marR="0" lvl="0" indent="0" algn="l" rtl="0">
               <a:spcBef>
                 <a:spcPts val="0"/>
               </a:spcBef>
@@ -1283,7 +1439,7 @@
               <a:buNone/>
             </a:pPr>
             <a:fld id="{00000000-1234-1234-1234-123412341234}" type="slidenum">
-              <a:rPr b="1" i="0" lang="es-419" sz="1400" u="none" cap="none" strike="noStrike">
+              <a:rPr lang="es-419" sz="1400" b="1" i="0" u="none" strike="noStrike" cap="none">
                 <a:solidFill>
                   <a:srgbClr val="FFFFFF"/>
                 </a:solidFill>
@@ -1292,8 +1448,17 @@
                 <a:cs typeface="Arial"/>
                 <a:sym typeface="Arial"/>
               </a:rPr>
-              <a:t>‹#›</a:t>
+              <a:t>‹Nº›</a:t>
             </a:fld>
+            <a:endParaRPr lang="es-419" sz="1400" b="1" i="0" u="none" strike="noStrike" cap="none">
+              <a:solidFill>
+                <a:srgbClr val="FFFFFF"/>
+              </a:solidFill>
+              <a:latin typeface="Arial"/>
+              <a:ea typeface="Arial"/>
+              <a:cs typeface="Arial"/>
+              <a:sym typeface="Arial"/>
+            </a:endParaRPr>
           </a:p>
         </p:txBody>
       </p:sp>
@@ -1312,14 +1477,14 @@
             <a:avLst/>
           </a:prstGeom>
           <a:noFill/>
-          <a:ln cap="flat" cmpd="sng" w="19050">
+          <a:ln w="19050" cap="flat" cmpd="sng">
             <a:solidFill>
               <a:schemeClr val="dk2"/>
             </a:solidFill>
             <a:prstDash val="solid"/>
             <a:round/>
-            <a:headEnd len="med" w="med" type="none"/>
-            <a:tailEnd len="med" w="med" type="none"/>
+            <a:headEnd type="none" w="med" len="med"/>
+            <a:tailEnd type="none" w="med" len="med"/>
           </a:ln>
         </p:spPr>
       </p:cxnSp>
@@ -1332,11 +1497,11 @@
 </file>
 
 <file path=ppt/slideLayouts/slideLayout10.xml><?xml version="1.0" encoding="utf-8"?>
-<p:sldLayout xmlns:a="http://schemas.openxmlformats.org/drawingml/2006/main" xmlns:r="http://schemas.openxmlformats.org/officeDocument/2006/relationships" xmlns:mc="http://schemas.openxmlformats.org/markup-compatibility/2006" xmlns:mv="urn:schemas-microsoft-com:mac:vml" xmlns:p="http://schemas.openxmlformats.org/presentationml/2006/main" xmlns:c="http://schemas.openxmlformats.org/drawingml/2006/chart" xmlns:dgm="http://schemas.openxmlformats.org/drawingml/2006/diagram" xmlns:o="urn:schemas-microsoft-com:office:office" xmlns:v="urn:schemas-microsoft-com:vml" xmlns:pvml="urn:schemas-microsoft-com:office:powerpoint" xmlns:com="http://schemas.openxmlformats.org/drawingml/2006/compatibility" xmlns:p14="http://schemas.microsoft.com/office/powerpoint/2010/main" type="vertTx">
+<p:sldLayout xmlns:a="http://schemas.openxmlformats.org/drawingml/2006/main" xmlns:r="http://schemas.openxmlformats.org/officeDocument/2006/relationships" xmlns:p="http://schemas.openxmlformats.org/presentationml/2006/main" type="vertTx">
   <p:cSld name="Título y texto vertical">
     <p:spTree>
       <p:nvGrpSpPr>
-        <p:cNvPr id="74" name="Shape 74"/>
+        <p:cNvPr id="1" name="Shape 74"/>
         <p:cNvGrpSpPr/>
         <p:nvPr/>
       </p:nvGrpSpPr>
@@ -1351,7 +1516,9 @@
       <p:sp>
         <p:nvSpPr>
           <p:cNvPr id="75" name="Shape 75"/>
-          <p:cNvSpPr txBox="1"/>
+          <p:cNvSpPr txBox="1">
+            <a:spLocks noGrp="1"/>
+          </p:cNvSpPr>
           <p:nvPr>
             <p:ph type="title"/>
           </p:nvPr>
@@ -1370,9 +1537,9 @@
           </a:ln>
         </p:spPr>
         <p:txBody>
-          <a:bodyPr anchorCtr="0" anchor="ctr" bIns="91425" lIns="91425" rIns="91425" tIns="91425"/>
+          <a:bodyPr lIns="91425" tIns="91425" rIns="91425" bIns="91425" anchor="ctr" anchorCtr="0"/>
           <a:lstStyle>
-            <a:lvl1pPr lvl="0" rtl="0" algn="l">
+            <a:lvl1pPr lvl="0" algn="l" rtl="0">
               <a:spcBef>
                 <a:spcPts val="0"/>
               </a:spcBef>
@@ -1432,15 +1599,19 @@
               <a:defRPr/>
             </a:lvl9pPr>
           </a:lstStyle>
-          <a:p/>
+          <a:p>
+            <a:endParaRPr/>
+          </a:p>
         </p:txBody>
       </p:sp>
       <p:sp>
         <p:nvSpPr>
           <p:cNvPr id="76" name="Shape 76"/>
-          <p:cNvSpPr txBox="1"/>
+          <p:cNvSpPr txBox="1">
+            <a:spLocks noGrp="1"/>
+          </p:cNvSpPr>
           <p:nvPr>
-            <p:ph idx="1" type="body"/>
+            <p:ph type="body" idx="1"/>
           </p:nvPr>
         </p:nvSpPr>
         <p:spPr>
@@ -1457,9 +1628,9 @@
           </a:ln>
         </p:spPr>
         <p:txBody>
-          <a:bodyPr anchorCtr="0" anchor="t" bIns="91425" lIns="91425" rIns="91425" tIns="91425"/>
+          <a:bodyPr lIns="91425" tIns="91425" rIns="91425" bIns="91425" anchor="t" anchorCtr="0"/>
           <a:lstStyle>
-            <a:lvl1pPr indent="-53339" lvl="0" marL="182880" rtl="0" algn="l">
+            <a:lvl1pPr marL="182880" lvl="0" indent="-53339" algn="l" rtl="0">
               <a:spcBef>
                 <a:spcPts val="480"/>
               </a:spcBef>
@@ -1470,7 +1641,7 @@
               <a:buChar char="•"/>
               <a:defRPr/>
             </a:lvl1pPr>
-            <a:lvl2pPr indent="-82550" lvl="1" marL="457200" rtl="0" algn="l">
+            <a:lvl2pPr marL="457200" lvl="1" indent="-82550" algn="l" rtl="0">
               <a:spcBef>
                 <a:spcPts val="400"/>
               </a:spcBef>
@@ -1481,7 +1652,7 @@
               <a:buChar char="•"/>
               <a:defRPr/>
             </a:lvl2pPr>
-            <a:lvl3pPr indent="-82550" lvl="2" marL="731520" rtl="0" algn="l">
+            <a:lvl3pPr marL="731520" lvl="2" indent="-82550" algn="l" rtl="0">
               <a:spcBef>
                 <a:spcPts val="360"/>
               </a:spcBef>
@@ -1492,7 +1663,7 @@
               <a:buChar char="•"/>
               <a:defRPr/>
             </a:lvl3pPr>
-            <a:lvl4pPr indent="-91439" lvl="3" marL="1005839" rtl="0" algn="l">
+            <a:lvl4pPr marL="1005839" lvl="3" indent="-91439" algn="l" rtl="0">
               <a:spcBef>
                 <a:spcPts val="320"/>
               </a:spcBef>
@@ -1503,7 +1674,7 @@
               <a:buChar char="•"/>
               <a:defRPr/>
             </a:lvl4pPr>
-            <a:lvl5pPr indent="-58419" lvl="4" marL="1188720" rtl="0" algn="l">
+            <a:lvl5pPr marL="1188720" lvl="4" indent="-58419" algn="l" rtl="0">
               <a:spcBef>
                 <a:spcPts val="280"/>
               </a:spcBef>
@@ -1514,7 +1685,7 @@
               <a:buChar char="•"/>
               <a:defRPr/>
             </a:lvl5pPr>
-            <a:lvl6pPr indent="-107950" lvl="5" marL="1371600" rtl="0" algn="l">
+            <a:lvl6pPr marL="1371600" lvl="5" indent="-107950" algn="l" rtl="0">
               <a:spcBef>
                 <a:spcPts val="260"/>
               </a:spcBef>
@@ -1525,7 +1696,7 @@
               <a:buChar char="•"/>
               <a:defRPr/>
             </a:lvl6pPr>
-            <a:lvl7pPr indent="-100330" lvl="6" marL="1554480" rtl="0" algn="l">
+            <a:lvl7pPr marL="1554480" lvl="6" indent="-100330" algn="l" rtl="0">
               <a:spcBef>
                 <a:spcPts val="260"/>
               </a:spcBef>
@@ -1536,7 +1707,7 @@
               <a:buChar char="•"/>
               <a:defRPr/>
             </a:lvl7pPr>
-            <a:lvl8pPr indent="-105410" lvl="7" marL="1737360" rtl="0" algn="l">
+            <a:lvl8pPr marL="1737360" lvl="7" indent="-105410" algn="l" rtl="0">
               <a:spcBef>
                 <a:spcPts val="260"/>
               </a:spcBef>
@@ -1547,7 +1718,7 @@
               <a:buChar char="•"/>
               <a:defRPr/>
             </a:lvl8pPr>
-            <a:lvl9pPr indent="-110489" lvl="8" marL="1920240" rtl="0" algn="l">
+            <a:lvl9pPr marL="1920240" lvl="8" indent="-110489" algn="l" rtl="0">
               <a:spcBef>
                 <a:spcPts val="260"/>
               </a:spcBef>
@@ -1559,15 +1730,19 @@
               <a:defRPr/>
             </a:lvl9pPr>
           </a:lstStyle>
-          <a:p/>
+          <a:p>
+            <a:endParaRPr/>
+          </a:p>
         </p:txBody>
       </p:sp>
       <p:sp>
         <p:nvSpPr>
           <p:cNvPr id="77" name="Shape 77"/>
-          <p:cNvSpPr txBox="1"/>
+          <p:cNvSpPr txBox="1">
+            <a:spLocks noGrp="1"/>
+          </p:cNvSpPr>
           <p:nvPr>
-            <p:ph idx="10" type="dt"/>
+            <p:ph type="dt" idx="10"/>
           </p:nvPr>
         </p:nvSpPr>
         <p:spPr>
@@ -1584,72 +1759,76 @@
           </a:ln>
         </p:spPr>
         <p:txBody>
-          <a:bodyPr anchorCtr="0" anchor="ctr" bIns="91425" lIns="91425" rIns="91425" tIns="91425"/>
+          <a:bodyPr lIns="91425" tIns="91425" rIns="91425" bIns="91425" anchor="ctr" anchorCtr="0"/>
           <a:lstStyle>
-            <a:lvl1pPr indent="0" lvl="0" marL="0" marR="0" rtl="0" algn="l">
+            <a:lvl1pPr marL="0" marR="0" lvl="0" indent="0" algn="l" rtl="0">
               <a:spcBef>
                 <a:spcPts val="0"/>
               </a:spcBef>
               <a:defRPr/>
             </a:lvl1pPr>
-            <a:lvl2pPr indent="0" lvl="1" marL="457200" marR="0" rtl="0" algn="l">
+            <a:lvl2pPr marL="457200" marR="0" lvl="1" indent="0" algn="l" rtl="0">
               <a:spcBef>
                 <a:spcPts val="0"/>
               </a:spcBef>
               <a:defRPr/>
             </a:lvl2pPr>
-            <a:lvl3pPr indent="0" lvl="2" marL="914400" marR="0" rtl="0" algn="l">
+            <a:lvl3pPr marL="914400" marR="0" lvl="2" indent="0" algn="l" rtl="0">
               <a:spcBef>
                 <a:spcPts val="0"/>
               </a:spcBef>
               <a:defRPr/>
             </a:lvl3pPr>
-            <a:lvl4pPr indent="0" lvl="3" marL="1371600" marR="0" rtl="0" algn="l">
+            <a:lvl4pPr marL="1371600" marR="0" lvl="3" indent="0" algn="l" rtl="0">
               <a:spcBef>
                 <a:spcPts val="0"/>
               </a:spcBef>
               <a:defRPr/>
             </a:lvl4pPr>
-            <a:lvl5pPr indent="0" lvl="4" marL="1828800" marR="0" rtl="0" algn="l">
+            <a:lvl5pPr marL="1828800" marR="0" lvl="4" indent="0" algn="l" rtl="0">
               <a:spcBef>
                 <a:spcPts val="0"/>
               </a:spcBef>
               <a:defRPr/>
             </a:lvl5pPr>
-            <a:lvl6pPr indent="0" lvl="5" marL="2286000" marR="0" rtl="0" algn="l">
+            <a:lvl6pPr marL="2286000" marR="0" lvl="5" indent="0" algn="l" rtl="0">
               <a:spcBef>
                 <a:spcPts val="0"/>
               </a:spcBef>
               <a:defRPr/>
             </a:lvl6pPr>
-            <a:lvl7pPr indent="0" lvl="6" marL="2743200" marR="0" rtl="0" algn="l">
+            <a:lvl7pPr marL="2743200" marR="0" lvl="6" indent="0" algn="l" rtl="0">
               <a:spcBef>
                 <a:spcPts val="0"/>
               </a:spcBef>
               <a:defRPr/>
             </a:lvl7pPr>
-            <a:lvl8pPr indent="0" lvl="7" marL="3200400" marR="0" rtl="0" algn="l">
+            <a:lvl8pPr marL="3200400" marR="0" lvl="7" indent="0" algn="l" rtl="0">
               <a:spcBef>
                 <a:spcPts val="0"/>
               </a:spcBef>
               <a:defRPr/>
             </a:lvl8pPr>
-            <a:lvl9pPr indent="0" lvl="8" marL="3657600" marR="0" rtl="0" algn="l">
+            <a:lvl9pPr marL="3657600" marR="0" lvl="8" indent="0" algn="l" rtl="0">
               <a:spcBef>
                 <a:spcPts val="0"/>
               </a:spcBef>
               <a:defRPr/>
             </a:lvl9pPr>
           </a:lstStyle>
-          <a:p/>
+          <a:p>
+            <a:endParaRPr/>
+          </a:p>
         </p:txBody>
       </p:sp>
       <p:sp>
         <p:nvSpPr>
           <p:cNvPr id="78" name="Shape 78"/>
-          <p:cNvSpPr txBox="1"/>
+          <p:cNvSpPr txBox="1">
+            <a:spLocks noGrp="1"/>
+          </p:cNvSpPr>
           <p:nvPr>
-            <p:ph idx="11" type="ftr"/>
+            <p:ph type="ftr" idx="11"/>
           </p:nvPr>
         </p:nvSpPr>
         <p:spPr>
@@ -1666,72 +1845,76 @@
           </a:ln>
         </p:spPr>
         <p:txBody>
-          <a:bodyPr anchorCtr="0" anchor="ctr" bIns="91425" lIns="91425" rIns="91425" tIns="91425"/>
+          <a:bodyPr lIns="91425" tIns="91425" rIns="91425" bIns="91425" anchor="ctr" anchorCtr="0"/>
           <a:lstStyle>
-            <a:lvl1pPr indent="0" lvl="0" marL="0" marR="0" rtl="0" algn="ctr">
+            <a:lvl1pPr marL="0" marR="0" lvl="0" indent="0" algn="ctr" rtl="0">
               <a:spcBef>
                 <a:spcPts val="0"/>
               </a:spcBef>
               <a:defRPr/>
             </a:lvl1pPr>
-            <a:lvl2pPr indent="0" lvl="1" marL="457200" marR="0" rtl="0" algn="l">
+            <a:lvl2pPr marL="457200" marR="0" lvl="1" indent="0" algn="l" rtl="0">
               <a:spcBef>
                 <a:spcPts val="0"/>
               </a:spcBef>
               <a:defRPr/>
             </a:lvl2pPr>
-            <a:lvl3pPr indent="0" lvl="2" marL="914400" marR="0" rtl="0" algn="l">
+            <a:lvl3pPr marL="914400" marR="0" lvl="2" indent="0" algn="l" rtl="0">
               <a:spcBef>
                 <a:spcPts val="0"/>
               </a:spcBef>
               <a:defRPr/>
             </a:lvl3pPr>
-            <a:lvl4pPr indent="0" lvl="3" marL="1371600" marR="0" rtl="0" algn="l">
+            <a:lvl4pPr marL="1371600" marR="0" lvl="3" indent="0" algn="l" rtl="0">
               <a:spcBef>
                 <a:spcPts val="0"/>
               </a:spcBef>
               <a:defRPr/>
             </a:lvl4pPr>
-            <a:lvl5pPr indent="0" lvl="4" marL="1828800" marR="0" rtl="0" algn="l">
+            <a:lvl5pPr marL="1828800" marR="0" lvl="4" indent="0" algn="l" rtl="0">
               <a:spcBef>
                 <a:spcPts val="0"/>
               </a:spcBef>
               <a:defRPr/>
             </a:lvl5pPr>
-            <a:lvl6pPr indent="0" lvl="5" marL="2286000" marR="0" rtl="0" algn="l">
+            <a:lvl6pPr marL="2286000" marR="0" lvl="5" indent="0" algn="l" rtl="0">
               <a:spcBef>
                 <a:spcPts val="0"/>
               </a:spcBef>
               <a:defRPr/>
             </a:lvl6pPr>
-            <a:lvl7pPr indent="0" lvl="6" marL="2743200" marR="0" rtl="0" algn="l">
+            <a:lvl7pPr marL="2743200" marR="0" lvl="6" indent="0" algn="l" rtl="0">
               <a:spcBef>
                 <a:spcPts val="0"/>
               </a:spcBef>
               <a:defRPr/>
             </a:lvl7pPr>
-            <a:lvl8pPr indent="0" lvl="7" marL="3200400" marR="0" rtl="0" algn="l">
+            <a:lvl8pPr marL="3200400" marR="0" lvl="7" indent="0" algn="l" rtl="0">
               <a:spcBef>
                 <a:spcPts val="0"/>
               </a:spcBef>
               <a:defRPr/>
             </a:lvl8pPr>
-            <a:lvl9pPr indent="0" lvl="8" marL="3657600" marR="0" rtl="0" algn="l">
+            <a:lvl9pPr marL="3657600" marR="0" lvl="8" indent="0" algn="l" rtl="0">
               <a:spcBef>
                 <a:spcPts val="0"/>
               </a:spcBef>
               <a:defRPr/>
             </a:lvl9pPr>
           </a:lstStyle>
-          <a:p/>
+          <a:p>
+            <a:endParaRPr/>
+          </a:p>
         </p:txBody>
       </p:sp>
       <p:sp>
         <p:nvSpPr>
           <p:cNvPr id="79" name="Shape 79"/>
-          <p:cNvSpPr txBox="1"/>
+          <p:cNvSpPr txBox="1">
+            <a:spLocks noGrp="1"/>
+          </p:cNvSpPr>
           <p:nvPr>
-            <p:ph idx="12" type="sldNum"/>
+            <p:ph type="sldNum" idx="12"/>
           </p:nvPr>
         </p:nvSpPr>
         <p:spPr>
@@ -1748,12 +1931,12 @@
           </a:ln>
         </p:spPr>
         <p:txBody>
-          <a:bodyPr anchorCtr="0" anchor="ctr" bIns="45700" lIns="91425" rIns="91425" tIns="45700">
+          <a:bodyPr lIns="91425" tIns="45700" rIns="91425" bIns="45700" anchor="ctr" anchorCtr="0">
             <a:noAutofit/>
           </a:bodyPr>
           <a:lstStyle/>
           <a:p>
-            <a:pPr indent="0" lvl="0" marL="0" marR="0" rtl="0" algn="l">
+            <a:pPr marL="0" marR="0" lvl="0" indent="0" algn="l" rtl="0">
               <a:spcBef>
                 <a:spcPts val="0"/>
               </a:spcBef>
@@ -1761,7 +1944,7 @@
               <a:buNone/>
             </a:pPr>
             <a:fld id="{00000000-1234-1234-1234-123412341234}" type="slidenum">
-              <a:rPr b="1" i="0" lang="es-419" sz="1400" u="none" cap="none" strike="noStrike">
+              <a:rPr lang="es-419" sz="1400" b="1" i="0" u="none" strike="noStrike" cap="none">
                 <a:solidFill>
                   <a:srgbClr val="FFFFFF"/>
                 </a:solidFill>
@@ -1770,8 +1953,17 @@
                 <a:cs typeface="Arial"/>
                 <a:sym typeface="Arial"/>
               </a:rPr>
-              <a:t>‹#›</a:t>
+              <a:t>‹Nº›</a:t>
             </a:fld>
+            <a:endParaRPr lang="es-419" sz="1400" b="1" i="0" u="none" strike="noStrike" cap="none">
+              <a:solidFill>
+                <a:srgbClr val="FFFFFF"/>
+              </a:solidFill>
+              <a:latin typeface="Arial"/>
+              <a:ea typeface="Arial"/>
+              <a:cs typeface="Arial"/>
+              <a:sym typeface="Arial"/>
+            </a:endParaRPr>
           </a:p>
         </p:txBody>
       </p:sp>
@@ -1784,11 +1976,11 @@
 </file>
 
 <file path=ppt/slideLayouts/slideLayout11.xml><?xml version="1.0" encoding="utf-8"?>
-<p:sldLayout xmlns:a="http://schemas.openxmlformats.org/drawingml/2006/main" xmlns:r="http://schemas.openxmlformats.org/officeDocument/2006/relationships" xmlns:mc="http://schemas.openxmlformats.org/markup-compatibility/2006" xmlns:mv="urn:schemas-microsoft-com:mac:vml" xmlns:p="http://schemas.openxmlformats.org/presentationml/2006/main" xmlns:c="http://schemas.openxmlformats.org/drawingml/2006/chart" xmlns:dgm="http://schemas.openxmlformats.org/drawingml/2006/diagram" xmlns:o="urn:schemas-microsoft-com:office:office" xmlns:v="urn:schemas-microsoft-com:vml" xmlns:pvml="urn:schemas-microsoft-com:office:powerpoint" xmlns:com="http://schemas.openxmlformats.org/drawingml/2006/compatibility" xmlns:p14="http://schemas.microsoft.com/office/powerpoint/2010/main" type="vertTitleAndTx">
+<p:sldLayout xmlns:a="http://schemas.openxmlformats.org/drawingml/2006/main" xmlns:r="http://schemas.openxmlformats.org/officeDocument/2006/relationships" xmlns:p="http://schemas.openxmlformats.org/presentationml/2006/main" type="vertTitleAndTx">
   <p:cSld name="Título vertical y texto">
     <p:spTree>
       <p:nvGrpSpPr>
-        <p:cNvPr id="80" name="Shape 80"/>
+        <p:cNvPr id="1" name="Shape 80"/>
         <p:cNvGrpSpPr/>
         <p:nvPr/>
       </p:nvGrpSpPr>
@@ -1803,7 +1995,9 @@
       <p:sp>
         <p:nvSpPr>
           <p:cNvPr id="81" name="Shape 81"/>
-          <p:cNvSpPr txBox="1"/>
+          <p:cNvSpPr txBox="1">
+            <a:spLocks noGrp="1"/>
+          </p:cNvSpPr>
           <p:nvPr>
             <p:ph type="title"/>
           </p:nvPr>
@@ -1822,9 +2016,9 @@
           </a:ln>
         </p:spPr>
         <p:txBody>
-          <a:bodyPr anchorCtr="0" anchor="b" bIns="91425" lIns="91425" rIns="91425" tIns="91425"/>
+          <a:bodyPr lIns="91425" tIns="91425" rIns="91425" bIns="91425" anchor="b" anchorCtr="0"/>
           <a:lstStyle>
-            <a:lvl1pPr lvl="0" rtl="0" algn="l">
+            <a:lvl1pPr lvl="0" algn="l" rtl="0">
               <a:spcBef>
                 <a:spcPts val="0"/>
               </a:spcBef>
@@ -1884,15 +2078,19 @@
               <a:defRPr/>
             </a:lvl9pPr>
           </a:lstStyle>
-          <a:p/>
+          <a:p>
+            <a:endParaRPr/>
+          </a:p>
         </p:txBody>
       </p:sp>
       <p:sp>
         <p:nvSpPr>
           <p:cNvPr id="82" name="Shape 82"/>
-          <p:cNvSpPr txBox="1"/>
+          <p:cNvSpPr txBox="1">
+            <a:spLocks noGrp="1"/>
+          </p:cNvSpPr>
           <p:nvPr>
-            <p:ph idx="1" type="body"/>
+            <p:ph type="body" idx="1"/>
           </p:nvPr>
         </p:nvSpPr>
         <p:spPr>
@@ -1909,9 +2107,9 @@
           </a:ln>
         </p:spPr>
         <p:txBody>
-          <a:bodyPr anchorCtr="0" anchor="t" bIns="91425" lIns="91425" rIns="91425" tIns="91425"/>
+          <a:bodyPr lIns="91425" tIns="91425" rIns="91425" bIns="91425" anchor="t" anchorCtr="0"/>
           <a:lstStyle>
-            <a:lvl1pPr indent="-53339" lvl="0" marL="182880" rtl="0" algn="l">
+            <a:lvl1pPr marL="182880" lvl="0" indent="-53339" algn="l" rtl="0">
               <a:spcBef>
                 <a:spcPts val="480"/>
               </a:spcBef>
@@ -1922,7 +2120,7 @@
               <a:buChar char="•"/>
               <a:defRPr/>
             </a:lvl1pPr>
-            <a:lvl2pPr indent="-82550" lvl="1" marL="457200" rtl="0" algn="l">
+            <a:lvl2pPr marL="457200" lvl="1" indent="-82550" algn="l" rtl="0">
               <a:spcBef>
                 <a:spcPts val="400"/>
               </a:spcBef>
@@ -1933,7 +2131,7 @@
               <a:buChar char="•"/>
               <a:defRPr/>
             </a:lvl2pPr>
-            <a:lvl3pPr indent="-82550" lvl="2" marL="731520" rtl="0" algn="l">
+            <a:lvl3pPr marL="731520" lvl="2" indent="-82550" algn="l" rtl="0">
               <a:spcBef>
                 <a:spcPts val="360"/>
               </a:spcBef>
@@ -1944,7 +2142,7 @@
               <a:buChar char="•"/>
               <a:defRPr/>
             </a:lvl3pPr>
-            <a:lvl4pPr indent="-91439" lvl="3" marL="1005839" rtl="0" algn="l">
+            <a:lvl4pPr marL="1005839" lvl="3" indent="-91439" algn="l" rtl="0">
               <a:spcBef>
                 <a:spcPts val="320"/>
               </a:spcBef>
@@ -1955,7 +2153,7 @@
               <a:buChar char="•"/>
               <a:defRPr/>
             </a:lvl4pPr>
-            <a:lvl5pPr indent="-58419" lvl="4" marL="1188720" rtl="0" algn="l">
+            <a:lvl5pPr marL="1188720" lvl="4" indent="-58419" algn="l" rtl="0">
               <a:spcBef>
                 <a:spcPts val="280"/>
               </a:spcBef>
@@ -1966,7 +2164,7 @@
               <a:buChar char="•"/>
               <a:defRPr/>
             </a:lvl5pPr>
-            <a:lvl6pPr indent="-107950" lvl="5" marL="1371600" rtl="0" algn="l">
+            <a:lvl6pPr marL="1371600" lvl="5" indent="-107950" algn="l" rtl="0">
               <a:spcBef>
                 <a:spcPts val="260"/>
               </a:spcBef>
@@ -1977,7 +2175,7 @@
               <a:buChar char="•"/>
               <a:defRPr/>
             </a:lvl6pPr>
-            <a:lvl7pPr indent="-100330" lvl="6" marL="1554480" rtl="0" algn="l">
+            <a:lvl7pPr marL="1554480" lvl="6" indent="-100330" algn="l" rtl="0">
               <a:spcBef>
                 <a:spcPts val="260"/>
               </a:spcBef>
@@ -1988,7 +2186,7 @@
               <a:buChar char="•"/>
               <a:defRPr/>
             </a:lvl7pPr>
-            <a:lvl8pPr indent="-105410" lvl="7" marL="1737360" rtl="0" algn="l">
+            <a:lvl8pPr marL="1737360" lvl="7" indent="-105410" algn="l" rtl="0">
               <a:spcBef>
                 <a:spcPts val="260"/>
               </a:spcBef>
@@ -1999,7 +2197,7 @@
               <a:buChar char="•"/>
               <a:defRPr/>
             </a:lvl8pPr>
-            <a:lvl9pPr indent="-110489" lvl="8" marL="1920240" rtl="0" algn="l">
+            <a:lvl9pPr marL="1920240" lvl="8" indent="-110489" algn="l" rtl="0">
               <a:spcBef>
                 <a:spcPts val="260"/>
               </a:spcBef>
@@ -2011,15 +2209,19 @@
               <a:defRPr/>
             </a:lvl9pPr>
           </a:lstStyle>
-          <a:p/>
+          <a:p>
+            <a:endParaRPr/>
+          </a:p>
         </p:txBody>
       </p:sp>
       <p:sp>
         <p:nvSpPr>
           <p:cNvPr id="83" name="Shape 83"/>
-          <p:cNvSpPr txBox="1"/>
+          <p:cNvSpPr txBox="1">
+            <a:spLocks noGrp="1"/>
+          </p:cNvSpPr>
           <p:nvPr>
-            <p:ph idx="10" type="dt"/>
+            <p:ph type="dt" idx="10"/>
           </p:nvPr>
         </p:nvSpPr>
         <p:spPr>
@@ -2036,72 +2238,76 @@
           </a:ln>
         </p:spPr>
         <p:txBody>
-          <a:bodyPr anchorCtr="0" anchor="ctr" bIns="91425" lIns="91425" rIns="91425" tIns="91425"/>
+          <a:bodyPr lIns="91425" tIns="91425" rIns="91425" bIns="91425" anchor="ctr" anchorCtr="0"/>
           <a:lstStyle>
-            <a:lvl1pPr indent="0" lvl="0" marL="0" marR="0" rtl="0" algn="l">
+            <a:lvl1pPr marL="0" marR="0" lvl="0" indent="0" algn="l" rtl="0">
               <a:spcBef>
                 <a:spcPts val="0"/>
               </a:spcBef>
               <a:defRPr/>
             </a:lvl1pPr>
-            <a:lvl2pPr indent="0" lvl="1" marL="457200" marR="0" rtl="0" algn="l">
+            <a:lvl2pPr marL="457200" marR="0" lvl="1" indent="0" algn="l" rtl="0">
               <a:spcBef>
                 <a:spcPts val="0"/>
               </a:spcBef>
               <a:defRPr/>
             </a:lvl2pPr>
-            <a:lvl3pPr indent="0" lvl="2" marL="914400" marR="0" rtl="0" algn="l">
+            <a:lvl3pPr marL="914400" marR="0" lvl="2" indent="0" algn="l" rtl="0">
               <a:spcBef>
                 <a:spcPts val="0"/>
               </a:spcBef>
               <a:defRPr/>
             </a:lvl3pPr>
-            <a:lvl4pPr indent="0" lvl="3" marL="1371600" marR="0" rtl="0" algn="l">
+            <a:lvl4pPr marL="1371600" marR="0" lvl="3" indent="0" algn="l" rtl="0">
               <a:spcBef>
                 <a:spcPts val="0"/>
               </a:spcBef>
               <a:defRPr/>
             </a:lvl4pPr>
-            <a:lvl5pPr indent="0" lvl="4" marL="1828800" marR="0" rtl="0" algn="l">
+            <a:lvl5pPr marL="1828800" marR="0" lvl="4" indent="0" algn="l" rtl="0">
               <a:spcBef>
                 <a:spcPts val="0"/>
               </a:spcBef>
               <a:defRPr/>
             </a:lvl5pPr>
-            <a:lvl6pPr indent="0" lvl="5" marL="2286000" marR="0" rtl="0" algn="l">
+            <a:lvl6pPr marL="2286000" marR="0" lvl="5" indent="0" algn="l" rtl="0">
               <a:spcBef>
                 <a:spcPts val="0"/>
               </a:spcBef>
               <a:defRPr/>
             </a:lvl6pPr>
-            <a:lvl7pPr indent="0" lvl="6" marL="2743200" marR="0" rtl="0" algn="l">
+            <a:lvl7pPr marL="2743200" marR="0" lvl="6" indent="0" algn="l" rtl="0">
               <a:spcBef>
                 <a:spcPts val="0"/>
               </a:spcBef>
               <a:defRPr/>
             </a:lvl7pPr>
-            <a:lvl8pPr indent="0" lvl="7" marL="3200400" marR="0" rtl="0" algn="l">
+            <a:lvl8pPr marL="3200400" marR="0" lvl="7" indent="0" algn="l" rtl="0">
               <a:spcBef>
                 <a:spcPts val="0"/>
               </a:spcBef>
               <a:defRPr/>
             </a:lvl8pPr>
-            <a:lvl9pPr indent="0" lvl="8" marL="3657600" marR="0" rtl="0" algn="l">
+            <a:lvl9pPr marL="3657600" marR="0" lvl="8" indent="0" algn="l" rtl="0">
               <a:spcBef>
                 <a:spcPts val="0"/>
               </a:spcBef>
               <a:defRPr/>
             </a:lvl9pPr>
           </a:lstStyle>
-          <a:p/>
+          <a:p>
+            <a:endParaRPr/>
+          </a:p>
         </p:txBody>
       </p:sp>
       <p:sp>
         <p:nvSpPr>
           <p:cNvPr id="84" name="Shape 84"/>
-          <p:cNvSpPr txBox="1"/>
+          <p:cNvSpPr txBox="1">
+            <a:spLocks noGrp="1"/>
+          </p:cNvSpPr>
           <p:nvPr>
-            <p:ph idx="11" type="ftr"/>
+            <p:ph type="ftr" idx="11"/>
           </p:nvPr>
         </p:nvSpPr>
         <p:spPr>
@@ -2118,72 +2324,76 @@
           </a:ln>
         </p:spPr>
         <p:txBody>
-          <a:bodyPr anchorCtr="0" anchor="ctr" bIns="91425" lIns="91425" rIns="91425" tIns="91425"/>
+          <a:bodyPr lIns="91425" tIns="91425" rIns="91425" bIns="91425" anchor="ctr" anchorCtr="0"/>
           <a:lstStyle>
-            <a:lvl1pPr indent="0" lvl="0" marL="0" marR="0" rtl="0" algn="ctr">
+            <a:lvl1pPr marL="0" marR="0" lvl="0" indent="0" algn="ctr" rtl="0">
               <a:spcBef>
                 <a:spcPts val="0"/>
               </a:spcBef>
               <a:defRPr/>
             </a:lvl1pPr>
-            <a:lvl2pPr indent="0" lvl="1" marL="457200" marR="0" rtl="0" algn="l">
+            <a:lvl2pPr marL="457200" marR="0" lvl="1" indent="0" algn="l" rtl="0">
               <a:spcBef>
                 <a:spcPts val="0"/>
               </a:spcBef>
               <a:defRPr/>
             </a:lvl2pPr>
-            <a:lvl3pPr indent="0" lvl="2" marL="914400" marR="0" rtl="0" algn="l">
+            <a:lvl3pPr marL="914400" marR="0" lvl="2" indent="0" algn="l" rtl="0">
               <a:spcBef>
                 <a:spcPts val="0"/>
               </a:spcBef>
               <a:defRPr/>
             </a:lvl3pPr>
-            <a:lvl4pPr indent="0" lvl="3" marL="1371600" marR="0" rtl="0" algn="l">
+            <a:lvl4pPr marL="1371600" marR="0" lvl="3" indent="0" algn="l" rtl="0">
               <a:spcBef>
                 <a:spcPts val="0"/>
               </a:spcBef>
               <a:defRPr/>
             </a:lvl4pPr>
-            <a:lvl5pPr indent="0" lvl="4" marL="1828800" marR="0" rtl="0" algn="l">
+            <a:lvl5pPr marL="1828800" marR="0" lvl="4" indent="0" algn="l" rtl="0">
               <a:spcBef>
                 <a:spcPts val="0"/>
               </a:spcBef>
               <a:defRPr/>
             </a:lvl5pPr>
-            <a:lvl6pPr indent="0" lvl="5" marL="2286000" marR="0" rtl="0" algn="l">
+            <a:lvl6pPr marL="2286000" marR="0" lvl="5" indent="0" algn="l" rtl="0">
               <a:spcBef>
                 <a:spcPts val="0"/>
               </a:spcBef>
               <a:defRPr/>
             </a:lvl6pPr>
-            <a:lvl7pPr indent="0" lvl="6" marL="2743200" marR="0" rtl="0" algn="l">
+            <a:lvl7pPr marL="2743200" marR="0" lvl="6" indent="0" algn="l" rtl="0">
               <a:spcBef>
                 <a:spcPts val="0"/>
               </a:spcBef>
               <a:defRPr/>
             </a:lvl7pPr>
-            <a:lvl8pPr indent="0" lvl="7" marL="3200400" marR="0" rtl="0" algn="l">
+            <a:lvl8pPr marL="3200400" marR="0" lvl="7" indent="0" algn="l" rtl="0">
               <a:spcBef>
                 <a:spcPts val="0"/>
               </a:spcBef>
               <a:defRPr/>
             </a:lvl8pPr>
-            <a:lvl9pPr indent="0" lvl="8" marL="3657600" marR="0" rtl="0" algn="l">
+            <a:lvl9pPr marL="3657600" marR="0" lvl="8" indent="0" algn="l" rtl="0">
               <a:spcBef>
                 <a:spcPts val="0"/>
               </a:spcBef>
               <a:defRPr/>
             </a:lvl9pPr>
           </a:lstStyle>
-          <a:p/>
+          <a:p>
+            <a:endParaRPr/>
+          </a:p>
         </p:txBody>
       </p:sp>
       <p:sp>
         <p:nvSpPr>
           <p:cNvPr id="85" name="Shape 85"/>
-          <p:cNvSpPr txBox="1"/>
+          <p:cNvSpPr txBox="1">
+            <a:spLocks noGrp="1"/>
+          </p:cNvSpPr>
           <p:nvPr>
-            <p:ph idx="12" type="sldNum"/>
+            <p:ph type="sldNum" idx="12"/>
           </p:nvPr>
         </p:nvSpPr>
         <p:spPr>
@@ -2200,12 +2410,12 @@
           </a:ln>
         </p:spPr>
         <p:txBody>
-          <a:bodyPr anchorCtr="0" anchor="ctr" bIns="45700" lIns="91425" rIns="91425" tIns="45700">
+          <a:bodyPr lIns="91425" tIns="45700" rIns="91425" bIns="45700" anchor="ctr" anchorCtr="0">
             <a:noAutofit/>
           </a:bodyPr>
           <a:lstStyle/>
           <a:p>
-            <a:pPr indent="0" lvl="0" marL="0" marR="0" rtl="0" algn="l">
+            <a:pPr marL="0" marR="0" lvl="0" indent="0" algn="l" rtl="0">
               <a:spcBef>
                 <a:spcPts val="0"/>
               </a:spcBef>
@@ -2213,7 +2423,7 @@
               <a:buNone/>
             </a:pPr>
             <a:fld id="{00000000-1234-1234-1234-123412341234}" type="slidenum">
-              <a:rPr b="1" i="0" lang="es-419" sz="1400" u="none" cap="none" strike="noStrike">
+              <a:rPr lang="es-419" sz="1400" b="1" i="0" u="none" strike="noStrike" cap="none">
                 <a:solidFill>
                   <a:srgbClr val="FFFFFF"/>
                 </a:solidFill>
@@ -2222,8 +2432,17 @@
                 <a:cs typeface="Arial"/>
                 <a:sym typeface="Arial"/>
               </a:rPr>
-              <a:t>‹#›</a:t>
+              <a:t>‹Nº›</a:t>
             </a:fld>
+            <a:endParaRPr lang="es-419" sz="1400" b="1" i="0" u="none" strike="noStrike" cap="none">
+              <a:solidFill>
+                <a:srgbClr val="FFFFFF"/>
+              </a:solidFill>
+              <a:latin typeface="Arial"/>
+              <a:ea typeface="Arial"/>
+              <a:cs typeface="Arial"/>
+              <a:sym typeface="Arial"/>
+            </a:endParaRPr>
           </a:p>
         </p:txBody>
       </p:sp>
@@ -2236,11 +2455,11 @@
 </file>
 
 <file path=ppt/slideLayouts/slideLayout2.xml><?xml version="1.0" encoding="utf-8"?>
-<p:sldLayout xmlns:a="http://schemas.openxmlformats.org/drawingml/2006/main" xmlns:r="http://schemas.openxmlformats.org/officeDocument/2006/relationships" xmlns:mc="http://schemas.openxmlformats.org/markup-compatibility/2006" xmlns:mv="urn:schemas-microsoft-com:mac:vml" xmlns:p="http://schemas.openxmlformats.org/presentationml/2006/main" xmlns:c="http://schemas.openxmlformats.org/drawingml/2006/chart" xmlns:dgm="http://schemas.openxmlformats.org/drawingml/2006/diagram" xmlns:o="urn:schemas-microsoft-com:office:office" xmlns:v="urn:schemas-microsoft-com:vml" xmlns:pvml="urn:schemas-microsoft-com:office:powerpoint" xmlns:com="http://schemas.openxmlformats.org/drawingml/2006/compatibility" xmlns:p14="http://schemas.microsoft.com/office/powerpoint/2010/main" type="obj">
+<p:sldLayout xmlns:a="http://schemas.openxmlformats.org/drawingml/2006/main" xmlns:r="http://schemas.openxmlformats.org/officeDocument/2006/relationships" xmlns:p="http://schemas.openxmlformats.org/presentationml/2006/main" type="obj">
   <p:cSld name="Título y objetos">
     <p:spTree>
       <p:nvGrpSpPr>
-        <p:cNvPr id="20" name="Shape 20"/>
+        <p:cNvPr id="1" name="Shape 20"/>
         <p:cNvGrpSpPr/>
         <p:nvPr/>
       </p:nvGrpSpPr>
@@ -2255,7 +2474,9 @@
       <p:sp>
         <p:nvSpPr>
           <p:cNvPr id="21" name="Shape 21"/>
-          <p:cNvSpPr txBox="1"/>
+          <p:cNvSpPr txBox="1">
+            <a:spLocks noGrp="1"/>
+          </p:cNvSpPr>
           <p:nvPr>
             <p:ph type="title"/>
           </p:nvPr>
@@ -2274,9 +2495,9 @@
           </a:ln>
         </p:spPr>
         <p:txBody>
-          <a:bodyPr anchorCtr="0" anchor="ctr" bIns="91425" lIns="91425" rIns="91425" tIns="91425"/>
+          <a:bodyPr lIns="91425" tIns="91425" rIns="91425" bIns="91425" anchor="ctr" anchorCtr="0"/>
           <a:lstStyle>
-            <a:lvl1pPr lvl="0" rtl="0" algn="l">
+            <a:lvl1pPr lvl="0" algn="l" rtl="0">
               <a:spcBef>
                 <a:spcPts val="0"/>
               </a:spcBef>
@@ -2336,15 +2557,19 @@
               <a:defRPr/>
             </a:lvl9pPr>
           </a:lstStyle>
-          <a:p/>
+          <a:p>
+            <a:endParaRPr/>
+          </a:p>
         </p:txBody>
       </p:sp>
       <p:sp>
         <p:nvSpPr>
           <p:cNvPr id="22" name="Shape 22"/>
-          <p:cNvSpPr txBox="1"/>
+          <p:cNvSpPr txBox="1">
+            <a:spLocks noGrp="1"/>
+          </p:cNvSpPr>
           <p:nvPr>
-            <p:ph idx="1" type="body"/>
+            <p:ph type="body" idx="1"/>
           </p:nvPr>
         </p:nvSpPr>
         <p:spPr>
@@ -2361,33 +2586,33 @@
           </a:ln>
         </p:spPr>
         <p:txBody>
-          <a:bodyPr anchorCtr="0" anchor="t" bIns="91425" lIns="91425" rIns="91425" tIns="91425"/>
+          <a:bodyPr lIns="91425" tIns="91425" rIns="91425" bIns="91425" anchor="t" anchorCtr="0"/>
           <a:lstStyle>
-            <a:lvl1pPr lvl="0" rtl="0" algn="just">
+            <a:lvl1pPr lvl="0" algn="just" rtl="0">
               <a:spcBef>
                 <a:spcPts val="0"/>
               </a:spcBef>
               <a:defRPr/>
             </a:lvl1pPr>
-            <a:lvl2pPr lvl="1" rtl="0" algn="just">
+            <a:lvl2pPr lvl="1" algn="just" rtl="0">
               <a:spcBef>
                 <a:spcPts val="0"/>
               </a:spcBef>
               <a:defRPr/>
             </a:lvl2pPr>
-            <a:lvl3pPr lvl="2" rtl="0" algn="just">
+            <a:lvl3pPr lvl="2" algn="just" rtl="0">
               <a:spcBef>
                 <a:spcPts val="0"/>
               </a:spcBef>
               <a:defRPr/>
             </a:lvl3pPr>
-            <a:lvl4pPr lvl="3" rtl="0" algn="just">
+            <a:lvl4pPr lvl="3" algn="just" rtl="0">
               <a:spcBef>
                 <a:spcPts val="0"/>
               </a:spcBef>
               <a:defRPr/>
             </a:lvl4pPr>
-            <a:lvl5pPr lvl="4" rtl="0" algn="just">
+            <a:lvl5pPr lvl="4" algn="just" rtl="0">
               <a:spcBef>
                 <a:spcPts val="0"/>
               </a:spcBef>
@@ -2418,15 +2643,19 @@
               <a:defRPr/>
             </a:lvl9pPr>
           </a:lstStyle>
-          <a:p/>
+          <a:p>
+            <a:endParaRPr/>
+          </a:p>
         </p:txBody>
       </p:sp>
       <p:sp>
         <p:nvSpPr>
           <p:cNvPr id="23" name="Shape 23"/>
-          <p:cNvSpPr txBox="1"/>
+          <p:cNvSpPr txBox="1">
+            <a:spLocks noGrp="1"/>
+          </p:cNvSpPr>
           <p:nvPr>
-            <p:ph idx="10" type="dt"/>
+            <p:ph type="dt" idx="10"/>
           </p:nvPr>
         </p:nvSpPr>
         <p:spPr>
@@ -2443,72 +2672,76 @@
           </a:ln>
         </p:spPr>
         <p:txBody>
-          <a:bodyPr anchorCtr="0" anchor="ctr" bIns="91425" lIns="91425" rIns="91425" tIns="91425"/>
+          <a:bodyPr lIns="91425" tIns="91425" rIns="91425" bIns="91425" anchor="ctr" anchorCtr="0"/>
           <a:lstStyle>
-            <a:lvl1pPr indent="0" lvl="0" marL="0" marR="0" rtl="0" algn="l">
+            <a:lvl1pPr marL="0" marR="0" lvl="0" indent="0" algn="l" rtl="0">
               <a:spcBef>
                 <a:spcPts val="0"/>
               </a:spcBef>
               <a:defRPr/>
             </a:lvl1pPr>
-            <a:lvl2pPr indent="0" lvl="1" marL="457200" marR="0" rtl="0" algn="l">
+            <a:lvl2pPr marL="457200" marR="0" lvl="1" indent="0" algn="l" rtl="0">
               <a:spcBef>
                 <a:spcPts val="0"/>
               </a:spcBef>
               <a:defRPr/>
             </a:lvl2pPr>
-            <a:lvl3pPr indent="0" lvl="2" marL="914400" marR="0" rtl="0" algn="l">
+            <a:lvl3pPr marL="914400" marR="0" lvl="2" indent="0" algn="l" rtl="0">
               <a:spcBef>
                 <a:spcPts val="0"/>
               </a:spcBef>
               <a:defRPr/>
             </a:lvl3pPr>
-            <a:lvl4pPr indent="0" lvl="3" marL="1371600" marR="0" rtl="0" algn="l">
+            <a:lvl4pPr marL="1371600" marR="0" lvl="3" indent="0" algn="l" rtl="0">
               <a:spcBef>
                 <a:spcPts val="0"/>
               </a:spcBef>
               <a:defRPr/>
             </a:lvl4pPr>
-            <a:lvl5pPr indent="0" lvl="4" marL="1828800" marR="0" rtl="0" algn="l">
+            <a:lvl5pPr marL="1828800" marR="0" lvl="4" indent="0" algn="l" rtl="0">
               <a:spcBef>
                 <a:spcPts val="0"/>
               </a:spcBef>
               <a:defRPr/>
             </a:lvl5pPr>
-            <a:lvl6pPr indent="0" lvl="5" marL="2286000" marR="0" rtl="0" algn="l">
+            <a:lvl6pPr marL="2286000" marR="0" lvl="5" indent="0" algn="l" rtl="0">
               <a:spcBef>
                 <a:spcPts val="0"/>
               </a:spcBef>
               <a:defRPr/>
             </a:lvl6pPr>
-            <a:lvl7pPr indent="0" lvl="6" marL="2743200" marR="0" rtl="0" algn="l">
+            <a:lvl7pPr marL="2743200" marR="0" lvl="6" indent="0" algn="l" rtl="0">
               <a:spcBef>
                 <a:spcPts val="0"/>
               </a:spcBef>
               <a:defRPr/>
             </a:lvl7pPr>
-            <a:lvl8pPr indent="0" lvl="7" marL="3200400" marR="0" rtl="0" algn="l">
+            <a:lvl8pPr marL="3200400" marR="0" lvl="7" indent="0" algn="l" rtl="0">
               <a:spcBef>
                 <a:spcPts val="0"/>
               </a:spcBef>
               <a:defRPr/>
             </a:lvl8pPr>
-            <a:lvl9pPr indent="0" lvl="8" marL="3657600" marR="0" rtl="0" algn="l">
+            <a:lvl9pPr marL="3657600" marR="0" lvl="8" indent="0" algn="l" rtl="0">
               <a:spcBef>
                 <a:spcPts val="0"/>
               </a:spcBef>
               <a:defRPr/>
             </a:lvl9pPr>
           </a:lstStyle>
-          <a:p/>
+          <a:p>
+            <a:endParaRPr/>
+          </a:p>
         </p:txBody>
       </p:sp>
       <p:sp>
         <p:nvSpPr>
           <p:cNvPr id="24" name="Shape 24"/>
-          <p:cNvSpPr txBox="1"/>
+          <p:cNvSpPr txBox="1">
+            <a:spLocks noGrp="1"/>
+          </p:cNvSpPr>
           <p:nvPr>
-            <p:ph idx="11" type="ftr"/>
+            <p:ph type="ftr" idx="11"/>
           </p:nvPr>
         </p:nvSpPr>
         <p:spPr>
@@ -2525,72 +2758,76 @@
           </a:ln>
         </p:spPr>
         <p:txBody>
-          <a:bodyPr anchorCtr="0" anchor="ctr" bIns="91425" lIns="91425" rIns="91425" tIns="91425"/>
+          <a:bodyPr lIns="91425" tIns="91425" rIns="91425" bIns="91425" anchor="ctr" anchorCtr="0"/>
           <a:lstStyle>
-            <a:lvl1pPr indent="0" lvl="0" marL="0" marR="0" rtl="0" algn="ctr">
+            <a:lvl1pPr marL="0" marR="0" lvl="0" indent="0" algn="ctr" rtl="0">
               <a:spcBef>
                 <a:spcPts val="0"/>
               </a:spcBef>
               <a:defRPr/>
             </a:lvl1pPr>
-            <a:lvl2pPr indent="0" lvl="1" marL="457200" marR="0" rtl="0" algn="l">
+            <a:lvl2pPr marL="457200" marR="0" lvl="1" indent="0" algn="l" rtl="0">
               <a:spcBef>
                 <a:spcPts val="0"/>
               </a:spcBef>
               <a:defRPr/>
             </a:lvl2pPr>
-            <a:lvl3pPr indent="0" lvl="2" marL="914400" marR="0" rtl="0" algn="l">
+            <a:lvl3pPr marL="914400" marR="0" lvl="2" indent="0" algn="l" rtl="0">
               <a:spcBef>
                 <a:spcPts val="0"/>
               </a:spcBef>
               <a:defRPr/>
             </a:lvl3pPr>
-            <a:lvl4pPr indent="0" lvl="3" marL="1371600" marR="0" rtl="0" algn="l">
+            <a:lvl4pPr marL="1371600" marR="0" lvl="3" indent="0" algn="l" rtl="0">
               <a:spcBef>
                 <a:spcPts val="0"/>
               </a:spcBef>
               <a:defRPr/>
             </a:lvl4pPr>
-            <a:lvl5pPr indent="0" lvl="4" marL="1828800" marR="0" rtl="0" algn="l">
+            <a:lvl5pPr marL="1828800" marR="0" lvl="4" indent="0" algn="l" rtl="0">
               <a:spcBef>
                 <a:spcPts val="0"/>
               </a:spcBef>
               <a:defRPr/>
             </a:lvl5pPr>
-            <a:lvl6pPr indent="0" lvl="5" marL="2286000" marR="0" rtl="0" algn="l">
+            <a:lvl6pPr marL="2286000" marR="0" lvl="5" indent="0" algn="l" rtl="0">
               <a:spcBef>
                 <a:spcPts val="0"/>
               </a:spcBef>
               <a:defRPr/>
             </a:lvl6pPr>
-            <a:lvl7pPr indent="0" lvl="6" marL="2743200" marR="0" rtl="0" algn="l">
+            <a:lvl7pPr marL="2743200" marR="0" lvl="6" indent="0" algn="l" rtl="0">
               <a:spcBef>
                 <a:spcPts val="0"/>
               </a:spcBef>
               <a:defRPr/>
             </a:lvl7pPr>
-            <a:lvl8pPr indent="0" lvl="7" marL="3200400" marR="0" rtl="0" algn="l">
+            <a:lvl8pPr marL="3200400" marR="0" lvl="7" indent="0" algn="l" rtl="0">
               <a:spcBef>
                 <a:spcPts val="0"/>
               </a:spcBef>
               <a:defRPr/>
             </a:lvl8pPr>
-            <a:lvl9pPr indent="0" lvl="8" marL="3657600" marR="0" rtl="0" algn="l">
+            <a:lvl9pPr marL="3657600" marR="0" lvl="8" indent="0" algn="l" rtl="0">
               <a:spcBef>
                 <a:spcPts val="0"/>
               </a:spcBef>
               <a:defRPr/>
             </a:lvl9pPr>
           </a:lstStyle>
-          <a:p/>
+          <a:p>
+            <a:endParaRPr/>
+          </a:p>
         </p:txBody>
       </p:sp>
       <p:sp>
         <p:nvSpPr>
           <p:cNvPr id="25" name="Shape 25"/>
-          <p:cNvSpPr txBox="1"/>
+          <p:cNvSpPr txBox="1">
+            <a:spLocks noGrp="1"/>
+          </p:cNvSpPr>
           <p:nvPr>
-            <p:ph idx="12" type="sldNum"/>
+            <p:ph type="sldNum" idx="12"/>
           </p:nvPr>
         </p:nvSpPr>
         <p:spPr>
@@ -2607,12 +2844,12 @@
           </a:ln>
         </p:spPr>
         <p:txBody>
-          <a:bodyPr anchorCtr="0" anchor="ctr" bIns="45700" lIns="91425" rIns="91425" tIns="45700">
+          <a:bodyPr lIns="91425" tIns="45700" rIns="91425" bIns="45700" anchor="ctr" anchorCtr="0">
             <a:noAutofit/>
           </a:bodyPr>
           <a:lstStyle/>
           <a:p>
-            <a:pPr indent="0" lvl="0" marL="0" marR="0" rtl="0" algn="l">
+            <a:pPr marL="0" marR="0" lvl="0" indent="0" algn="l" rtl="0">
               <a:spcBef>
                 <a:spcPts val="0"/>
               </a:spcBef>
@@ -2620,7 +2857,7 @@
               <a:buNone/>
             </a:pPr>
             <a:fld id="{00000000-1234-1234-1234-123412341234}" type="slidenum">
-              <a:rPr b="1" i="0" lang="es-419" sz="1400" u="none" cap="none" strike="noStrike">
+              <a:rPr lang="es-419" sz="1400" b="1" i="0" u="none" strike="noStrike" cap="none">
                 <a:solidFill>
                   <a:srgbClr val="FFFFFF"/>
                 </a:solidFill>
@@ -2629,8 +2866,17 @@
                 <a:cs typeface="Arial"/>
                 <a:sym typeface="Arial"/>
               </a:rPr>
-              <a:t>‹#›</a:t>
+              <a:t>‹Nº›</a:t>
             </a:fld>
+            <a:endParaRPr lang="es-419" sz="1400" b="1" i="0" u="none" strike="noStrike" cap="none">
+              <a:solidFill>
+                <a:srgbClr val="FFFFFF"/>
+              </a:solidFill>
+              <a:latin typeface="Arial"/>
+              <a:ea typeface="Arial"/>
+              <a:cs typeface="Arial"/>
+              <a:sym typeface="Arial"/>
+            </a:endParaRPr>
           </a:p>
         </p:txBody>
       </p:sp>
@@ -2643,18 +2889,19 @@
 </file>
 
 <file path=ppt/slideLayouts/slideLayout3.xml><?xml version="1.0" encoding="utf-8"?>
-<p:sldLayout xmlns:a="http://schemas.openxmlformats.org/drawingml/2006/main" xmlns:r="http://schemas.openxmlformats.org/officeDocument/2006/relationships" xmlns:mc="http://schemas.openxmlformats.org/markup-compatibility/2006" xmlns:mv="urn:schemas-microsoft-com:mac:vml" xmlns:p="http://schemas.openxmlformats.org/presentationml/2006/main" xmlns:c="http://schemas.openxmlformats.org/drawingml/2006/chart" xmlns:dgm="http://schemas.openxmlformats.org/drawingml/2006/diagram" xmlns:o="urn:schemas-microsoft-com:office:office" xmlns:v="urn:schemas-microsoft-com:vml" xmlns:pvml="urn:schemas-microsoft-com:office:powerpoint" xmlns:com="http://schemas.openxmlformats.org/drawingml/2006/compatibility" xmlns:p14="http://schemas.microsoft.com/office/powerpoint/2010/main" type="secHead">
+<p:sldLayout xmlns:a="http://schemas.openxmlformats.org/drawingml/2006/main" xmlns:r="http://schemas.openxmlformats.org/officeDocument/2006/relationships" xmlns:p="http://schemas.openxmlformats.org/presentationml/2006/main" type="secHead">
   <p:cSld name="Encabezado de sección">
     <p:bg>
       <p:bgPr>
         <a:solidFill>
           <a:schemeClr val="dk2"/>
         </a:solidFill>
+        <a:effectLst/>
       </p:bgPr>
     </p:bg>
     <p:spTree>
       <p:nvGrpSpPr>
-        <p:cNvPr id="26" name="Shape 26"/>
+        <p:cNvPr id="1" name="Shape 26"/>
         <p:cNvGrpSpPr/>
         <p:nvPr/>
       </p:nvGrpSpPr>
@@ -2669,7 +2916,9 @@
       <p:sp>
         <p:nvSpPr>
           <p:cNvPr id="27" name="Shape 27"/>
-          <p:cNvSpPr txBox="1"/>
+          <p:cNvSpPr txBox="1">
+            <a:spLocks noGrp="1"/>
+          </p:cNvSpPr>
           <p:nvPr>
             <p:ph type="title"/>
           </p:nvPr>
@@ -2688,9 +2937,9 @@
           </a:ln>
         </p:spPr>
         <p:txBody>
-          <a:bodyPr anchorCtr="0" anchor="b" bIns="91425" lIns="91425" rIns="91425" tIns="91425"/>
+          <a:bodyPr lIns="91425" tIns="91425" rIns="91425" bIns="91425" anchor="b" anchorCtr="0"/>
           <a:lstStyle>
-            <a:lvl1pPr lvl="0" rtl="0" algn="l">
+            <a:lvl1pPr lvl="0" algn="l" rtl="0">
               <a:spcBef>
                 <a:spcPts val="0"/>
               </a:spcBef>
@@ -2745,15 +2994,19 @@
               <a:defRPr/>
             </a:lvl9pPr>
           </a:lstStyle>
-          <a:p/>
+          <a:p>
+            <a:endParaRPr/>
+          </a:p>
         </p:txBody>
       </p:sp>
       <p:sp>
         <p:nvSpPr>
           <p:cNvPr id="28" name="Shape 28"/>
-          <p:cNvSpPr txBox="1"/>
+          <p:cNvSpPr txBox="1">
+            <a:spLocks noGrp="1"/>
+          </p:cNvSpPr>
           <p:nvPr>
-            <p:ph idx="1" type="body"/>
+            <p:ph type="body" idx="1"/>
           </p:nvPr>
         </p:nvSpPr>
         <p:spPr>
@@ -2770,9 +3023,9 @@
           </a:ln>
         </p:spPr>
         <p:txBody>
-          <a:bodyPr anchorCtr="0" anchor="t" bIns="91425" lIns="91425" rIns="91425" tIns="91425"/>
+          <a:bodyPr lIns="91425" tIns="91425" rIns="91425" bIns="91425" anchor="t" anchorCtr="0"/>
           <a:lstStyle>
-            <a:lvl1pPr indent="0" lvl="0" marL="0" rtl="0">
+            <a:lvl1pPr marL="0" lvl="0" indent="0" rtl="0">
               <a:spcBef>
                 <a:spcPts val="0"/>
               </a:spcBef>
@@ -2783,7 +3036,7 @@
               <a:buNone/>
               <a:defRPr/>
             </a:lvl1pPr>
-            <a:lvl2pPr indent="0" lvl="1" marL="457200" rtl="0">
+            <a:lvl2pPr marL="457200" lvl="1" indent="0" rtl="0">
               <a:spcBef>
                 <a:spcPts val="0"/>
               </a:spcBef>
@@ -2794,7 +3047,7 @@
               <a:buNone/>
               <a:defRPr/>
             </a:lvl2pPr>
-            <a:lvl3pPr indent="0" lvl="2" marL="914400" rtl="0">
+            <a:lvl3pPr marL="914400" lvl="2" indent="0" rtl="0">
               <a:spcBef>
                 <a:spcPts val="0"/>
               </a:spcBef>
@@ -2805,7 +3058,7 @@
               <a:buNone/>
               <a:defRPr/>
             </a:lvl3pPr>
-            <a:lvl4pPr indent="0" lvl="3" marL="1371600" rtl="0">
+            <a:lvl4pPr marL="1371600" lvl="3" indent="0" rtl="0">
               <a:spcBef>
                 <a:spcPts val="0"/>
               </a:spcBef>
@@ -2816,7 +3069,7 @@
               <a:buNone/>
               <a:defRPr/>
             </a:lvl4pPr>
-            <a:lvl5pPr indent="0" lvl="4" marL="1828800" rtl="0">
+            <a:lvl5pPr marL="1828800" lvl="4" indent="0" rtl="0">
               <a:spcBef>
                 <a:spcPts val="0"/>
               </a:spcBef>
@@ -2827,7 +3080,7 @@
               <a:buNone/>
               <a:defRPr/>
             </a:lvl5pPr>
-            <a:lvl6pPr indent="0" lvl="5" marL="2286000" rtl="0">
+            <a:lvl6pPr marL="2286000" lvl="5" indent="0" rtl="0">
               <a:spcBef>
                 <a:spcPts val="0"/>
               </a:spcBef>
@@ -2838,7 +3091,7 @@
               <a:buNone/>
               <a:defRPr/>
             </a:lvl6pPr>
-            <a:lvl7pPr indent="0" lvl="6" marL="2743200" rtl="0">
+            <a:lvl7pPr marL="2743200" lvl="6" indent="0" rtl="0">
               <a:spcBef>
                 <a:spcPts val="0"/>
               </a:spcBef>
@@ -2849,7 +3102,7 @@
               <a:buNone/>
               <a:defRPr/>
             </a:lvl7pPr>
-            <a:lvl8pPr indent="0" lvl="7" marL="3200400" rtl="0">
+            <a:lvl8pPr marL="3200400" lvl="7" indent="0" rtl="0">
               <a:spcBef>
                 <a:spcPts val="0"/>
               </a:spcBef>
@@ -2860,7 +3113,7 @@
               <a:buNone/>
               <a:defRPr/>
             </a:lvl8pPr>
-            <a:lvl9pPr indent="0" lvl="8" marL="3657600" rtl="0">
+            <a:lvl9pPr marL="3657600" lvl="8" indent="0" rtl="0">
               <a:spcBef>
                 <a:spcPts val="0"/>
               </a:spcBef>
@@ -2872,15 +3125,19 @@
               <a:defRPr/>
             </a:lvl9pPr>
           </a:lstStyle>
-          <a:p/>
+          <a:p>
+            <a:endParaRPr/>
+          </a:p>
         </p:txBody>
       </p:sp>
       <p:sp>
         <p:nvSpPr>
           <p:cNvPr id="29" name="Shape 29"/>
-          <p:cNvSpPr txBox="1"/>
+          <p:cNvSpPr txBox="1">
+            <a:spLocks noGrp="1"/>
+          </p:cNvSpPr>
           <p:nvPr>
-            <p:ph idx="10" type="dt"/>
+            <p:ph type="dt" idx="10"/>
           </p:nvPr>
         </p:nvSpPr>
         <p:spPr>
@@ -2897,72 +3154,76 @@
           </a:ln>
         </p:spPr>
         <p:txBody>
-          <a:bodyPr anchorCtr="0" anchor="ctr" bIns="91425" lIns="91425" rIns="91425" tIns="91425"/>
+          <a:bodyPr lIns="91425" tIns="91425" rIns="91425" bIns="91425" anchor="ctr" anchorCtr="0"/>
           <a:lstStyle>
-            <a:lvl1pPr indent="0" lvl="0" marL="0" marR="0" rtl="0" algn="l">
+            <a:lvl1pPr marL="0" marR="0" lvl="0" indent="0" algn="l" rtl="0">
               <a:spcBef>
                 <a:spcPts val="0"/>
               </a:spcBef>
               <a:defRPr/>
             </a:lvl1pPr>
-            <a:lvl2pPr indent="0" lvl="1" marL="457200" marR="0" rtl="0" algn="l">
+            <a:lvl2pPr marL="457200" marR="0" lvl="1" indent="0" algn="l" rtl="0">
               <a:spcBef>
                 <a:spcPts val="0"/>
               </a:spcBef>
               <a:defRPr/>
             </a:lvl2pPr>
-            <a:lvl3pPr indent="0" lvl="2" marL="914400" marR="0" rtl="0" algn="l">
+            <a:lvl3pPr marL="914400" marR="0" lvl="2" indent="0" algn="l" rtl="0">
               <a:spcBef>
                 <a:spcPts val="0"/>
               </a:spcBef>
               <a:defRPr/>
             </a:lvl3pPr>
-            <a:lvl4pPr indent="0" lvl="3" marL="1371600" marR="0" rtl="0" algn="l">
+            <a:lvl4pPr marL="1371600" marR="0" lvl="3" indent="0" algn="l" rtl="0">
               <a:spcBef>
                 <a:spcPts val="0"/>
               </a:spcBef>
               <a:defRPr/>
             </a:lvl4pPr>
-            <a:lvl5pPr indent="0" lvl="4" marL="1828800" marR="0" rtl="0" algn="l">
+            <a:lvl5pPr marL="1828800" marR="0" lvl="4" indent="0" algn="l" rtl="0">
               <a:spcBef>
                 <a:spcPts val="0"/>
               </a:spcBef>
               <a:defRPr/>
             </a:lvl5pPr>
-            <a:lvl6pPr indent="0" lvl="5" marL="2286000" marR="0" rtl="0" algn="l">
+            <a:lvl6pPr marL="2286000" marR="0" lvl="5" indent="0" algn="l" rtl="0">
               <a:spcBef>
                 <a:spcPts val="0"/>
               </a:spcBef>
               <a:defRPr/>
             </a:lvl6pPr>
-            <a:lvl7pPr indent="0" lvl="6" marL="2743200" marR="0" rtl="0" algn="l">
+            <a:lvl7pPr marL="2743200" marR="0" lvl="6" indent="0" algn="l" rtl="0">
               <a:spcBef>
                 <a:spcPts val="0"/>
               </a:spcBef>
               <a:defRPr/>
             </a:lvl7pPr>
-            <a:lvl8pPr indent="0" lvl="7" marL="3200400" marR="0" rtl="0" algn="l">
+            <a:lvl8pPr marL="3200400" marR="0" lvl="7" indent="0" algn="l" rtl="0">
               <a:spcBef>
                 <a:spcPts val="0"/>
               </a:spcBef>
               <a:defRPr/>
             </a:lvl8pPr>
-            <a:lvl9pPr indent="0" lvl="8" marL="3657600" marR="0" rtl="0" algn="l">
+            <a:lvl9pPr marL="3657600" marR="0" lvl="8" indent="0" algn="l" rtl="0">
               <a:spcBef>
                 <a:spcPts val="0"/>
               </a:spcBef>
               <a:defRPr/>
             </a:lvl9pPr>
           </a:lstStyle>
-          <a:p/>
+          <a:p>
+            <a:endParaRPr/>
+          </a:p>
         </p:txBody>
       </p:sp>
       <p:sp>
         <p:nvSpPr>
           <p:cNvPr id="30" name="Shape 30"/>
-          <p:cNvSpPr txBox="1"/>
+          <p:cNvSpPr txBox="1">
+            <a:spLocks noGrp="1"/>
+          </p:cNvSpPr>
           <p:nvPr>
-            <p:ph idx="11" type="ftr"/>
+            <p:ph type="ftr" idx="11"/>
           </p:nvPr>
         </p:nvSpPr>
         <p:spPr>
@@ -2979,72 +3240,76 @@
           </a:ln>
         </p:spPr>
         <p:txBody>
-          <a:bodyPr anchorCtr="0" anchor="ctr" bIns="91425" lIns="91425" rIns="91425" tIns="91425"/>
+          <a:bodyPr lIns="91425" tIns="91425" rIns="91425" bIns="91425" anchor="ctr" anchorCtr="0"/>
           <a:lstStyle>
-            <a:lvl1pPr indent="0" lvl="0" marL="0" marR="0" rtl="0" algn="ctr">
+            <a:lvl1pPr marL="0" marR="0" lvl="0" indent="0" algn="ctr" rtl="0">
               <a:spcBef>
                 <a:spcPts val="0"/>
               </a:spcBef>
               <a:defRPr/>
             </a:lvl1pPr>
-            <a:lvl2pPr indent="0" lvl="1" marL="457200" marR="0" rtl="0" algn="l">
+            <a:lvl2pPr marL="457200" marR="0" lvl="1" indent="0" algn="l" rtl="0">
               <a:spcBef>
                 <a:spcPts val="0"/>
               </a:spcBef>
               <a:defRPr/>
             </a:lvl2pPr>
-            <a:lvl3pPr indent="0" lvl="2" marL="914400" marR="0" rtl="0" algn="l">
+            <a:lvl3pPr marL="914400" marR="0" lvl="2" indent="0" algn="l" rtl="0">
               <a:spcBef>
                 <a:spcPts val="0"/>
               </a:spcBef>
               <a:defRPr/>
             </a:lvl3pPr>
-            <a:lvl4pPr indent="0" lvl="3" marL="1371600" marR="0" rtl="0" algn="l">
+            <a:lvl4pPr marL="1371600" marR="0" lvl="3" indent="0" algn="l" rtl="0">
               <a:spcBef>
                 <a:spcPts val="0"/>
               </a:spcBef>
               <a:defRPr/>
             </a:lvl4pPr>
-            <a:lvl5pPr indent="0" lvl="4" marL="1828800" marR="0" rtl="0" algn="l">
+            <a:lvl5pPr marL="1828800" marR="0" lvl="4" indent="0" algn="l" rtl="0">
               <a:spcBef>
                 <a:spcPts val="0"/>
               </a:spcBef>
               <a:defRPr/>
             </a:lvl5pPr>
-            <a:lvl6pPr indent="0" lvl="5" marL="2286000" marR="0" rtl="0" algn="l">
+            <a:lvl6pPr marL="2286000" marR="0" lvl="5" indent="0" algn="l" rtl="0">
               <a:spcBef>
                 <a:spcPts val="0"/>
               </a:spcBef>
               <a:defRPr/>
             </a:lvl6pPr>
-            <a:lvl7pPr indent="0" lvl="6" marL="2743200" marR="0" rtl="0" algn="l">
+            <a:lvl7pPr marL="2743200" marR="0" lvl="6" indent="0" algn="l" rtl="0">
               <a:spcBef>
                 <a:spcPts val="0"/>
               </a:spcBef>
               <a:defRPr/>
             </a:lvl7pPr>
-            <a:lvl8pPr indent="0" lvl="7" marL="3200400" marR="0" rtl="0" algn="l">
+            <a:lvl8pPr marL="3200400" marR="0" lvl="7" indent="0" algn="l" rtl="0">
               <a:spcBef>
                 <a:spcPts val="0"/>
               </a:spcBef>
               <a:defRPr/>
             </a:lvl8pPr>
-            <a:lvl9pPr indent="0" lvl="8" marL="3657600" marR="0" rtl="0" algn="l">
+            <a:lvl9pPr marL="3657600" marR="0" lvl="8" indent="0" algn="l" rtl="0">
               <a:spcBef>
                 <a:spcPts val="0"/>
               </a:spcBef>
               <a:defRPr/>
             </a:lvl9pPr>
           </a:lstStyle>
-          <a:p/>
+          <a:p>
+            <a:endParaRPr/>
+          </a:p>
         </p:txBody>
       </p:sp>
       <p:sp>
         <p:nvSpPr>
           <p:cNvPr id="31" name="Shape 31"/>
-          <p:cNvSpPr txBox="1"/>
+          <p:cNvSpPr txBox="1">
+            <a:spLocks noGrp="1"/>
+          </p:cNvSpPr>
           <p:nvPr>
-            <p:ph idx="12" type="sldNum"/>
+            <p:ph type="sldNum" idx="12"/>
           </p:nvPr>
         </p:nvSpPr>
         <p:spPr>
@@ -3061,12 +3326,12 @@
           </a:ln>
         </p:spPr>
         <p:txBody>
-          <a:bodyPr anchorCtr="0" anchor="ctr" bIns="45700" lIns="91425" rIns="91425" tIns="45700">
+          <a:bodyPr lIns="91425" tIns="45700" rIns="91425" bIns="45700" anchor="ctr" anchorCtr="0">
             <a:noAutofit/>
           </a:bodyPr>
           <a:lstStyle/>
           <a:p>
-            <a:pPr indent="0" lvl="0" marL="0" marR="0" rtl="0" algn="l">
+            <a:pPr marL="0" marR="0" lvl="0" indent="0" algn="l" rtl="0">
               <a:spcBef>
                 <a:spcPts val="0"/>
               </a:spcBef>
@@ -3074,7 +3339,7 @@
               <a:buNone/>
             </a:pPr>
             <a:fld id="{00000000-1234-1234-1234-123412341234}" type="slidenum">
-              <a:rPr b="1" i="0" lang="es-419" sz="1400" u="none" cap="none" strike="noStrike">
+              <a:rPr lang="es-419" sz="1400" b="1" i="0" u="none" strike="noStrike" cap="none">
                 <a:solidFill>
                   <a:srgbClr val="FFFFFF"/>
                 </a:solidFill>
@@ -3083,8 +3348,17 @@
                 <a:cs typeface="Arial"/>
                 <a:sym typeface="Arial"/>
               </a:rPr>
-              <a:t>‹#›</a:t>
+              <a:t>‹Nº›</a:t>
             </a:fld>
+            <a:endParaRPr lang="es-419" sz="1400" b="1" i="0" u="none" strike="noStrike" cap="none">
+              <a:solidFill>
+                <a:srgbClr val="FFFFFF"/>
+              </a:solidFill>
+              <a:latin typeface="Arial"/>
+              <a:ea typeface="Arial"/>
+              <a:cs typeface="Arial"/>
+              <a:sym typeface="Arial"/>
+            </a:endParaRPr>
           </a:p>
         </p:txBody>
       </p:sp>
@@ -3103,14 +3377,14 @@
             <a:avLst/>
           </a:prstGeom>
           <a:noFill/>
-          <a:ln cap="flat" cmpd="sng" w="19050">
+          <a:ln w="19050" cap="flat" cmpd="sng">
             <a:solidFill>
               <a:schemeClr val="lt2"/>
             </a:solidFill>
             <a:prstDash val="solid"/>
             <a:round/>
-            <a:headEnd len="med" w="med" type="none"/>
-            <a:tailEnd len="med" w="med" type="none"/>
+            <a:headEnd type="none" w="med" len="med"/>
+            <a:tailEnd type="none" w="med" len="med"/>
           </a:ln>
         </p:spPr>
       </p:cxnSp>
@@ -3123,11 +3397,11 @@
 </file>
 
 <file path=ppt/slideLayouts/slideLayout4.xml><?xml version="1.0" encoding="utf-8"?>
-<p:sldLayout xmlns:a="http://schemas.openxmlformats.org/drawingml/2006/main" xmlns:r="http://schemas.openxmlformats.org/officeDocument/2006/relationships" xmlns:mc="http://schemas.openxmlformats.org/markup-compatibility/2006" xmlns:mv="urn:schemas-microsoft-com:mac:vml" xmlns:p="http://schemas.openxmlformats.org/presentationml/2006/main" xmlns:c="http://schemas.openxmlformats.org/drawingml/2006/chart" xmlns:dgm="http://schemas.openxmlformats.org/drawingml/2006/diagram" xmlns:o="urn:schemas-microsoft-com:office:office" xmlns:v="urn:schemas-microsoft-com:vml" xmlns:pvml="urn:schemas-microsoft-com:office:powerpoint" xmlns:com="http://schemas.openxmlformats.org/drawingml/2006/compatibility" xmlns:p14="http://schemas.microsoft.com/office/powerpoint/2010/main" type="twoObj">
+<p:sldLayout xmlns:a="http://schemas.openxmlformats.org/drawingml/2006/main" xmlns:r="http://schemas.openxmlformats.org/officeDocument/2006/relationships" xmlns:p="http://schemas.openxmlformats.org/presentationml/2006/main" type="twoObj">
   <p:cSld name="Dos objetos">
     <p:spTree>
       <p:nvGrpSpPr>
-        <p:cNvPr id="33" name="Shape 33"/>
+        <p:cNvPr id="1" name="Shape 33"/>
         <p:cNvGrpSpPr/>
         <p:nvPr/>
       </p:nvGrpSpPr>
@@ -3142,7 +3416,9 @@
       <p:sp>
         <p:nvSpPr>
           <p:cNvPr id="34" name="Shape 34"/>
-          <p:cNvSpPr txBox="1"/>
+          <p:cNvSpPr txBox="1">
+            <a:spLocks noGrp="1"/>
+          </p:cNvSpPr>
           <p:nvPr>
             <p:ph type="title"/>
           </p:nvPr>
@@ -3161,9 +3437,9 @@
           </a:ln>
         </p:spPr>
         <p:txBody>
-          <a:bodyPr anchorCtr="0" anchor="ctr" bIns="91425" lIns="91425" rIns="91425" tIns="91425"/>
+          <a:bodyPr lIns="91425" tIns="91425" rIns="91425" bIns="91425" anchor="ctr" anchorCtr="0"/>
           <a:lstStyle>
-            <a:lvl1pPr lvl="0" rtl="0" algn="l">
+            <a:lvl1pPr lvl="0" algn="l" rtl="0">
               <a:spcBef>
                 <a:spcPts val="0"/>
               </a:spcBef>
@@ -3223,15 +3499,19 @@
               <a:defRPr/>
             </a:lvl9pPr>
           </a:lstStyle>
-          <a:p/>
+          <a:p>
+            <a:endParaRPr/>
+          </a:p>
         </p:txBody>
       </p:sp>
       <p:sp>
         <p:nvSpPr>
           <p:cNvPr id="35" name="Shape 35"/>
-          <p:cNvSpPr txBox="1"/>
+          <p:cNvSpPr txBox="1">
+            <a:spLocks noGrp="1"/>
+          </p:cNvSpPr>
           <p:nvPr>
-            <p:ph idx="1" type="body"/>
+            <p:ph type="body" idx="1"/>
           </p:nvPr>
         </p:nvSpPr>
         <p:spPr>
@@ -3248,7 +3528,7 @@
           </a:ln>
         </p:spPr>
         <p:txBody>
-          <a:bodyPr anchorCtr="0" anchor="t" bIns="91425" lIns="91425" rIns="91425" tIns="91425"/>
+          <a:bodyPr lIns="91425" tIns="91425" rIns="91425" bIns="91425" anchor="t" anchorCtr="0"/>
           <a:lstStyle>
             <a:lvl1pPr lvl="0" rtl="0">
               <a:spcBef>
@@ -3305,15 +3585,19 @@
               <a:defRPr/>
             </a:lvl9pPr>
           </a:lstStyle>
-          <a:p/>
+          <a:p>
+            <a:endParaRPr/>
+          </a:p>
         </p:txBody>
       </p:sp>
       <p:sp>
         <p:nvSpPr>
           <p:cNvPr id="36" name="Shape 36"/>
-          <p:cNvSpPr txBox="1"/>
+          <p:cNvSpPr txBox="1">
+            <a:spLocks noGrp="1"/>
+          </p:cNvSpPr>
           <p:nvPr>
-            <p:ph idx="2" type="body"/>
+            <p:ph type="body" idx="2"/>
           </p:nvPr>
         </p:nvSpPr>
         <p:spPr>
@@ -3330,7 +3614,7 @@
           </a:ln>
         </p:spPr>
         <p:txBody>
-          <a:bodyPr anchorCtr="0" anchor="t" bIns="91425" lIns="91425" rIns="91425" tIns="91425"/>
+          <a:bodyPr lIns="91425" tIns="91425" rIns="91425" bIns="91425" anchor="t" anchorCtr="0"/>
           <a:lstStyle>
             <a:lvl1pPr lvl="0" rtl="0">
               <a:spcBef>
@@ -3387,15 +3671,19 @@
               <a:defRPr/>
             </a:lvl9pPr>
           </a:lstStyle>
-          <a:p/>
+          <a:p>
+            <a:endParaRPr/>
+          </a:p>
         </p:txBody>
       </p:sp>
       <p:sp>
         <p:nvSpPr>
           <p:cNvPr id="37" name="Shape 37"/>
-          <p:cNvSpPr txBox="1"/>
+          <p:cNvSpPr txBox="1">
+            <a:spLocks noGrp="1"/>
+          </p:cNvSpPr>
           <p:nvPr>
-            <p:ph idx="10" type="dt"/>
+            <p:ph type="dt" idx="10"/>
           </p:nvPr>
         </p:nvSpPr>
         <p:spPr>
@@ -3412,72 +3700,76 @@
           </a:ln>
         </p:spPr>
         <p:txBody>
-          <a:bodyPr anchorCtr="0" anchor="ctr" bIns="91425" lIns="91425" rIns="91425" tIns="91425"/>
+          <a:bodyPr lIns="91425" tIns="91425" rIns="91425" bIns="91425" anchor="ctr" anchorCtr="0"/>
           <a:lstStyle>
-            <a:lvl1pPr indent="0" lvl="0" marL="0" marR="0" rtl="0" algn="l">
+            <a:lvl1pPr marL="0" marR="0" lvl="0" indent="0" algn="l" rtl="0">
               <a:spcBef>
                 <a:spcPts val="0"/>
               </a:spcBef>
               <a:defRPr/>
             </a:lvl1pPr>
-            <a:lvl2pPr indent="0" lvl="1" marL="457200" marR="0" rtl="0" algn="l">
+            <a:lvl2pPr marL="457200" marR="0" lvl="1" indent="0" algn="l" rtl="0">
               <a:spcBef>
                 <a:spcPts val="0"/>
               </a:spcBef>
               <a:defRPr/>
             </a:lvl2pPr>
-            <a:lvl3pPr indent="0" lvl="2" marL="914400" marR="0" rtl="0" algn="l">
+            <a:lvl3pPr marL="914400" marR="0" lvl="2" indent="0" algn="l" rtl="0">
               <a:spcBef>
                 <a:spcPts val="0"/>
               </a:spcBef>
               <a:defRPr/>
             </a:lvl3pPr>
-            <a:lvl4pPr indent="0" lvl="3" marL="1371600" marR="0" rtl="0" algn="l">
+            <a:lvl4pPr marL="1371600" marR="0" lvl="3" indent="0" algn="l" rtl="0">
               <a:spcBef>
                 <a:spcPts val="0"/>
               </a:spcBef>
               <a:defRPr/>
             </a:lvl4pPr>
-            <a:lvl5pPr indent="0" lvl="4" marL="1828800" marR="0" rtl="0" algn="l">
+            <a:lvl5pPr marL="1828800" marR="0" lvl="4" indent="0" algn="l" rtl="0">
               <a:spcBef>
                 <a:spcPts val="0"/>
               </a:spcBef>
               <a:defRPr/>
             </a:lvl5pPr>
-            <a:lvl6pPr indent="0" lvl="5" marL="2286000" marR="0" rtl="0" algn="l">
+            <a:lvl6pPr marL="2286000" marR="0" lvl="5" indent="0" algn="l" rtl="0">
               <a:spcBef>
                 <a:spcPts val="0"/>
               </a:spcBef>
               <a:defRPr/>
             </a:lvl6pPr>
-            <a:lvl7pPr indent="0" lvl="6" marL="2743200" marR="0" rtl="0" algn="l">
+            <a:lvl7pPr marL="2743200" marR="0" lvl="6" indent="0" algn="l" rtl="0">
               <a:spcBef>
                 <a:spcPts val="0"/>
               </a:spcBef>
               <a:defRPr/>
             </a:lvl7pPr>
-            <a:lvl8pPr indent="0" lvl="7" marL="3200400" marR="0" rtl="0" algn="l">
+            <a:lvl8pPr marL="3200400" marR="0" lvl="7" indent="0" algn="l" rtl="0">
               <a:spcBef>
                 <a:spcPts val="0"/>
               </a:spcBef>
               <a:defRPr/>
             </a:lvl8pPr>
-            <a:lvl9pPr indent="0" lvl="8" marL="3657600" marR="0" rtl="0" algn="l">
+            <a:lvl9pPr marL="3657600" marR="0" lvl="8" indent="0" algn="l" rtl="0">
               <a:spcBef>
                 <a:spcPts val="0"/>
               </a:spcBef>
               <a:defRPr/>
             </a:lvl9pPr>
           </a:lstStyle>
-          <a:p/>
+          <a:p>
+            <a:endParaRPr/>
+          </a:p>
         </p:txBody>
       </p:sp>
       <p:sp>
         <p:nvSpPr>
           <p:cNvPr id="38" name="Shape 38"/>
-          <p:cNvSpPr txBox="1"/>
+          <p:cNvSpPr txBox="1">
+            <a:spLocks noGrp="1"/>
+          </p:cNvSpPr>
           <p:nvPr>
-            <p:ph idx="11" type="ftr"/>
+            <p:ph type="ftr" idx="11"/>
           </p:nvPr>
         </p:nvSpPr>
         <p:spPr>
@@ -3494,72 +3786,76 @@
           </a:ln>
         </p:spPr>
         <p:txBody>
-          <a:bodyPr anchorCtr="0" anchor="ctr" bIns="91425" lIns="91425" rIns="91425" tIns="91425"/>
+          <a:bodyPr lIns="91425" tIns="91425" rIns="91425" bIns="91425" anchor="ctr" anchorCtr="0"/>
           <a:lstStyle>
-            <a:lvl1pPr indent="0" lvl="0" marL="0" marR="0" rtl="0" algn="ctr">
+            <a:lvl1pPr marL="0" marR="0" lvl="0" indent="0" algn="ctr" rtl="0">
               <a:spcBef>
                 <a:spcPts val="0"/>
               </a:spcBef>
               <a:defRPr/>
             </a:lvl1pPr>
-            <a:lvl2pPr indent="0" lvl="1" marL="457200" marR="0" rtl="0" algn="l">
+            <a:lvl2pPr marL="457200" marR="0" lvl="1" indent="0" algn="l" rtl="0">
               <a:spcBef>
                 <a:spcPts val="0"/>
               </a:spcBef>
               <a:defRPr/>
             </a:lvl2pPr>
-            <a:lvl3pPr indent="0" lvl="2" marL="914400" marR="0" rtl="0" algn="l">
+            <a:lvl3pPr marL="914400" marR="0" lvl="2" indent="0" algn="l" rtl="0">
               <a:spcBef>
                 <a:spcPts val="0"/>
               </a:spcBef>
               <a:defRPr/>
             </a:lvl3pPr>
-            <a:lvl4pPr indent="0" lvl="3" marL="1371600" marR="0" rtl="0" algn="l">
+            <a:lvl4pPr marL="1371600" marR="0" lvl="3" indent="0" algn="l" rtl="0">
               <a:spcBef>
                 <a:spcPts val="0"/>
               </a:spcBef>
               <a:defRPr/>
             </a:lvl4pPr>
-            <a:lvl5pPr indent="0" lvl="4" marL="1828800" marR="0" rtl="0" algn="l">
+            <a:lvl5pPr marL="1828800" marR="0" lvl="4" indent="0" algn="l" rtl="0">
               <a:spcBef>
                 <a:spcPts val="0"/>
               </a:spcBef>
               <a:defRPr/>
             </a:lvl5pPr>
-            <a:lvl6pPr indent="0" lvl="5" marL="2286000" marR="0" rtl="0" algn="l">
+            <a:lvl6pPr marL="2286000" marR="0" lvl="5" indent="0" algn="l" rtl="0">
               <a:spcBef>
                 <a:spcPts val="0"/>
               </a:spcBef>
               <a:defRPr/>
             </a:lvl6pPr>
-            <a:lvl7pPr indent="0" lvl="6" marL="2743200" marR="0" rtl="0" algn="l">
+            <a:lvl7pPr marL="2743200" marR="0" lvl="6" indent="0" algn="l" rtl="0">
               <a:spcBef>
                 <a:spcPts val="0"/>
               </a:spcBef>
               <a:defRPr/>
             </a:lvl7pPr>
-            <a:lvl8pPr indent="0" lvl="7" marL="3200400" marR="0" rtl="0" algn="l">
+            <a:lvl8pPr marL="3200400" marR="0" lvl="7" indent="0" algn="l" rtl="0">
               <a:spcBef>
                 <a:spcPts val="0"/>
               </a:spcBef>
               <a:defRPr/>
             </a:lvl8pPr>
-            <a:lvl9pPr indent="0" lvl="8" marL="3657600" marR="0" rtl="0" algn="l">
+            <a:lvl9pPr marL="3657600" marR="0" lvl="8" indent="0" algn="l" rtl="0">
               <a:spcBef>
                 <a:spcPts val="0"/>
               </a:spcBef>
               <a:defRPr/>
             </a:lvl9pPr>
           </a:lstStyle>
-          <a:p/>
+          <a:p>
+            <a:endParaRPr/>
+          </a:p>
         </p:txBody>
       </p:sp>
       <p:sp>
         <p:nvSpPr>
           <p:cNvPr id="39" name="Shape 39"/>
-          <p:cNvSpPr txBox="1"/>
+          <p:cNvSpPr txBox="1">
+            <a:spLocks noGrp="1"/>
+          </p:cNvSpPr>
           <p:nvPr>
-            <p:ph idx="12" type="sldNum"/>
+            <p:ph type="sldNum" idx="12"/>
           </p:nvPr>
         </p:nvSpPr>
         <p:spPr>
@@ -3576,12 +3872,12 @@
           </a:ln>
         </p:spPr>
         <p:txBody>
-          <a:bodyPr anchorCtr="0" anchor="ctr" bIns="45700" lIns="91425" rIns="91425" tIns="45700">
+          <a:bodyPr lIns="91425" tIns="45700" rIns="91425" bIns="45700" anchor="ctr" anchorCtr="0">
             <a:noAutofit/>
           </a:bodyPr>
           <a:lstStyle/>
           <a:p>
-            <a:pPr indent="0" lvl="0" marL="0" marR="0" rtl="0" algn="l">
+            <a:pPr marL="0" marR="0" lvl="0" indent="0" algn="l" rtl="0">
               <a:spcBef>
                 <a:spcPts val="0"/>
               </a:spcBef>
@@ -3589,7 +3885,7 @@
               <a:buNone/>
             </a:pPr>
             <a:fld id="{00000000-1234-1234-1234-123412341234}" type="slidenum">
-              <a:rPr b="1" i="0" lang="es-419" sz="1400" u="none" cap="none" strike="noStrike">
+              <a:rPr lang="es-419" sz="1400" b="1" i="0" u="none" strike="noStrike" cap="none">
                 <a:solidFill>
                   <a:srgbClr val="FFFFFF"/>
                 </a:solidFill>
@@ -3598,8 +3894,17 @@
                 <a:cs typeface="Arial"/>
                 <a:sym typeface="Arial"/>
               </a:rPr>
-              <a:t>‹#›</a:t>
+              <a:t>‹Nº›</a:t>
             </a:fld>
+            <a:endParaRPr lang="es-419" sz="1400" b="1" i="0" u="none" strike="noStrike" cap="none">
+              <a:solidFill>
+                <a:srgbClr val="FFFFFF"/>
+              </a:solidFill>
+              <a:latin typeface="Arial"/>
+              <a:ea typeface="Arial"/>
+              <a:cs typeface="Arial"/>
+              <a:sym typeface="Arial"/>
+            </a:endParaRPr>
           </a:p>
         </p:txBody>
       </p:sp>
@@ -3612,11 +3917,11 @@
 </file>
 
 <file path=ppt/slideLayouts/slideLayout5.xml><?xml version="1.0" encoding="utf-8"?>
-<p:sldLayout xmlns:a="http://schemas.openxmlformats.org/drawingml/2006/main" xmlns:r="http://schemas.openxmlformats.org/officeDocument/2006/relationships" xmlns:mc="http://schemas.openxmlformats.org/markup-compatibility/2006" xmlns:mv="urn:schemas-microsoft-com:mac:vml" xmlns:p="http://schemas.openxmlformats.org/presentationml/2006/main" xmlns:c="http://schemas.openxmlformats.org/drawingml/2006/chart" xmlns:dgm="http://schemas.openxmlformats.org/drawingml/2006/diagram" xmlns:o="urn:schemas-microsoft-com:office:office" xmlns:v="urn:schemas-microsoft-com:vml" xmlns:pvml="urn:schemas-microsoft-com:office:powerpoint" xmlns:com="http://schemas.openxmlformats.org/drawingml/2006/compatibility" xmlns:p14="http://schemas.microsoft.com/office/powerpoint/2010/main" type="twoTxTwoObj">
+<p:sldLayout xmlns:a="http://schemas.openxmlformats.org/drawingml/2006/main" xmlns:r="http://schemas.openxmlformats.org/officeDocument/2006/relationships" xmlns:p="http://schemas.openxmlformats.org/presentationml/2006/main" type="twoTxTwoObj">
   <p:cSld name="Comparación">
     <p:spTree>
       <p:nvGrpSpPr>
-        <p:cNvPr id="40" name="Shape 40"/>
+        <p:cNvPr id="1" name="Shape 40"/>
         <p:cNvGrpSpPr/>
         <p:nvPr/>
       </p:nvGrpSpPr>
@@ -3631,7 +3936,9 @@
       <p:sp>
         <p:nvSpPr>
           <p:cNvPr id="41" name="Shape 41"/>
-          <p:cNvSpPr txBox="1"/>
+          <p:cNvSpPr txBox="1">
+            <a:spLocks noGrp="1"/>
+          </p:cNvSpPr>
           <p:nvPr>
             <p:ph type="title"/>
           </p:nvPr>
@@ -3650,7 +3957,7 @@
           </a:ln>
         </p:spPr>
         <p:txBody>
-          <a:bodyPr anchorCtr="0" anchor="ctr" bIns="91425" lIns="91425" rIns="91425" tIns="91425"/>
+          <a:bodyPr lIns="91425" tIns="91425" rIns="91425" bIns="91425" anchor="ctr" anchorCtr="0"/>
           <a:lstStyle>
             <a:lvl1pPr lvl="0" rtl="0">
               <a:spcBef>
@@ -3707,15 +4014,19 @@
               <a:defRPr/>
             </a:lvl9pPr>
           </a:lstStyle>
-          <a:p/>
+          <a:p>
+            <a:endParaRPr/>
+          </a:p>
         </p:txBody>
       </p:sp>
       <p:sp>
         <p:nvSpPr>
           <p:cNvPr id="42" name="Shape 42"/>
-          <p:cNvSpPr txBox="1"/>
+          <p:cNvSpPr txBox="1">
+            <a:spLocks noGrp="1"/>
+          </p:cNvSpPr>
           <p:nvPr>
-            <p:ph idx="1" type="body"/>
+            <p:ph type="body" idx="1"/>
           </p:nvPr>
         </p:nvSpPr>
         <p:spPr>
@@ -3732,9 +4043,9 @@
           </a:ln>
         </p:spPr>
         <p:txBody>
-          <a:bodyPr anchorCtr="0" anchor="ctr" bIns="91425" lIns="91425" rIns="91425" tIns="91425"/>
+          <a:bodyPr lIns="91425" tIns="91425" rIns="91425" bIns="91425" anchor="ctr" anchorCtr="0"/>
           <a:lstStyle>
-            <a:lvl1pPr indent="0" lvl="0" marL="0" rtl="0" algn="ctr">
+            <a:lvl1pPr marL="0" lvl="0" indent="0" algn="ctr" rtl="0">
               <a:spcBef>
                 <a:spcPts val="0"/>
               </a:spcBef>
@@ -3745,7 +4056,7 @@
               <a:buNone/>
               <a:defRPr/>
             </a:lvl1pPr>
-            <a:lvl2pPr indent="0" lvl="1" marL="457200" rtl="0">
+            <a:lvl2pPr marL="457200" lvl="1" indent="0" rtl="0">
               <a:spcBef>
                 <a:spcPts val="0"/>
               </a:spcBef>
@@ -3753,7 +4064,7 @@
               <a:buNone/>
               <a:defRPr/>
             </a:lvl2pPr>
-            <a:lvl3pPr indent="0" lvl="2" marL="914400" rtl="0">
+            <a:lvl3pPr marL="914400" lvl="2" indent="0" rtl="0">
               <a:spcBef>
                 <a:spcPts val="0"/>
               </a:spcBef>
@@ -3761,7 +4072,7 @@
               <a:buNone/>
               <a:defRPr/>
             </a:lvl3pPr>
-            <a:lvl4pPr indent="0" lvl="3" marL="1371600" rtl="0">
+            <a:lvl4pPr marL="1371600" lvl="3" indent="0" rtl="0">
               <a:spcBef>
                 <a:spcPts val="0"/>
               </a:spcBef>
@@ -3769,7 +4080,7 @@
               <a:buNone/>
               <a:defRPr/>
             </a:lvl4pPr>
-            <a:lvl5pPr indent="0" lvl="4" marL="1828800" rtl="0">
+            <a:lvl5pPr marL="1828800" lvl="4" indent="0" rtl="0">
               <a:spcBef>
                 <a:spcPts val="0"/>
               </a:spcBef>
@@ -3777,7 +4088,7 @@
               <a:buNone/>
               <a:defRPr/>
             </a:lvl5pPr>
-            <a:lvl6pPr indent="0" lvl="5" marL="2286000" rtl="0">
+            <a:lvl6pPr marL="2286000" lvl="5" indent="0" rtl="0">
               <a:spcBef>
                 <a:spcPts val="0"/>
               </a:spcBef>
@@ -3785,7 +4096,7 @@
               <a:buNone/>
               <a:defRPr/>
             </a:lvl6pPr>
-            <a:lvl7pPr indent="0" lvl="6" marL="2743200" rtl="0">
+            <a:lvl7pPr marL="2743200" lvl="6" indent="0" rtl="0">
               <a:spcBef>
                 <a:spcPts val="0"/>
               </a:spcBef>
@@ -3793,7 +4104,7 @@
               <a:buNone/>
               <a:defRPr/>
             </a:lvl7pPr>
-            <a:lvl8pPr indent="0" lvl="7" marL="3200400" rtl="0">
+            <a:lvl8pPr marL="3200400" lvl="7" indent="0" rtl="0">
               <a:spcBef>
                 <a:spcPts val="0"/>
               </a:spcBef>
@@ -3801,7 +4112,7 @@
               <a:buNone/>
               <a:defRPr/>
             </a:lvl8pPr>
-            <a:lvl9pPr indent="0" lvl="8" marL="3657600" rtl="0">
+            <a:lvl9pPr marL="3657600" lvl="8" indent="0" rtl="0">
               <a:spcBef>
                 <a:spcPts val="0"/>
               </a:spcBef>
@@ -3810,15 +4121,19 @@
               <a:defRPr/>
             </a:lvl9pPr>
           </a:lstStyle>
-          <a:p/>
+          <a:p>
+            <a:endParaRPr/>
+          </a:p>
         </p:txBody>
       </p:sp>
       <p:sp>
         <p:nvSpPr>
           <p:cNvPr id="43" name="Shape 43"/>
-          <p:cNvSpPr txBox="1"/>
+          <p:cNvSpPr txBox="1">
+            <a:spLocks noGrp="1"/>
+          </p:cNvSpPr>
           <p:nvPr>
-            <p:ph idx="2" type="body"/>
+            <p:ph type="body" idx="2"/>
           </p:nvPr>
         </p:nvSpPr>
         <p:spPr>
@@ -3835,7 +4150,7 @@
           </a:ln>
         </p:spPr>
         <p:txBody>
-          <a:bodyPr anchorCtr="0" anchor="t" bIns="91425" lIns="91425" rIns="91425" tIns="91425"/>
+          <a:bodyPr lIns="91425" tIns="91425" rIns="91425" bIns="91425" anchor="t" anchorCtr="0"/>
           <a:lstStyle>
             <a:lvl1pPr lvl="0" rtl="0">
               <a:spcBef>
@@ -3892,15 +4207,19 @@
               <a:defRPr/>
             </a:lvl9pPr>
           </a:lstStyle>
-          <a:p/>
+          <a:p>
+            <a:endParaRPr/>
+          </a:p>
         </p:txBody>
       </p:sp>
       <p:sp>
         <p:nvSpPr>
           <p:cNvPr id="44" name="Shape 44"/>
-          <p:cNvSpPr txBox="1"/>
+          <p:cNvSpPr txBox="1">
+            <a:spLocks noGrp="1"/>
+          </p:cNvSpPr>
           <p:nvPr>
-            <p:ph idx="3" type="body"/>
+            <p:ph type="body" idx="3"/>
           </p:nvPr>
         </p:nvSpPr>
         <p:spPr>
@@ -3917,9 +4236,9 @@
           </a:ln>
         </p:spPr>
         <p:txBody>
-          <a:bodyPr anchorCtr="0" anchor="ctr" bIns="91425" lIns="91425" rIns="91425" tIns="91425"/>
+          <a:bodyPr lIns="91425" tIns="91425" rIns="91425" bIns="91425" anchor="ctr" anchorCtr="0"/>
           <a:lstStyle>
-            <a:lvl1pPr indent="0" lvl="0" marL="0" rtl="0" algn="ctr">
+            <a:lvl1pPr marL="0" lvl="0" indent="0" algn="ctr" rtl="0">
               <a:spcBef>
                 <a:spcPts val="0"/>
               </a:spcBef>
@@ -3930,7 +4249,7 @@
               <a:buNone/>
               <a:defRPr/>
             </a:lvl1pPr>
-            <a:lvl2pPr indent="0" lvl="1" marL="457200" rtl="0">
+            <a:lvl2pPr marL="457200" lvl="1" indent="0" rtl="0">
               <a:spcBef>
                 <a:spcPts val="0"/>
               </a:spcBef>
@@ -3938,7 +4257,7 @@
               <a:buNone/>
               <a:defRPr/>
             </a:lvl2pPr>
-            <a:lvl3pPr indent="0" lvl="2" marL="914400" rtl="0">
+            <a:lvl3pPr marL="914400" lvl="2" indent="0" rtl="0">
               <a:spcBef>
                 <a:spcPts val="0"/>
               </a:spcBef>
@@ -3946,7 +4265,7 @@
               <a:buNone/>
               <a:defRPr/>
             </a:lvl3pPr>
-            <a:lvl4pPr indent="0" lvl="3" marL="1371600" rtl="0">
+            <a:lvl4pPr marL="1371600" lvl="3" indent="0" rtl="0">
               <a:spcBef>
                 <a:spcPts val="0"/>
               </a:spcBef>
@@ -3954,7 +4273,7 @@
               <a:buNone/>
               <a:defRPr/>
             </a:lvl4pPr>
-            <a:lvl5pPr indent="0" lvl="4" marL="1828800" rtl="0">
+            <a:lvl5pPr marL="1828800" lvl="4" indent="0" rtl="0">
               <a:spcBef>
                 <a:spcPts val="0"/>
               </a:spcBef>
@@ -3962,7 +4281,7 @@
               <a:buNone/>
               <a:defRPr/>
             </a:lvl5pPr>
-            <a:lvl6pPr indent="0" lvl="5" marL="2286000" rtl="0">
+            <a:lvl6pPr marL="2286000" lvl="5" indent="0" rtl="0">
               <a:spcBef>
                 <a:spcPts val="0"/>
               </a:spcBef>
@@ -3970,7 +4289,7 @@
               <a:buNone/>
               <a:defRPr/>
             </a:lvl6pPr>
-            <a:lvl7pPr indent="0" lvl="6" marL="2743200" rtl="0">
+            <a:lvl7pPr marL="2743200" lvl="6" indent="0" rtl="0">
               <a:spcBef>
                 <a:spcPts val="0"/>
               </a:spcBef>
@@ -3978,7 +4297,7 @@
               <a:buNone/>
               <a:defRPr/>
             </a:lvl7pPr>
-            <a:lvl8pPr indent="0" lvl="7" marL="3200400" rtl="0">
+            <a:lvl8pPr marL="3200400" lvl="7" indent="0" rtl="0">
               <a:spcBef>
                 <a:spcPts val="0"/>
               </a:spcBef>
@@ -3986,7 +4305,7 @@
               <a:buNone/>
               <a:defRPr/>
             </a:lvl8pPr>
-            <a:lvl9pPr indent="0" lvl="8" marL="3657600" rtl="0">
+            <a:lvl9pPr marL="3657600" lvl="8" indent="0" rtl="0">
               <a:spcBef>
                 <a:spcPts val="0"/>
               </a:spcBef>
@@ -3995,15 +4314,19 @@
               <a:defRPr/>
             </a:lvl9pPr>
           </a:lstStyle>
-          <a:p/>
+          <a:p>
+            <a:endParaRPr/>
+          </a:p>
         </p:txBody>
       </p:sp>
       <p:sp>
         <p:nvSpPr>
           <p:cNvPr id="45" name="Shape 45"/>
-          <p:cNvSpPr txBox="1"/>
+          <p:cNvSpPr txBox="1">
+            <a:spLocks noGrp="1"/>
+          </p:cNvSpPr>
           <p:nvPr>
-            <p:ph idx="4" type="body"/>
+            <p:ph type="body" idx="4"/>
           </p:nvPr>
         </p:nvSpPr>
         <p:spPr>
@@ -4020,7 +4343,7 @@
           </a:ln>
         </p:spPr>
         <p:txBody>
-          <a:bodyPr anchorCtr="0" anchor="t" bIns="91425" lIns="91425" rIns="91425" tIns="91425"/>
+          <a:bodyPr lIns="91425" tIns="91425" rIns="91425" bIns="91425" anchor="t" anchorCtr="0"/>
           <a:lstStyle>
             <a:lvl1pPr lvl="0" rtl="0">
               <a:spcBef>
@@ -4077,15 +4400,19 @@
               <a:defRPr/>
             </a:lvl9pPr>
           </a:lstStyle>
-          <a:p/>
+          <a:p>
+            <a:endParaRPr/>
+          </a:p>
         </p:txBody>
       </p:sp>
       <p:sp>
         <p:nvSpPr>
           <p:cNvPr id="46" name="Shape 46"/>
-          <p:cNvSpPr txBox="1"/>
+          <p:cNvSpPr txBox="1">
+            <a:spLocks noGrp="1"/>
+          </p:cNvSpPr>
           <p:nvPr>
-            <p:ph idx="10" type="dt"/>
+            <p:ph type="dt" idx="10"/>
           </p:nvPr>
         </p:nvSpPr>
         <p:spPr>
@@ -4102,72 +4429,76 @@
           </a:ln>
         </p:spPr>
         <p:txBody>
-          <a:bodyPr anchorCtr="0" anchor="ctr" bIns="91425" lIns="91425" rIns="91425" tIns="91425"/>
+          <a:bodyPr lIns="91425" tIns="91425" rIns="91425" bIns="91425" anchor="ctr" anchorCtr="0"/>
           <a:lstStyle>
-            <a:lvl1pPr indent="0" lvl="0" marL="0" marR="0" rtl="0" algn="l">
+            <a:lvl1pPr marL="0" marR="0" lvl="0" indent="0" algn="l" rtl="0">
               <a:spcBef>
                 <a:spcPts val="0"/>
               </a:spcBef>
               <a:defRPr/>
             </a:lvl1pPr>
-            <a:lvl2pPr indent="0" lvl="1" marL="457200" marR="0" rtl="0" algn="l">
+            <a:lvl2pPr marL="457200" marR="0" lvl="1" indent="0" algn="l" rtl="0">
               <a:spcBef>
                 <a:spcPts val="0"/>
               </a:spcBef>
               <a:defRPr/>
             </a:lvl2pPr>
-            <a:lvl3pPr indent="0" lvl="2" marL="914400" marR="0" rtl="0" algn="l">
+            <a:lvl3pPr marL="914400" marR="0" lvl="2" indent="0" algn="l" rtl="0">
               <a:spcBef>
                 <a:spcPts val="0"/>
               </a:spcBef>
               <a:defRPr/>
             </a:lvl3pPr>
-            <a:lvl4pPr indent="0" lvl="3" marL="1371600" marR="0" rtl="0" algn="l">
+            <a:lvl4pPr marL="1371600" marR="0" lvl="3" indent="0" algn="l" rtl="0">
               <a:spcBef>
                 <a:spcPts val="0"/>
               </a:spcBef>
               <a:defRPr/>
             </a:lvl4pPr>
-            <a:lvl5pPr indent="0" lvl="4" marL="1828800" marR="0" rtl="0" algn="l">
+            <a:lvl5pPr marL="1828800" marR="0" lvl="4" indent="0" algn="l" rtl="0">
               <a:spcBef>
                 <a:spcPts val="0"/>
               </a:spcBef>
               <a:defRPr/>
             </a:lvl5pPr>
-            <a:lvl6pPr indent="0" lvl="5" marL="2286000" marR="0" rtl="0" algn="l">
+            <a:lvl6pPr marL="2286000" marR="0" lvl="5" indent="0" algn="l" rtl="0">
               <a:spcBef>
                 <a:spcPts val="0"/>
               </a:spcBef>
               <a:defRPr/>
             </a:lvl6pPr>
-            <a:lvl7pPr indent="0" lvl="6" marL="2743200" marR="0" rtl="0" algn="l">
+            <a:lvl7pPr marL="2743200" marR="0" lvl="6" indent="0" algn="l" rtl="0">
               <a:spcBef>
                 <a:spcPts val="0"/>
               </a:spcBef>
               <a:defRPr/>
             </a:lvl7pPr>
-            <a:lvl8pPr indent="0" lvl="7" marL="3200400" marR="0" rtl="0" algn="l">
+            <a:lvl8pPr marL="3200400" marR="0" lvl="7" indent="0" algn="l" rtl="0">
               <a:spcBef>
                 <a:spcPts val="0"/>
               </a:spcBef>
               <a:defRPr/>
             </a:lvl8pPr>
-            <a:lvl9pPr indent="0" lvl="8" marL="3657600" marR="0" rtl="0" algn="l">
+            <a:lvl9pPr marL="3657600" marR="0" lvl="8" indent="0" algn="l" rtl="0">
               <a:spcBef>
                 <a:spcPts val="0"/>
               </a:spcBef>
               <a:defRPr/>
             </a:lvl9pPr>
           </a:lstStyle>
-          <a:p/>
+          <a:p>
+            <a:endParaRPr/>
+          </a:p>
         </p:txBody>
       </p:sp>
       <p:sp>
         <p:nvSpPr>
           <p:cNvPr id="47" name="Shape 47"/>
-          <p:cNvSpPr txBox="1"/>
+          <p:cNvSpPr txBox="1">
+            <a:spLocks noGrp="1"/>
+          </p:cNvSpPr>
           <p:nvPr>
-            <p:ph idx="11" type="ftr"/>
+            <p:ph type="ftr" idx="11"/>
           </p:nvPr>
         </p:nvSpPr>
         <p:spPr>
@@ -4184,72 +4515,76 @@
           </a:ln>
         </p:spPr>
         <p:txBody>
-          <a:bodyPr anchorCtr="0" anchor="ctr" bIns="91425" lIns="91425" rIns="91425" tIns="91425"/>
+          <a:bodyPr lIns="91425" tIns="91425" rIns="91425" bIns="91425" anchor="ctr" anchorCtr="0"/>
           <a:lstStyle>
-            <a:lvl1pPr indent="0" lvl="0" marL="0" marR="0" rtl="0" algn="ctr">
+            <a:lvl1pPr marL="0" marR="0" lvl="0" indent="0" algn="ctr" rtl="0">
               <a:spcBef>
                 <a:spcPts val="0"/>
               </a:spcBef>
               <a:defRPr/>
             </a:lvl1pPr>
-            <a:lvl2pPr indent="0" lvl="1" marL="457200" marR="0" rtl="0" algn="l">
+            <a:lvl2pPr marL="457200" marR="0" lvl="1" indent="0" algn="l" rtl="0">
               <a:spcBef>
                 <a:spcPts val="0"/>
               </a:spcBef>
               <a:defRPr/>
             </a:lvl2pPr>
-            <a:lvl3pPr indent="0" lvl="2" marL="914400" marR="0" rtl="0" algn="l">
+            <a:lvl3pPr marL="914400" marR="0" lvl="2" indent="0" algn="l" rtl="0">
               <a:spcBef>
                 <a:spcPts val="0"/>
               </a:spcBef>
               <a:defRPr/>
             </a:lvl3pPr>
-            <a:lvl4pPr indent="0" lvl="3" marL="1371600" marR="0" rtl="0" algn="l">
+            <a:lvl4pPr marL="1371600" marR="0" lvl="3" indent="0" algn="l" rtl="0">
               <a:spcBef>
                 <a:spcPts val="0"/>
               </a:spcBef>
               <a:defRPr/>
             </a:lvl4pPr>
-            <a:lvl5pPr indent="0" lvl="4" marL="1828800" marR="0" rtl="0" algn="l">
+            <a:lvl5pPr marL="1828800" marR="0" lvl="4" indent="0" algn="l" rtl="0">
               <a:spcBef>
                 <a:spcPts val="0"/>
               </a:spcBef>
               <a:defRPr/>
             </a:lvl5pPr>
-            <a:lvl6pPr indent="0" lvl="5" marL="2286000" marR="0" rtl="0" algn="l">
+            <a:lvl6pPr marL="2286000" marR="0" lvl="5" indent="0" algn="l" rtl="0">
               <a:spcBef>
                 <a:spcPts val="0"/>
               </a:spcBef>
               <a:defRPr/>
             </a:lvl6pPr>
-            <a:lvl7pPr indent="0" lvl="6" marL="2743200" marR="0" rtl="0" algn="l">
+            <a:lvl7pPr marL="2743200" marR="0" lvl="6" indent="0" algn="l" rtl="0">
               <a:spcBef>
                 <a:spcPts val="0"/>
               </a:spcBef>
               <a:defRPr/>
             </a:lvl7pPr>
-            <a:lvl8pPr indent="0" lvl="7" marL="3200400" marR="0" rtl="0" algn="l">
+            <a:lvl8pPr marL="3200400" marR="0" lvl="7" indent="0" algn="l" rtl="0">
               <a:spcBef>
                 <a:spcPts val="0"/>
               </a:spcBef>
               <a:defRPr/>
             </a:lvl8pPr>
-            <a:lvl9pPr indent="0" lvl="8" marL="3657600" marR="0" rtl="0" algn="l">
+            <a:lvl9pPr marL="3657600" marR="0" lvl="8" indent="0" algn="l" rtl="0">
               <a:spcBef>
                 <a:spcPts val="0"/>
               </a:spcBef>
               <a:defRPr/>
             </a:lvl9pPr>
           </a:lstStyle>
-          <a:p/>
+          <a:p>
+            <a:endParaRPr/>
+          </a:p>
         </p:txBody>
       </p:sp>
       <p:sp>
         <p:nvSpPr>
           <p:cNvPr id="48" name="Shape 48"/>
-          <p:cNvSpPr txBox="1"/>
+          <p:cNvSpPr txBox="1">
+            <a:spLocks noGrp="1"/>
+          </p:cNvSpPr>
           <p:nvPr>
-            <p:ph idx="12" type="sldNum"/>
+            <p:ph type="sldNum" idx="12"/>
           </p:nvPr>
         </p:nvSpPr>
         <p:spPr>
@@ -4266,12 +4601,12 @@
           </a:ln>
         </p:spPr>
         <p:txBody>
-          <a:bodyPr anchorCtr="0" anchor="ctr" bIns="45700" lIns="91425" rIns="91425" tIns="45700">
+          <a:bodyPr lIns="91425" tIns="45700" rIns="91425" bIns="45700" anchor="ctr" anchorCtr="0">
             <a:noAutofit/>
           </a:bodyPr>
           <a:lstStyle/>
           <a:p>
-            <a:pPr indent="0" lvl="0" marL="0" marR="0" rtl="0" algn="l">
+            <a:pPr marL="0" marR="0" lvl="0" indent="0" algn="l" rtl="0">
               <a:spcBef>
                 <a:spcPts val="0"/>
               </a:spcBef>
@@ -4279,7 +4614,7 @@
               <a:buNone/>
             </a:pPr>
             <a:fld id="{00000000-1234-1234-1234-123412341234}" type="slidenum">
-              <a:rPr b="1" i="0" lang="es-419" sz="1400" u="none" cap="none" strike="noStrike">
+              <a:rPr lang="es-419" sz="1400" b="1" i="0" u="none" strike="noStrike" cap="none">
                 <a:solidFill>
                   <a:srgbClr val="FFFFFF"/>
                 </a:solidFill>
@@ -4288,8 +4623,17 @@
                 <a:cs typeface="Arial"/>
                 <a:sym typeface="Arial"/>
               </a:rPr>
-              <a:t>‹#›</a:t>
+              <a:t>‹Nº›</a:t>
             </a:fld>
+            <a:endParaRPr lang="es-419" sz="1400" b="1" i="0" u="none" strike="noStrike" cap="none">
+              <a:solidFill>
+                <a:srgbClr val="FFFFFF"/>
+              </a:solidFill>
+              <a:latin typeface="Arial"/>
+              <a:ea typeface="Arial"/>
+              <a:cs typeface="Arial"/>
+              <a:sym typeface="Arial"/>
+            </a:endParaRPr>
           </a:p>
         </p:txBody>
       </p:sp>
@@ -4308,14 +4652,14 @@
             <a:avLst/>
           </a:prstGeom>
           <a:noFill/>
-          <a:ln cap="flat" cmpd="sng" w="19050">
+          <a:ln w="19050" cap="flat" cmpd="sng">
             <a:solidFill>
               <a:schemeClr val="dk2"/>
             </a:solidFill>
             <a:prstDash val="solid"/>
             <a:round/>
-            <a:headEnd len="med" w="med" type="none"/>
-            <a:tailEnd len="med" w="med" type="none"/>
+            <a:headEnd type="none" w="med" len="med"/>
+            <a:tailEnd type="none" w="med" len="med"/>
           </a:ln>
         </p:spPr>
       </p:cxnSp>
@@ -4328,11 +4672,11 @@
 </file>
 
 <file path=ppt/slideLayouts/slideLayout6.xml><?xml version="1.0" encoding="utf-8"?>
-<p:sldLayout xmlns:a="http://schemas.openxmlformats.org/drawingml/2006/main" xmlns:r="http://schemas.openxmlformats.org/officeDocument/2006/relationships" xmlns:mc="http://schemas.openxmlformats.org/markup-compatibility/2006" xmlns:mv="urn:schemas-microsoft-com:mac:vml" xmlns:p="http://schemas.openxmlformats.org/presentationml/2006/main" xmlns:c="http://schemas.openxmlformats.org/drawingml/2006/chart" xmlns:dgm="http://schemas.openxmlformats.org/drawingml/2006/diagram" xmlns:o="urn:schemas-microsoft-com:office:office" xmlns:v="urn:schemas-microsoft-com:vml" xmlns:pvml="urn:schemas-microsoft-com:office:powerpoint" xmlns:com="http://schemas.openxmlformats.org/drawingml/2006/compatibility" xmlns:p14="http://schemas.microsoft.com/office/powerpoint/2010/main" type="titleOnly">
+<p:sldLayout xmlns:a="http://schemas.openxmlformats.org/drawingml/2006/main" xmlns:r="http://schemas.openxmlformats.org/officeDocument/2006/relationships" xmlns:p="http://schemas.openxmlformats.org/presentationml/2006/main" type="titleOnly">
   <p:cSld name="Sólo el título">
     <p:spTree>
       <p:nvGrpSpPr>
-        <p:cNvPr id="50" name="Shape 50"/>
+        <p:cNvPr id="1" name="Shape 50"/>
         <p:cNvGrpSpPr/>
         <p:nvPr/>
       </p:nvGrpSpPr>
@@ -4347,7 +4691,9 @@
       <p:sp>
         <p:nvSpPr>
           <p:cNvPr id="51" name="Shape 51"/>
-          <p:cNvSpPr txBox="1"/>
+          <p:cNvSpPr txBox="1">
+            <a:spLocks noGrp="1"/>
+          </p:cNvSpPr>
           <p:nvPr>
             <p:ph type="title"/>
           </p:nvPr>
@@ -4366,9 +4712,9 @@
           </a:ln>
         </p:spPr>
         <p:txBody>
-          <a:bodyPr anchorCtr="0" anchor="ctr" bIns="91425" lIns="91425" rIns="91425" tIns="91425"/>
+          <a:bodyPr lIns="91425" tIns="91425" rIns="91425" bIns="91425" anchor="ctr" anchorCtr="0"/>
           <a:lstStyle>
-            <a:lvl1pPr lvl="0" rtl="0" algn="l">
+            <a:lvl1pPr lvl="0" algn="l" rtl="0">
               <a:spcBef>
                 <a:spcPts val="0"/>
               </a:spcBef>
@@ -4428,15 +4774,19 @@
               <a:defRPr/>
             </a:lvl9pPr>
           </a:lstStyle>
-          <a:p/>
+          <a:p>
+            <a:endParaRPr/>
+          </a:p>
         </p:txBody>
       </p:sp>
       <p:sp>
         <p:nvSpPr>
           <p:cNvPr id="52" name="Shape 52"/>
-          <p:cNvSpPr txBox="1"/>
+          <p:cNvSpPr txBox="1">
+            <a:spLocks noGrp="1"/>
+          </p:cNvSpPr>
           <p:nvPr>
-            <p:ph idx="10" type="dt"/>
+            <p:ph type="dt" idx="10"/>
           </p:nvPr>
         </p:nvSpPr>
         <p:spPr>
@@ -4453,72 +4803,76 @@
           </a:ln>
         </p:spPr>
         <p:txBody>
-          <a:bodyPr anchorCtr="0" anchor="ctr" bIns="91425" lIns="91425" rIns="91425" tIns="91425"/>
+          <a:bodyPr lIns="91425" tIns="91425" rIns="91425" bIns="91425" anchor="ctr" anchorCtr="0"/>
           <a:lstStyle>
-            <a:lvl1pPr indent="0" lvl="0" marL="0" marR="0" rtl="0" algn="l">
+            <a:lvl1pPr marL="0" marR="0" lvl="0" indent="0" algn="l" rtl="0">
               <a:spcBef>
                 <a:spcPts val="0"/>
               </a:spcBef>
               <a:defRPr/>
             </a:lvl1pPr>
-            <a:lvl2pPr indent="0" lvl="1" marL="457200" marR="0" rtl="0" algn="l">
+            <a:lvl2pPr marL="457200" marR="0" lvl="1" indent="0" algn="l" rtl="0">
               <a:spcBef>
                 <a:spcPts val="0"/>
               </a:spcBef>
               <a:defRPr/>
             </a:lvl2pPr>
-            <a:lvl3pPr indent="0" lvl="2" marL="914400" marR="0" rtl="0" algn="l">
+            <a:lvl3pPr marL="914400" marR="0" lvl="2" indent="0" algn="l" rtl="0">
               <a:spcBef>
                 <a:spcPts val="0"/>
               </a:spcBef>
               <a:defRPr/>
             </a:lvl3pPr>
-            <a:lvl4pPr indent="0" lvl="3" marL="1371600" marR="0" rtl="0" algn="l">
+            <a:lvl4pPr marL="1371600" marR="0" lvl="3" indent="0" algn="l" rtl="0">
               <a:spcBef>
                 <a:spcPts val="0"/>
               </a:spcBef>
               <a:defRPr/>
             </a:lvl4pPr>
-            <a:lvl5pPr indent="0" lvl="4" marL="1828800" marR="0" rtl="0" algn="l">
+            <a:lvl5pPr marL="1828800" marR="0" lvl="4" indent="0" algn="l" rtl="0">
               <a:spcBef>
                 <a:spcPts val="0"/>
               </a:spcBef>
               <a:defRPr/>
             </a:lvl5pPr>
-            <a:lvl6pPr indent="0" lvl="5" marL="2286000" marR="0" rtl="0" algn="l">
+            <a:lvl6pPr marL="2286000" marR="0" lvl="5" indent="0" algn="l" rtl="0">
               <a:spcBef>
                 <a:spcPts val="0"/>
               </a:spcBef>
               <a:defRPr/>
             </a:lvl6pPr>
-            <a:lvl7pPr indent="0" lvl="6" marL="2743200" marR="0" rtl="0" algn="l">
+            <a:lvl7pPr marL="2743200" marR="0" lvl="6" indent="0" algn="l" rtl="0">
               <a:spcBef>
                 <a:spcPts val="0"/>
               </a:spcBef>
               <a:defRPr/>
             </a:lvl7pPr>
-            <a:lvl8pPr indent="0" lvl="7" marL="3200400" marR="0" rtl="0" algn="l">
+            <a:lvl8pPr marL="3200400" marR="0" lvl="7" indent="0" algn="l" rtl="0">
               <a:spcBef>
                 <a:spcPts val="0"/>
               </a:spcBef>
               <a:defRPr/>
             </a:lvl8pPr>
-            <a:lvl9pPr indent="0" lvl="8" marL="3657600" marR="0" rtl="0" algn="l">
+            <a:lvl9pPr marL="3657600" marR="0" lvl="8" indent="0" algn="l" rtl="0">
               <a:spcBef>
                 <a:spcPts val="0"/>
               </a:spcBef>
               <a:defRPr/>
             </a:lvl9pPr>
           </a:lstStyle>
-          <a:p/>
+          <a:p>
+            <a:endParaRPr/>
+          </a:p>
         </p:txBody>
       </p:sp>
       <p:sp>
         <p:nvSpPr>
           <p:cNvPr id="53" name="Shape 53"/>
-          <p:cNvSpPr txBox="1"/>
+          <p:cNvSpPr txBox="1">
+            <a:spLocks noGrp="1"/>
+          </p:cNvSpPr>
           <p:nvPr>
-            <p:ph idx="11" type="ftr"/>
+            <p:ph type="ftr" idx="11"/>
           </p:nvPr>
         </p:nvSpPr>
         <p:spPr>
@@ -4535,72 +4889,76 @@
           </a:ln>
         </p:spPr>
         <p:txBody>
-          <a:bodyPr anchorCtr="0" anchor="ctr" bIns="91425" lIns="91425" rIns="91425" tIns="91425"/>
+          <a:bodyPr lIns="91425" tIns="91425" rIns="91425" bIns="91425" anchor="ctr" anchorCtr="0"/>
           <a:lstStyle>
-            <a:lvl1pPr indent="0" lvl="0" marL="0" marR="0" rtl="0" algn="ctr">
+            <a:lvl1pPr marL="0" marR="0" lvl="0" indent="0" algn="ctr" rtl="0">
               <a:spcBef>
                 <a:spcPts val="0"/>
               </a:spcBef>
               <a:defRPr/>
             </a:lvl1pPr>
-            <a:lvl2pPr indent="0" lvl="1" marL="457200" marR="0" rtl="0" algn="l">
+            <a:lvl2pPr marL="457200" marR="0" lvl="1" indent="0" algn="l" rtl="0">
               <a:spcBef>
                 <a:spcPts val="0"/>
               </a:spcBef>
               <a:defRPr/>
             </a:lvl2pPr>
-            <a:lvl3pPr indent="0" lvl="2" marL="914400" marR="0" rtl="0" algn="l">
+            <a:lvl3pPr marL="914400" marR="0" lvl="2" indent="0" algn="l" rtl="0">
               <a:spcBef>
                 <a:spcPts val="0"/>
               </a:spcBef>
               <a:defRPr/>
             </a:lvl3pPr>
-            <a:lvl4pPr indent="0" lvl="3" marL="1371600" marR="0" rtl="0" algn="l">
+            <a:lvl4pPr marL="1371600" marR="0" lvl="3" indent="0" algn="l" rtl="0">
               <a:spcBef>
                 <a:spcPts val="0"/>
               </a:spcBef>
               <a:defRPr/>
             </a:lvl4pPr>
-            <a:lvl5pPr indent="0" lvl="4" marL="1828800" marR="0" rtl="0" algn="l">
+            <a:lvl5pPr marL="1828800" marR="0" lvl="4" indent="0" algn="l" rtl="0">
               <a:spcBef>
                 <a:spcPts val="0"/>
               </a:spcBef>
               <a:defRPr/>
             </a:lvl5pPr>
-            <a:lvl6pPr indent="0" lvl="5" marL="2286000" marR="0" rtl="0" algn="l">
+            <a:lvl6pPr marL="2286000" marR="0" lvl="5" indent="0" algn="l" rtl="0">
               <a:spcBef>
                 <a:spcPts val="0"/>
               </a:spcBef>
               <a:defRPr/>
             </a:lvl6pPr>
-            <a:lvl7pPr indent="0" lvl="6" marL="2743200" marR="0" rtl="0" algn="l">
+            <a:lvl7pPr marL="2743200" marR="0" lvl="6" indent="0" algn="l" rtl="0">
               <a:spcBef>
                 <a:spcPts val="0"/>
               </a:spcBef>
               <a:defRPr/>
             </a:lvl7pPr>
-            <a:lvl8pPr indent="0" lvl="7" marL="3200400" marR="0" rtl="0" algn="l">
+            <a:lvl8pPr marL="3200400" marR="0" lvl="7" indent="0" algn="l" rtl="0">
               <a:spcBef>
                 <a:spcPts val="0"/>
               </a:spcBef>
               <a:defRPr/>
             </a:lvl8pPr>
-            <a:lvl9pPr indent="0" lvl="8" marL="3657600" marR="0" rtl="0" algn="l">
+            <a:lvl9pPr marL="3657600" marR="0" lvl="8" indent="0" algn="l" rtl="0">
               <a:spcBef>
                 <a:spcPts val="0"/>
               </a:spcBef>
               <a:defRPr/>
             </a:lvl9pPr>
           </a:lstStyle>
-          <a:p/>
+          <a:p>
+            <a:endParaRPr/>
+          </a:p>
         </p:txBody>
       </p:sp>
       <p:sp>
         <p:nvSpPr>
           <p:cNvPr id="54" name="Shape 54"/>
-          <p:cNvSpPr txBox="1"/>
+          <p:cNvSpPr txBox="1">
+            <a:spLocks noGrp="1"/>
+          </p:cNvSpPr>
           <p:nvPr>
-            <p:ph idx="12" type="sldNum"/>
+            <p:ph type="sldNum" idx="12"/>
           </p:nvPr>
         </p:nvSpPr>
         <p:spPr>
@@ -4617,12 +4975,12 @@
           </a:ln>
         </p:spPr>
         <p:txBody>
-          <a:bodyPr anchorCtr="0" anchor="ctr" bIns="45700" lIns="91425" rIns="91425" tIns="45700">
+          <a:bodyPr lIns="91425" tIns="45700" rIns="91425" bIns="45700" anchor="ctr" anchorCtr="0">
             <a:noAutofit/>
           </a:bodyPr>
           <a:lstStyle/>
           <a:p>
-            <a:pPr indent="0" lvl="0" marL="0" marR="0" rtl="0" algn="l">
+            <a:pPr marL="0" marR="0" lvl="0" indent="0" algn="l" rtl="0">
               <a:spcBef>
                 <a:spcPts val="0"/>
               </a:spcBef>
@@ -4630,7 +4988,7 @@
               <a:buNone/>
             </a:pPr>
             <a:fld id="{00000000-1234-1234-1234-123412341234}" type="slidenum">
-              <a:rPr b="1" i="0" lang="es-419" sz="1400" u="none" cap="none" strike="noStrike">
+              <a:rPr lang="es-419" sz="1400" b="1" i="0" u="none" strike="noStrike" cap="none">
                 <a:solidFill>
                   <a:srgbClr val="FFFFFF"/>
                 </a:solidFill>
@@ -4639,8 +4997,17 @@
                 <a:cs typeface="Arial"/>
                 <a:sym typeface="Arial"/>
               </a:rPr>
-              <a:t>‹#›</a:t>
+              <a:t>‹Nº›</a:t>
             </a:fld>
+            <a:endParaRPr lang="es-419" sz="1400" b="1" i="0" u="none" strike="noStrike" cap="none">
+              <a:solidFill>
+                <a:srgbClr val="FFFFFF"/>
+              </a:solidFill>
+              <a:latin typeface="Arial"/>
+              <a:ea typeface="Arial"/>
+              <a:cs typeface="Arial"/>
+              <a:sym typeface="Arial"/>
+            </a:endParaRPr>
           </a:p>
         </p:txBody>
       </p:sp>
@@ -4653,11 +5020,11 @@
 </file>
 
 <file path=ppt/slideLayouts/slideLayout7.xml><?xml version="1.0" encoding="utf-8"?>
-<p:sldLayout xmlns:a="http://schemas.openxmlformats.org/drawingml/2006/main" xmlns:r="http://schemas.openxmlformats.org/officeDocument/2006/relationships" xmlns:mc="http://schemas.openxmlformats.org/markup-compatibility/2006" xmlns:mv="urn:schemas-microsoft-com:mac:vml" xmlns:p="http://schemas.openxmlformats.org/presentationml/2006/main" xmlns:c="http://schemas.openxmlformats.org/drawingml/2006/chart" xmlns:dgm="http://schemas.openxmlformats.org/drawingml/2006/diagram" xmlns:o="urn:schemas-microsoft-com:office:office" xmlns:v="urn:schemas-microsoft-com:vml" xmlns:pvml="urn:schemas-microsoft-com:office:powerpoint" xmlns:com="http://schemas.openxmlformats.org/drawingml/2006/compatibility" xmlns:p14="http://schemas.microsoft.com/office/powerpoint/2010/main" type="blank">
+<p:sldLayout xmlns:a="http://schemas.openxmlformats.org/drawingml/2006/main" xmlns:r="http://schemas.openxmlformats.org/officeDocument/2006/relationships" xmlns:p="http://schemas.openxmlformats.org/presentationml/2006/main" type="blank">
   <p:cSld name="En blanco">
     <p:spTree>
       <p:nvGrpSpPr>
-        <p:cNvPr id="55" name="Shape 55"/>
+        <p:cNvPr id="1" name="Shape 55"/>
         <p:cNvGrpSpPr/>
         <p:nvPr/>
       </p:nvGrpSpPr>
@@ -4672,9 +5039,11 @@
       <p:sp>
         <p:nvSpPr>
           <p:cNvPr id="56" name="Shape 56"/>
-          <p:cNvSpPr txBox="1"/>
+          <p:cNvSpPr txBox="1">
+            <a:spLocks noGrp="1"/>
+          </p:cNvSpPr>
           <p:nvPr>
-            <p:ph idx="10" type="dt"/>
+            <p:ph type="dt" idx="10"/>
           </p:nvPr>
         </p:nvSpPr>
         <p:spPr>
@@ -4691,72 +5060,76 @@
           </a:ln>
         </p:spPr>
         <p:txBody>
-          <a:bodyPr anchorCtr="0" anchor="ctr" bIns="91425" lIns="91425" rIns="91425" tIns="91425"/>
+          <a:bodyPr lIns="91425" tIns="91425" rIns="91425" bIns="91425" anchor="ctr" anchorCtr="0"/>
           <a:lstStyle>
-            <a:lvl1pPr indent="0" lvl="0" marL="0" marR="0" rtl="0" algn="l">
+            <a:lvl1pPr marL="0" marR="0" lvl="0" indent="0" algn="l" rtl="0">
               <a:spcBef>
                 <a:spcPts val="0"/>
               </a:spcBef>
               <a:defRPr/>
             </a:lvl1pPr>
-            <a:lvl2pPr indent="0" lvl="1" marL="457200" marR="0" rtl="0" algn="l">
+            <a:lvl2pPr marL="457200" marR="0" lvl="1" indent="0" algn="l" rtl="0">
               <a:spcBef>
                 <a:spcPts val="0"/>
               </a:spcBef>
               <a:defRPr/>
             </a:lvl2pPr>
-            <a:lvl3pPr indent="0" lvl="2" marL="914400" marR="0" rtl="0" algn="l">
+            <a:lvl3pPr marL="914400" marR="0" lvl="2" indent="0" algn="l" rtl="0">
               <a:spcBef>
                 <a:spcPts val="0"/>
               </a:spcBef>
               <a:defRPr/>
             </a:lvl3pPr>
-            <a:lvl4pPr indent="0" lvl="3" marL="1371600" marR="0" rtl="0" algn="l">
+            <a:lvl4pPr marL="1371600" marR="0" lvl="3" indent="0" algn="l" rtl="0">
               <a:spcBef>
                 <a:spcPts val="0"/>
               </a:spcBef>
               <a:defRPr/>
             </a:lvl4pPr>
-            <a:lvl5pPr indent="0" lvl="4" marL="1828800" marR="0" rtl="0" algn="l">
+            <a:lvl5pPr marL="1828800" marR="0" lvl="4" indent="0" algn="l" rtl="0">
               <a:spcBef>
                 <a:spcPts val="0"/>
               </a:spcBef>
               <a:defRPr/>
             </a:lvl5pPr>
-            <a:lvl6pPr indent="0" lvl="5" marL="2286000" marR="0" rtl="0" algn="l">
+            <a:lvl6pPr marL="2286000" marR="0" lvl="5" indent="0" algn="l" rtl="0">
               <a:spcBef>
                 <a:spcPts val="0"/>
               </a:spcBef>
               <a:defRPr/>
             </a:lvl6pPr>
-            <a:lvl7pPr indent="0" lvl="6" marL="2743200" marR="0" rtl="0" algn="l">
+            <a:lvl7pPr marL="2743200" marR="0" lvl="6" indent="0" algn="l" rtl="0">
               <a:spcBef>
                 <a:spcPts val="0"/>
               </a:spcBef>
               <a:defRPr/>
             </a:lvl7pPr>
-            <a:lvl8pPr indent="0" lvl="7" marL="3200400" marR="0" rtl="0" algn="l">
+            <a:lvl8pPr marL="3200400" marR="0" lvl="7" indent="0" algn="l" rtl="0">
               <a:spcBef>
                 <a:spcPts val="0"/>
               </a:spcBef>
               <a:defRPr/>
             </a:lvl8pPr>
-            <a:lvl9pPr indent="0" lvl="8" marL="3657600" marR="0" rtl="0" algn="l">
+            <a:lvl9pPr marL="3657600" marR="0" lvl="8" indent="0" algn="l" rtl="0">
               <a:spcBef>
                 <a:spcPts val="0"/>
               </a:spcBef>
               <a:defRPr/>
             </a:lvl9pPr>
           </a:lstStyle>
-          <a:p/>
+          <a:p>
+            <a:endParaRPr/>
+          </a:p>
         </p:txBody>
       </p:sp>
       <p:sp>
         <p:nvSpPr>
           <p:cNvPr id="57" name="Shape 57"/>
-          <p:cNvSpPr txBox="1"/>
+          <p:cNvSpPr txBox="1">
+            <a:spLocks noGrp="1"/>
+          </p:cNvSpPr>
           <p:nvPr>
-            <p:ph idx="11" type="ftr"/>
+            <p:ph type="ftr" idx="11"/>
           </p:nvPr>
         </p:nvSpPr>
         <p:spPr>
@@ -4773,72 +5146,76 @@
           </a:ln>
         </p:spPr>
         <p:txBody>
-          <a:bodyPr anchorCtr="0" anchor="ctr" bIns="91425" lIns="91425" rIns="91425" tIns="91425"/>
+          <a:bodyPr lIns="91425" tIns="91425" rIns="91425" bIns="91425" anchor="ctr" anchorCtr="0"/>
           <a:lstStyle>
-            <a:lvl1pPr indent="0" lvl="0" marL="0" marR="0" rtl="0" algn="ctr">
+            <a:lvl1pPr marL="0" marR="0" lvl="0" indent="0" algn="ctr" rtl="0">
               <a:spcBef>
                 <a:spcPts val="0"/>
               </a:spcBef>
               <a:defRPr/>
             </a:lvl1pPr>
-            <a:lvl2pPr indent="0" lvl="1" marL="457200" marR="0" rtl="0" algn="l">
+            <a:lvl2pPr marL="457200" marR="0" lvl="1" indent="0" algn="l" rtl="0">
               <a:spcBef>
                 <a:spcPts val="0"/>
               </a:spcBef>
               <a:defRPr/>
             </a:lvl2pPr>
-            <a:lvl3pPr indent="0" lvl="2" marL="914400" marR="0" rtl="0" algn="l">
+            <a:lvl3pPr marL="914400" marR="0" lvl="2" indent="0" algn="l" rtl="0">
               <a:spcBef>
                 <a:spcPts val="0"/>
               </a:spcBef>
               <a:defRPr/>
             </a:lvl3pPr>
-            <a:lvl4pPr indent="0" lvl="3" marL="1371600" marR="0" rtl="0" algn="l">
+            <a:lvl4pPr marL="1371600" marR="0" lvl="3" indent="0" algn="l" rtl="0">
               <a:spcBef>
                 <a:spcPts val="0"/>
               </a:spcBef>
               <a:defRPr/>
             </a:lvl4pPr>
-            <a:lvl5pPr indent="0" lvl="4" marL="1828800" marR="0" rtl="0" algn="l">
+            <a:lvl5pPr marL="1828800" marR="0" lvl="4" indent="0" algn="l" rtl="0">
               <a:spcBef>
                 <a:spcPts val="0"/>
               </a:spcBef>
               <a:defRPr/>
             </a:lvl5pPr>
-            <a:lvl6pPr indent="0" lvl="5" marL="2286000" marR="0" rtl="0" algn="l">
+            <a:lvl6pPr marL="2286000" marR="0" lvl="5" indent="0" algn="l" rtl="0">
               <a:spcBef>
                 <a:spcPts val="0"/>
               </a:spcBef>
               <a:defRPr/>
             </a:lvl6pPr>
-            <a:lvl7pPr indent="0" lvl="6" marL="2743200" marR="0" rtl="0" algn="l">
+            <a:lvl7pPr marL="2743200" marR="0" lvl="6" indent="0" algn="l" rtl="0">
               <a:spcBef>
                 <a:spcPts val="0"/>
               </a:spcBef>
               <a:defRPr/>
             </a:lvl7pPr>
-            <a:lvl8pPr indent="0" lvl="7" marL="3200400" marR="0" rtl="0" algn="l">
+            <a:lvl8pPr marL="3200400" marR="0" lvl="7" indent="0" algn="l" rtl="0">
               <a:spcBef>
                 <a:spcPts val="0"/>
               </a:spcBef>
               <a:defRPr/>
             </a:lvl8pPr>
-            <a:lvl9pPr indent="0" lvl="8" marL="3657600" marR="0" rtl="0" algn="l">
+            <a:lvl9pPr marL="3657600" marR="0" lvl="8" indent="0" algn="l" rtl="0">
               <a:spcBef>
                 <a:spcPts val="0"/>
               </a:spcBef>
               <a:defRPr/>
             </a:lvl9pPr>
           </a:lstStyle>
-          <a:p/>
+          <a:p>
+            <a:endParaRPr/>
+          </a:p>
         </p:txBody>
       </p:sp>
       <p:sp>
         <p:nvSpPr>
           <p:cNvPr id="58" name="Shape 58"/>
-          <p:cNvSpPr txBox="1"/>
+          <p:cNvSpPr txBox="1">
+            <a:spLocks noGrp="1"/>
+          </p:cNvSpPr>
           <p:nvPr>
-            <p:ph idx="12" type="sldNum"/>
+            <p:ph type="sldNum" idx="12"/>
           </p:nvPr>
         </p:nvSpPr>
         <p:spPr>
@@ -4855,12 +5232,12 @@
           </a:ln>
         </p:spPr>
         <p:txBody>
-          <a:bodyPr anchorCtr="0" anchor="ctr" bIns="45700" lIns="91425" rIns="91425" tIns="45700">
+          <a:bodyPr lIns="91425" tIns="45700" rIns="91425" bIns="45700" anchor="ctr" anchorCtr="0">
             <a:noAutofit/>
           </a:bodyPr>
           <a:lstStyle/>
           <a:p>
-            <a:pPr indent="0" lvl="0" marL="0" marR="0" rtl="0" algn="l">
+            <a:pPr marL="0" marR="0" lvl="0" indent="0" algn="l" rtl="0">
               <a:spcBef>
                 <a:spcPts val="0"/>
               </a:spcBef>
@@ -4868,7 +5245,7 @@
               <a:buNone/>
             </a:pPr>
             <a:fld id="{00000000-1234-1234-1234-123412341234}" type="slidenum">
-              <a:rPr b="1" i="0" lang="es-419" sz="1400" u="none" cap="none" strike="noStrike">
+              <a:rPr lang="es-419" sz="1400" b="1" i="0" u="none" strike="noStrike" cap="none">
                 <a:solidFill>
                   <a:srgbClr val="FFFFFF"/>
                 </a:solidFill>
@@ -4877,8 +5254,17 @@
                 <a:cs typeface="Arial"/>
                 <a:sym typeface="Arial"/>
               </a:rPr>
-              <a:t>‹#›</a:t>
+              <a:t>‹Nº›</a:t>
             </a:fld>
+            <a:endParaRPr lang="es-419" sz="1400" b="1" i="0" u="none" strike="noStrike" cap="none">
+              <a:solidFill>
+                <a:srgbClr val="FFFFFF"/>
+              </a:solidFill>
+              <a:latin typeface="Arial"/>
+              <a:ea typeface="Arial"/>
+              <a:cs typeface="Arial"/>
+              <a:sym typeface="Arial"/>
+            </a:endParaRPr>
           </a:p>
         </p:txBody>
       </p:sp>
@@ -4891,11 +5277,11 @@
 </file>
 
 <file path=ppt/slideLayouts/slideLayout8.xml><?xml version="1.0" encoding="utf-8"?>
-<p:sldLayout xmlns:a="http://schemas.openxmlformats.org/drawingml/2006/main" xmlns:r="http://schemas.openxmlformats.org/officeDocument/2006/relationships" xmlns:mc="http://schemas.openxmlformats.org/markup-compatibility/2006" xmlns:mv="urn:schemas-microsoft-com:mac:vml" xmlns:p="http://schemas.openxmlformats.org/presentationml/2006/main" xmlns:c="http://schemas.openxmlformats.org/drawingml/2006/chart" xmlns:dgm="http://schemas.openxmlformats.org/drawingml/2006/diagram" xmlns:o="urn:schemas-microsoft-com:office:office" xmlns:v="urn:schemas-microsoft-com:vml" xmlns:pvml="urn:schemas-microsoft-com:office:powerpoint" xmlns:com="http://schemas.openxmlformats.org/drawingml/2006/compatibility" xmlns:p14="http://schemas.microsoft.com/office/powerpoint/2010/main" type="objTx">
+<p:sldLayout xmlns:a="http://schemas.openxmlformats.org/drawingml/2006/main" xmlns:r="http://schemas.openxmlformats.org/officeDocument/2006/relationships" xmlns:p="http://schemas.openxmlformats.org/presentationml/2006/main" type="objTx">
   <p:cSld name="Contenido con título">
     <p:spTree>
       <p:nvGrpSpPr>
-        <p:cNvPr id="59" name="Shape 59"/>
+        <p:cNvPr id="1" name="Shape 59"/>
         <p:cNvGrpSpPr/>
         <p:nvPr/>
       </p:nvGrpSpPr>
@@ -4910,7 +5296,9 @@
       <p:sp>
         <p:nvSpPr>
           <p:cNvPr id="60" name="Shape 60"/>
-          <p:cNvSpPr txBox="1"/>
+          <p:cNvSpPr txBox="1">
+            <a:spLocks noGrp="1"/>
+          </p:cNvSpPr>
           <p:nvPr>
             <p:ph type="title"/>
           </p:nvPr>
@@ -4929,9 +5317,9 @@
           </a:ln>
         </p:spPr>
         <p:txBody>
-          <a:bodyPr anchorCtr="0" anchor="b" bIns="91425" lIns="91425" rIns="91425" tIns="91425"/>
+          <a:bodyPr lIns="91425" tIns="91425" rIns="91425" bIns="91425" anchor="b" anchorCtr="0"/>
           <a:lstStyle>
-            <a:lvl1pPr lvl="0" rtl="0" algn="l">
+            <a:lvl1pPr lvl="0" algn="l" rtl="0">
               <a:spcBef>
                 <a:spcPts val="0"/>
               </a:spcBef>
@@ -4986,15 +5374,19 @@
               <a:defRPr/>
             </a:lvl9pPr>
           </a:lstStyle>
-          <a:p/>
+          <a:p>
+            <a:endParaRPr/>
+          </a:p>
         </p:txBody>
       </p:sp>
       <p:sp>
         <p:nvSpPr>
           <p:cNvPr id="61" name="Shape 61"/>
-          <p:cNvSpPr txBox="1"/>
+          <p:cNvSpPr txBox="1">
+            <a:spLocks noGrp="1"/>
+          </p:cNvSpPr>
           <p:nvPr>
-            <p:ph idx="1" type="body"/>
+            <p:ph type="body" idx="1"/>
           </p:nvPr>
         </p:nvSpPr>
         <p:spPr>
@@ -5011,7 +5403,7 @@
           </a:ln>
         </p:spPr>
         <p:txBody>
-          <a:bodyPr anchorCtr="0" anchor="t" bIns="91425" lIns="91425" rIns="91425" tIns="91425"/>
+          <a:bodyPr lIns="91425" tIns="91425" rIns="91425" bIns="91425" anchor="t" anchorCtr="0"/>
           <a:lstStyle>
             <a:lvl1pPr lvl="0" rtl="0">
               <a:spcBef>
@@ -5068,15 +5460,19 @@
               <a:defRPr/>
             </a:lvl9pPr>
           </a:lstStyle>
-          <a:p/>
+          <a:p>
+            <a:endParaRPr/>
+          </a:p>
         </p:txBody>
       </p:sp>
       <p:sp>
         <p:nvSpPr>
           <p:cNvPr id="62" name="Shape 62"/>
-          <p:cNvSpPr txBox="1"/>
+          <p:cNvSpPr txBox="1">
+            <a:spLocks noGrp="1"/>
+          </p:cNvSpPr>
           <p:nvPr>
-            <p:ph idx="2" type="body"/>
+            <p:ph type="body" idx="2"/>
           </p:nvPr>
         </p:nvSpPr>
         <p:spPr>
@@ -5093,9 +5489,9 @@
           </a:ln>
         </p:spPr>
         <p:txBody>
-          <a:bodyPr anchorCtr="0" anchor="t" bIns="91425" lIns="91425" rIns="91425" tIns="91425"/>
+          <a:bodyPr lIns="91425" tIns="91425" rIns="91425" bIns="91425" anchor="t" anchorCtr="0"/>
           <a:lstStyle>
-            <a:lvl1pPr indent="0" lvl="0" marL="0" rtl="0">
+            <a:lvl1pPr marL="0" lvl="0" indent="0" rtl="0">
               <a:spcBef>
                 <a:spcPts val="0"/>
               </a:spcBef>
@@ -5103,7 +5499,7 @@
               <a:buNone/>
               <a:defRPr/>
             </a:lvl1pPr>
-            <a:lvl2pPr indent="0" lvl="1" marL="457200" rtl="0">
+            <a:lvl2pPr marL="457200" lvl="1" indent="0" rtl="0">
               <a:spcBef>
                 <a:spcPts val="0"/>
               </a:spcBef>
@@ -5111,7 +5507,7 @@
               <a:buNone/>
               <a:defRPr/>
             </a:lvl2pPr>
-            <a:lvl3pPr indent="0" lvl="2" marL="914400" rtl="0">
+            <a:lvl3pPr marL="914400" lvl="2" indent="0" rtl="0">
               <a:spcBef>
                 <a:spcPts val="0"/>
               </a:spcBef>
@@ -5119,7 +5515,7 @@
               <a:buNone/>
               <a:defRPr/>
             </a:lvl3pPr>
-            <a:lvl4pPr indent="0" lvl="3" marL="1371600" rtl="0">
+            <a:lvl4pPr marL="1371600" lvl="3" indent="0" rtl="0">
               <a:spcBef>
                 <a:spcPts val="0"/>
               </a:spcBef>
@@ -5127,7 +5523,7 @@
               <a:buNone/>
               <a:defRPr/>
             </a:lvl4pPr>
-            <a:lvl5pPr indent="0" lvl="4" marL="1828800" rtl="0">
+            <a:lvl5pPr marL="1828800" lvl="4" indent="0" rtl="0">
               <a:spcBef>
                 <a:spcPts val="0"/>
               </a:spcBef>
@@ -5135,7 +5531,7 @@
               <a:buNone/>
               <a:defRPr/>
             </a:lvl5pPr>
-            <a:lvl6pPr indent="0" lvl="5" marL="2286000" rtl="0">
+            <a:lvl6pPr marL="2286000" lvl="5" indent="0" rtl="0">
               <a:spcBef>
                 <a:spcPts val="0"/>
               </a:spcBef>
@@ -5143,7 +5539,7 @@
               <a:buNone/>
               <a:defRPr/>
             </a:lvl6pPr>
-            <a:lvl7pPr indent="0" lvl="6" marL="2743200" rtl="0">
+            <a:lvl7pPr marL="2743200" lvl="6" indent="0" rtl="0">
               <a:spcBef>
                 <a:spcPts val="0"/>
               </a:spcBef>
@@ -5151,7 +5547,7 @@
               <a:buNone/>
               <a:defRPr/>
             </a:lvl7pPr>
-            <a:lvl8pPr indent="0" lvl="7" marL="3200400" rtl="0">
+            <a:lvl8pPr marL="3200400" lvl="7" indent="0" rtl="0">
               <a:spcBef>
                 <a:spcPts val="0"/>
               </a:spcBef>
@@ -5159,7 +5555,7 @@
               <a:buNone/>
               <a:defRPr/>
             </a:lvl8pPr>
-            <a:lvl9pPr indent="0" lvl="8" marL="3657600" rtl="0">
+            <a:lvl9pPr marL="3657600" lvl="8" indent="0" rtl="0">
               <a:spcBef>
                 <a:spcPts val="0"/>
               </a:spcBef>
@@ -5168,15 +5564,19 @@
               <a:defRPr/>
             </a:lvl9pPr>
           </a:lstStyle>
-          <a:p/>
+          <a:p>
+            <a:endParaRPr/>
+          </a:p>
         </p:txBody>
       </p:sp>
       <p:sp>
         <p:nvSpPr>
           <p:cNvPr id="63" name="Shape 63"/>
-          <p:cNvSpPr txBox="1"/>
+          <p:cNvSpPr txBox="1">
+            <a:spLocks noGrp="1"/>
+          </p:cNvSpPr>
           <p:nvPr>
-            <p:ph idx="10" type="dt"/>
+            <p:ph type="dt" idx="10"/>
           </p:nvPr>
         </p:nvSpPr>
         <p:spPr>
@@ -5193,72 +5593,76 @@
           </a:ln>
         </p:spPr>
         <p:txBody>
-          <a:bodyPr anchorCtr="0" anchor="ctr" bIns="91425" lIns="91425" rIns="91425" tIns="91425"/>
+          <a:bodyPr lIns="91425" tIns="91425" rIns="91425" bIns="91425" anchor="ctr" anchorCtr="0"/>
           <a:lstStyle>
-            <a:lvl1pPr indent="0" lvl="0" marL="0" marR="0" rtl="0" algn="l">
+            <a:lvl1pPr marL="0" marR="0" lvl="0" indent="0" algn="l" rtl="0">
               <a:spcBef>
                 <a:spcPts val="0"/>
               </a:spcBef>
               <a:defRPr/>
             </a:lvl1pPr>
-            <a:lvl2pPr indent="0" lvl="1" marL="457200" marR="0" rtl="0" algn="l">
+            <a:lvl2pPr marL="457200" marR="0" lvl="1" indent="0" algn="l" rtl="0">
               <a:spcBef>
                 <a:spcPts val="0"/>
               </a:spcBef>
               <a:defRPr/>
             </a:lvl2pPr>
-            <a:lvl3pPr indent="0" lvl="2" marL="914400" marR="0" rtl="0" algn="l">
+            <a:lvl3pPr marL="914400" marR="0" lvl="2" indent="0" algn="l" rtl="0">
               <a:spcBef>
                 <a:spcPts val="0"/>
               </a:spcBef>
               <a:defRPr/>
             </a:lvl3pPr>
-            <a:lvl4pPr indent="0" lvl="3" marL="1371600" marR="0" rtl="0" algn="l">
+            <a:lvl4pPr marL="1371600" marR="0" lvl="3" indent="0" algn="l" rtl="0">
               <a:spcBef>
                 <a:spcPts val="0"/>
               </a:spcBef>
               <a:defRPr/>
             </a:lvl4pPr>
-            <a:lvl5pPr indent="0" lvl="4" marL="1828800" marR="0" rtl="0" algn="l">
+            <a:lvl5pPr marL="1828800" marR="0" lvl="4" indent="0" algn="l" rtl="0">
               <a:spcBef>
                 <a:spcPts val="0"/>
               </a:spcBef>
               <a:defRPr/>
             </a:lvl5pPr>
-            <a:lvl6pPr indent="0" lvl="5" marL="2286000" marR="0" rtl="0" algn="l">
+            <a:lvl6pPr marL="2286000" marR="0" lvl="5" indent="0" algn="l" rtl="0">
               <a:spcBef>
                 <a:spcPts val="0"/>
               </a:spcBef>
               <a:defRPr/>
             </a:lvl6pPr>
-            <a:lvl7pPr indent="0" lvl="6" marL="2743200" marR="0" rtl="0" algn="l">
+            <a:lvl7pPr marL="2743200" marR="0" lvl="6" indent="0" algn="l" rtl="0">
               <a:spcBef>
                 <a:spcPts val="0"/>
               </a:spcBef>
               <a:defRPr/>
             </a:lvl7pPr>
-            <a:lvl8pPr indent="0" lvl="7" marL="3200400" marR="0" rtl="0" algn="l">
+            <a:lvl8pPr marL="3200400" marR="0" lvl="7" indent="0" algn="l" rtl="0">
               <a:spcBef>
                 <a:spcPts val="0"/>
               </a:spcBef>
               <a:defRPr/>
             </a:lvl8pPr>
-            <a:lvl9pPr indent="0" lvl="8" marL="3657600" marR="0" rtl="0" algn="l">
+            <a:lvl9pPr marL="3657600" marR="0" lvl="8" indent="0" algn="l" rtl="0">
               <a:spcBef>
                 <a:spcPts val="0"/>
               </a:spcBef>
               <a:defRPr/>
             </a:lvl9pPr>
           </a:lstStyle>
-          <a:p/>
+          <a:p>
+            <a:endParaRPr/>
+          </a:p>
         </p:txBody>
       </p:sp>
       <p:sp>
         <p:nvSpPr>
           <p:cNvPr id="64" name="Shape 64"/>
-          <p:cNvSpPr txBox="1"/>
+          <p:cNvSpPr txBox="1">
+            <a:spLocks noGrp="1"/>
+          </p:cNvSpPr>
           <p:nvPr>
-            <p:ph idx="11" type="ftr"/>
+            <p:ph type="ftr" idx="11"/>
           </p:nvPr>
         </p:nvSpPr>
         <p:spPr>
@@ -5275,72 +5679,76 @@
           </a:ln>
         </p:spPr>
         <p:txBody>
-          <a:bodyPr anchorCtr="0" anchor="ctr" bIns="91425" lIns="91425" rIns="91425" tIns="91425"/>
+          <a:bodyPr lIns="91425" tIns="91425" rIns="91425" bIns="91425" anchor="ctr" anchorCtr="0"/>
           <a:lstStyle>
-            <a:lvl1pPr indent="0" lvl="0" marL="0" marR="0" rtl="0" algn="ctr">
+            <a:lvl1pPr marL="0" marR="0" lvl="0" indent="0" algn="ctr" rtl="0">
               <a:spcBef>
                 <a:spcPts val="0"/>
               </a:spcBef>
               <a:defRPr/>
             </a:lvl1pPr>
-            <a:lvl2pPr indent="0" lvl="1" marL="457200" marR="0" rtl="0" algn="l">
+            <a:lvl2pPr marL="457200" marR="0" lvl="1" indent="0" algn="l" rtl="0">
               <a:spcBef>
                 <a:spcPts val="0"/>
               </a:spcBef>
               <a:defRPr/>
             </a:lvl2pPr>
-            <a:lvl3pPr indent="0" lvl="2" marL="914400" marR="0" rtl="0" algn="l">
+            <a:lvl3pPr marL="914400" marR="0" lvl="2" indent="0" algn="l" rtl="0">
               <a:spcBef>
                 <a:spcPts val="0"/>
               </a:spcBef>
               <a:defRPr/>
             </a:lvl3pPr>
-            <a:lvl4pPr indent="0" lvl="3" marL="1371600" marR="0" rtl="0" algn="l">
+            <a:lvl4pPr marL="1371600" marR="0" lvl="3" indent="0" algn="l" rtl="0">
               <a:spcBef>
                 <a:spcPts val="0"/>
               </a:spcBef>
               <a:defRPr/>
             </a:lvl4pPr>
-            <a:lvl5pPr indent="0" lvl="4" marL="1828800" marR="0" rtl="0" algn="l">
+            <a:lvl5pPr marL="1828800" marR="0" lvl="4" indent="0" algn="l" rtl="0">
               <a:spcBef>
                 <a:spcPts val="0"/>
               </a:spcBef>
               <a:defRPr/>
             </a:lvl5pPr>
-            <a:lvl6pPr indent="0" lvl="5" marL="2286000" marR="0" rtl="0" algn="l">
+            <a:lvl6pPr marL="2286000" marR="0" lvl="5" indent="0" algn="l" rtl="0">
               <a:spcBef>
                 <a:spcPts val="0"/>
               </a:spcBef>
               <a:defRPr/>
             </a:lvl6pPr>
-            <a:lvl7pPr indent="0" lvl="6" marL="2743200" marR="0" rtl="0" algn="l">
+            <a:lvl7pPr marL="2743200" marR="0" lvl="6" indent="0" algn="l" rtl="0">
               <a:spcBef>
                 <a:spcPts val="0"/>
               </a:spcBef>
               <a:defRPr/>
             </a:lvl7pPr>
-            <a:lvl8pPr indent="0" lvl="7" marL="3200400" marR="0" rtl="0" algn="l">
+            <a:lvl8pPr marL="3200400" marR="0" lvl="7" indent="0" algn="l" rtl="0">
               <a:spcBef>
                 <a:spcPts val="0"/>
               </a:spcBef>
               <a:defRPr/>
             </a:lvl8pPr>
-            <a:lvl9pPr indent="0" lvl="8" marL="3657600" marR="0" rtl="0" algn="l">
+            <a:lvl9pPr marL="3657600" marR="0" lvl="8" indent="0" algn="l" rtl="0">
               <a:spcBef>
                 <a:spcPts val="0"/>
               </a:spcBef>
               <a:defRPr/>
             </a:lvl9pPr>
           </a:lstStyle>
-          <a:p/>
+          <a:p>
+            <a:endParaRPr/>
+          </a:p>
         </p:txBody>
       </p:sp>
       <p:sp>
         <p:nvSpPr>
           <p:cNvPr id="65" name="Shape 65"/>
-          <p:cNvSpPr txBox="1"/>
+          <p:cNvSpPr txBox="1">
+            <a:spLocks noGrp="1"/>
+          </p:cNvSpPr>
           <p:nvPr>
-            <p:ph idx="12" type="sldNum"/>
+            <p:ph type="sldNum" idx="12"/>
           </p:nvPr>
         </p:nvSpPr>
         <p:spPr>
@@ -5357,12 +5765,12 @@
           </a:ln>
         </p:spPr>
         <p:txBody>
-          <a:bodyPr anchorCtr="0" anchor="ctr" bIns="45700" lIns="91425" rIns="91425" tIns="45700">
+          <a:bodyPr lIns="91425" tIns="45700" rIns="91425" bIns="45700" anchor="ctr" anchorCtr="0">
             <a:noAutofit/>
           </a:bodyPr>
           <a:lstStyle/>
           <a:p>
-            <a:pPr indent="0" lvl="0" marL="0" marR="0" rtl="0" algn="l">
+            <a:pPr marL="0" marR="0" lvl="0" indent="0" algn="l" rtl="0">
               <a:spcBef>
                 <a:spcPts val="0"/>
               </a:spcBef>
@@ -5370,7 +5778,7 @@
               <a:buNone/>
             </a:pPr>
             <a:fld id="{00000000-1234-1234-1234-123412341234}" type="slidenum">
-              <a:rPr b="1" i="0" lang="es-419" sz="1400" u="none" cap="none" strike="noStrike">
+              <a:rPr lang="es-419" sz="1400" b="1" i="0" u="none" strike="noStrike" cap="none">
                 <a:solidFill>
                   <a:srgbClr val="FFFFFF"/>
                 </a:solidFill>
@@ -5379,8 +5787,17 @@
                 <a:cs typeface="Arial"/>
                 <a:sym typeface="Arial"/>
               </a:rPr>
-              <a:t>‹#›</a:t>
+              <a:t>‹Nº›</a:t>
             </a:fld>
+            <a:endParaRPr lang="es-419" sz="1400" b="1" i="0" u="none" strike="noStrike" cap="none">
+              <a:solidFill>
+                <a:srgbClr val="FFFFFF"/>
+              </a:solidFill>
+              <a:latin typeface="Arial"/>
+              <a:ea typeface="Arial"/>
+              <a:cs typeface="Arial"/>
+              <a:sym typeface="Arial"/>
+            </a:endParaRPr>
           </a:p>
         </p:txBody>
       </p:sp>
@@ -5399,14 +5816,14 @@
             <a:avLst/>
           </a:prstGeom>
           <a:noFill/>
-          <a:ln cap="flat" cmpd="sng" w="19050">
+          <a:ln w="19050" cap="flat" cmpd="sng">
             <a:solidFill>
               <a:schemeClr val="dk2"/>
             </a:solidFill>
             <a:prstDash val="solid"/>
             <a:round/>
-            <a:headEnd len="med" w="med" type="none"/>
-            <a:tailEnd len="med" w="med" type="none"/>
+            <a:headEnd type="none" w="med" len="med"/>
+            <a:tailEnd type="none" w="med" len="med"/>
           </a:ln>
         </p:spPr>
       </p:cxnSp>
@@ -5419,11 +5836,11 @@
 </file>
 
 <file path=ppt/slideLayouts/slideLayout9.xml><?xml version="1.0" encoding="utf-8"?>
-<p:sldLayout xmlns:a="http://schemas.openxmlformats.org/drawingml/2006/main" xmlns:r="http://schemas.openxmlformats.org/officeDocument/2006/relationships" xmlns:mc="http://schemas.openxmlformats.org/markup-compatibility/2006" xmlns:mv="urn:schemas-microsoft-com:mac:vml" xmlns:p="http://schemas.openxmlformats.org/presentationml/2006/main" xmlns:c="http://schemas.openxmlformats.org/drawingml/2006/chart" xmlns:dgm="http://schemas.openxmlformats.org/drawingml/2006/diagram" xmlns:o="urn:schemas-microsoft-com:office:office" xmlns:v="urn:schemas-microsoft-com:vml" xmlns:pvml="urn:schemas-microsoft-com:office:powerpoint" xmlns:com="http://schemas.openxmlformats.org/drawingml/2006/compatibility" xmlns:p14="http://schemas.microsoft.com/office/powerpoint/2010/main" type="picTx">
+<p:sldLayout xmlns:a="http://schemas.openxmlformats.org/drawingml/2006/main" xmlns:r="http://schemas.openxmlformats.org/officeDocument/2006/relationships" xmlns:p="http://schemas.openxmlformats.org/presentationml/2006/main" type="picTx">
   <p:cSld name="Imagen con título">
     <p:spTree>
       <p:nvGrpSpPr>
-        <p:cNvPr id="67" name="Shape 67"/>
+        <p:cNvPr id="1" name="Shape 67"/>
         <p:cNvGrpSpPr/>
         <p:nvPr/>
       </p:nvGrpSpPr>
@@ -5438,7 +5855,9 @@
       <p:sp>
         <p:nvSpPr>
           <p:cNvPr id="68" name="Shape 68"/>
-          <p:cNvSpPr txBox="1"/>
+          <p:cNvSpPr txBox="1">
+            <a:spLocks noGrp="1"/>
+          </p:cNvSpPr>
           <p:nvPr>
             <p:ph type="title"/>
           </p:nvPr>
@@ -5457,9 +5876,9 @@
           </a:ln>
         </p:spPr>
         <p:txBody>
-          <a:bodyPr anchorCtr="0" anchor="b" bIns="91425" lIns="91425" rIns="91425" tIns="91425"/>
+          <a:bodyPr lIns="91425" tIns="91425" rIns="91425" bIns="91425" anchor="b" anchorCtr="0"/>
           <a:lstStyle>
-            <a:lvl1pPr lvl="0" rtl="0" algn="l">
+            <a:lvl1pPr lvl="0" algn="l" rtl="0">
               <a:spcBef>
                 <a:spcPts val="0"/>
               </a:spcBef>
@@ -5514,15 +5933,19 @@
               <a:defRPr/>
             </a:lvl9pPr>
           </a:lstStyle>
-          <a:p/>
+          <a:p>
+            <a:endParaRPr/>
+          </a:p>
         </p:txBody>
       </p:sp>
       <p:sp>
         <p:nvSpPr>
           <p:cNvPr id="69" name="Shape 69"/>
-          <p:cNvSpPr/>
+          <p:cNvSpPr>
+            <a:spLocks noGrp="1"/>
+          </p:cNvSpPr>
           <p:nvPr>
-            <p:ph idx="2" type="pic"/>
+            <p:ph type="pic" idx="2"/>
           </p:nvPr>
         </p:nvSpPr>
         <p:spPr>
@@ -5536,23 +5959,25 @@
           <a:solidFill>
             <a:schemeClr val="lt2"/>
           </a:solidFill>
-          <a:ln cap="flat" cmpd="sng" w="76200">
+          <a:ln w="76200" cap="flat" cmpd="sng">
             <a:solidFill>
               <a:srgbClr val="FFFFFF"/>
             </a:solidFill>
             <a:prstDash val="solid"/>
             <a:miter/>
-            <a:headEnd len="med" w="med" type="none"/>
-            <a:tailEnd len="med" w="med" type="none"/>
+            <a:headEnd type="none" w="med" len="med"/>
+            <a:tailEnd type="none" w="med" len="med"/>
           </a:ln>
         </p:spPr>
       </p:sp>
       <p:sp>
         <p:nvSpPr>
           <p:cNvPr id="70" name="Shape 70"/>
-          <p:cNvSpPr txBox="1"/>
+          <p:cNvSpPr txBox="1">
+            <a:spLocks noGrp="1"/>
+          </p:cNvSpPr>
           <p:nvPr>
-            <p:ph idx="1" type="body"/>
+            <p:ph type="body" idx="1"/>
           </p:nvPr>
         </p:nvSpPr>
         <p:spPr>
@@ -5569,9 +5994,9 @@
           </a:ln>
         </p:spPr>
         <p:txBody>
-          <a:bodyPr anchorCtr="0" anchor="t" bIns="91425" lIns="91425" rIns="91425" tIns="91425"/>
+          <a:bodyPr lIns="91425" tIns="91425" rIns="91425" bIns="91425" anchor="t" anchorCtr="0"/>
           <a:lstStyle>
-            <a:lvl1pPr indent="0" lvl="0" marL="0" rtl="0">
+            <a:lvl1pPr marL="0" lvl="0" indent="0" rtl="0">
               <a:spcBef>
                 <a:spcPts val="0"/>
               </a:spcBef>
@@ -5579,7 +6004,7 @@
               <a:buNone/>
               <a:defRPr/>
             </a:lvl1pPr>
-            <a:lvl2pPr indent="0" lvl="1" marL="457200" rtl="0">
+            <a:lvl2pPr marL="457200" lvl="1" indent="0" rtl="0">
               <a:spcBef>
                 <a:spcPts val="0"/>
               </a:spcBef>
@@ -5587,7 +6012,7 @@
               <a:buNone/>
               <a:defRPr/>
             </a:lvl2pPr>
-            <a:lvl3pPr indent="0" lvl="2" marL="914400" rtl="0">
+            <a:lvl3pPr marL="914400" lvl="2" indent="0" rtl="0">
               <a:spcBef>
                 <a:spcPts val="0"/>
               </a:spcBef>
@@ -5595,7 +6020,7 @@
               <a:buNone/>
               <a:defRPr/>
             </a:lvl3pPr>
-            <a:lvl4pPr indent="0" lvl="3" marL="1371600" rtl="0">
+            <a:lvl4pPr marL="1371600" lvl="3" indent="0" rtl="0">
               <a:spcBef>
                 <a:spcPts val="0"/>
               </a:spcBef>
@@ -5603,7 +6028,7 @@
               <a:buNone/>
               <a:defRPr/>
             </a:lvl4pPr>
-            <a:lvl5pPr indent="0" lvl="4" marL="1828800" rtl="0">
+            <a:lvl5pPr marL="1828800" lvl="4" indent="0" rtl="0">
               <a:spcBef>
                 <a:spcPts val="0"/>
               </a:spcBef>
@@ -5611,7 +6036,7 @@
               <a:buNone/>
               <a:defRPr/>
             </a:lvl5pPr>
-            <a:lvl6pPr indent="0" lvl="5" marL="2286000" rtl="0">
+            <a:lvl6pPr marL="2286000" lvl="5" indent="0" rtl="0">
               <a:spcBef>
                 <a:spcPts val="0"/>
               </a:spcBef>
@@ -5619,7 +6044,7 @@
               <a:buNone/>
               <a:defRPr/>
             </a:lvl6pPr>
-            <a:lvl7pPr indent="0" lvl="6" marL="2743200" rtl="0">
+            <a:lvl7pPr marL="2743200" lvl="6" indent="0" rtl="0">
               <a:spcBef>
                 <a:spcPts val="0"/>
               </a:spcBef>
@@ -5627,7 +6052,7 @@
               <a:buNone/>
               <a:defRPr/>
             </a:lvl7pPr>
-            <a:lvl8pPr indent="0" lvl="7" marL="3200400" rtl="0">
+            <a:lvl8pPr marL="3200400" lvl="7" indent="0" rtl="0">
               <a:spcBef>
                 <a:spcPts val="0"/>
               </a:spcBef>
@@ -5635,7 +6060,7 @@
               <a:buNone/>
               <a:defRPr/>
             </a:lvl8pPr>
-            <a:lvl9pPr indent="0" lvl="8" marL="3657600" rtl="0">
+            <a:lvl9pPr marL="3657600" lvl="8" indent="0" rtl="0">
               <a:spcBef>
                 <a:spcPts val="0"/>
               </a:spcBef>
@@ -5644,15 +6069,19 @@
               <a:defRPr/>
             </a:lvl9pPr>
           </a:lstStyle>
-          <a:p/>
+          <a:p>
+            <a:endParaRPr/>
+          </a:p>
         </p:txBody>
       </p:sp>
       <p:sp>
         <p:nvSpPr>
           <p:cNvPr id="71" name="Shape 71"/>
-          <p:cNvSpPr txBox="1"/>
+          <p:cNvSpPr txBox="1">
+            <a:spLocks noGrp="1"/>
+          </p:cNvSpPr>
           <p:nvPr>
-            <p:ph idx="10" type="dt"/>
+            <p:ph type="dt" idx="10"/>
           </p:nvPr>
         </p:nvSpPr>
         <p:spPr>
@@ -5669,72 +6098,76 @@
           </a:ln>
         </p:spPr>
         <p:txBody>
-          <a:bodyPr anchorCtr="0" anchor="ctr" bIns="91425" lIns="91425" rIns="91425" tIns="91425"/>
+          <a:bodyPr lIns="91425" tIns="91425" rIns="91425" bIns="91425" anchor="ctr" anchorCtr="0"/>
           <a:lstStyle>
-            <a:lvl1pPr indent="0" lvl="0" marL="0" marR="0" rtl="0" algn="l">
+            <a:lvl1pPr marL="0" marR="0" lvl="0" indent="0" algn="l" rtl="0">
               <a:spcBef>
                 <a:spcPts val="0"/>
               </a:spcBef>
               <a:defRPr/>
             </a:lvl1pPr>
-            <a:lvl2pPr indent="0" lvl="1" marL="457200" marR="0" rtl="0" algn="l">
+            <a:lvl2pPr marL="457200" marR="0" lvl="1" indent="0" algn="l" rtl="0">
               <a:spcBef>
                 <a:spcPts val="0"/>
               </a:spcBef>
               <a:defRPr/>
             </a:lvl2pPr>
-            <a:lvl3pPr indent="0" lvl="2" marL="914400" marR="0" rtl="0" algn="l">
+            <a:lvl3pPr marL="914400" marR="0" lvl="2" indent="0" algn="l" rtl="0">
               <a:spcBef>
                 <a:spcPts val="0"/>
               </a:spcBef>
               <a:defRPr/>
             </a:lvl3pPr>
-            <a:lvl4pPr indent="0" lvl="3" marL="1371600" marR="0" rtl="0" algn="l">
+            <a:lvl4pPr marL="1371600" marR="0" lvl="3" indent="0" algn="l" rtl="0">
               <a:spcBef>
                 <a:spcPts val="0"/>
               </a:spcBef>
               <a:defRPr/>
             </a:lvl4pPr>
-            <a:lvl5pPr indent="0" lvl="4" marL="1828800" marR="0" rtl="0" algn="l">
+            <a:lvl5pPr marL="1828800" marR="0" lvl="4" indent="0" algn="l" rtl="0">
               <a:spcBef>
                 <a:spcPts val="0"/>
               </a:spcBef>
               <a:defRPr/>
             </a:lvl5pPr>
-            <a:lvl6pPr indent="0" lvl="5" marL="2286000" marR="0" rtl="0" algn="l">
+            <a:lvl6pPr marL="2286000" marR="0" lvl="5" indent="0" algn="l" rtl="0">
               <a:spcBef>
                 <a:spcPts val="0"/>
               </a:spcBef>
               <a:defRPr/>
             </a:lvl6pPr>
-            <a:lvl7pPr indent="0" lvl="6" marL="2743200" marR="0" rtl="0" algn="l">
+            <a:lvl7pPr marL="2743200" marR="0" lvl="6" indent="0" algn="l" rtl="0">
               <a:spcBef>
                 <a:spcPts val="0"/>
               </a:spcBef>
               <a:defRPr/>
             </a:lvl7pPr>
-            <a:lvl8pPr indent="0" lvl="7" marL="3200400" marR="0" rtl="0" algn="l">
+            <a:lvl8pPr marL="3200400" marR="0" lvl="7" indent="0" algn="l" rtl="0">
               <a:spcBef>
                 <a:spcPts val="0"/>
               </a:spcBef>
               <a:defRPr/>
             </a:lvl8pPr>
-            <a:lvl9pPr indent="0" lvl="8" marL="3657600" marR="0" rtl="0" algn="l">
+            <a:lvl9pPr marL="3657600" marR="0" lvl="8" indent="0" algn="l" rtl="0">
               <a:spcBef>
                 <a:spcPts val="0"/>
               </a:spcBef>
               <a:defRPr/>
             </a:lvl9pPr>
           </a:lstStyle>
-          <a:p/>
+          <a:p>
+            <a:endParaRPr/>
+          </a:p>
         </p:txBody>
       </p:sp>
       <p:sp>
         <p:nvSpPr>
           <p:cNvPr id="72" name="Shape 72"/>
-          <p:cNvSpPr txBox="1"/>
+          <p:cNvSpPr txBox="1">
+            <a:spLocks noGrp="1"/>
+          </p:cNvSpPr>
           <p:nvPr>
-            <p:ph idx="11" type="ftr"/>
+            <p:ph type="ftr" idx="11"/>
           </p:nvPr>
         </p:nvSpPr>
         <p:spPr>
@@ -5751,72 +6184,76 @@
           </a:ln>
         </p:spPr>
         <p:txBody>
-          <a:bodyPr anchorCtr="0" anchor="ctr" bIns="91425" lIns="91425" rIns="91425" tIns="91425"/>
+          <a:bodyPr lIns="91425" tIns="91425" rIns="91425" bIns="91425" anchor="ctr" anchorCtr="0"/>
           <a:lstStyle>
-            <a:lvl1pPr indent="0" lvl="0" marL="0" marR="0" rtl="0" algn="ctr">
+            <a:lvl1pPr marL="0" marR="0" lvl="0" indent="0" algn="ctr" rtl="0">
               <a:spcBef>
                 <a:spcPts val="0"/>
               </a:spcBef>
               <a:defRPr/>
             </a:lvl1pPr>
-            <a:lvl2pPr indent="0" lvl="1" marL="457200" marR="0" rtl="0" algn="l">
+            <a:lvl2pPr marL="457200" marR="0" lvl="1" indent="0" algn="l" rtl="0">
               <a:spcBef>
                 <a:spcPts val="0"/>
               </a:spcBef>
               <a:defRPr/>
             </a:lvl2pPr>
-            <a:lvl3pPr indent="0" lvl="2" marL="914400" marR="0" rtl="0" algn="l">
+            <a:lvl3pPr marL="914400" marR="0" lvl="2" indent="0" algn="l" rtl="0">
               <a:spcBef>
                 <a:spcPts val="0"/>
               </a:spcBef>
               <a:defRPr/>
             </a:lvl3pPr>
-            <a:lvl4pPr indent="0" lvl="3" marL="1371600" marR="0" rtl="0" algn="l">
+            <a:lvl4pPr marL="1371600" marR="0" lvl="3" indent="0" algn="l" rtl="0">
               <a:spcBef>
                 <a:spcPts val="0"/>
               </a:spcBef>
               <a:defRPr/>
             </a:lvl4pPr>
-            <a:lvl5pPr indent="0" lvl="4" marL="1828800" marR="0" rtl="0" algn="l">
+            <a:lvl5pPr marL="1828800" marR="0" lvl="4" indent="0" algn="l" rtl="0">
               <a:spcBef>
                 <a:spcPts val="0"/>
               </a:spcBef>
               <a:defRPr/>
             </a:lvl5pPr>
-            <a:lvl6pPr indent="0" lvl="5" marL="2286000" marR="0" rtl="0" algn="l">
+            <a:lvl6pPr marL="2286000" marR="0" lvl="5" indent="0" algn="l" rtl="0">
               <a:spcBef>
                 <a:spcPts val="0"/>
               </a:spcBef>
               <a:defRPr/>
             </a:lvl6pPr>
-            <a:lvl7pPr indent="0" lvl="6" marL="2743200" marR="0" rtl="0" algn="l">
+            <a:lvl7pPr marL="2743200" marR="0" lvl="6" indent="0" algn="l" rtl="0">
               <a:spcBef>
                 <a:spcPts val="0"/>
               </a:spcBef>
               <a:defRPr/>
             </a:lvl7pPr>
-            <a:lvl8pPr indent="0" lvl="7" marL="3200400" marR="0" rtl="0" algn="l">
+            <a:lvl8pPr marL="3200400" marR="0" lvl="7" indent="0" algn="l" rtl="0">
               <a:spcBef>
                 <a:spcPts val="0"/>
               </a:spcBef>
               <a:defRPr/>
             </a:lvl8pPr>
-            <a:lvl9pPr indent="0" lvl="8" marL="3657600" marR="0" rtl="0" algn="l">
+            <a:lvl9pPr marL="3657600" marR="0" lvl="8" indent="0" algn="l" rtl="0">
               <a:spcBef>
                 <a:spcPts val="0"/>
               </a:spcBef>
               <a:defRPr/>
             </a:lvl9pPr>
           </a:lstStyle>
-          <a:p/>
+          <a:p>
+            <a:endParaRPr/>
+          </a:p>
         </p:txBody>
       </p:sp>
       <p:sp>
         <p:nvSpPr>
           <p:cNvPr id="73" name="Shape 73"/>
-          <p:cNvSpPr txBox="1"/>
+          <p:cNvSpPr txBox="1">
+            <a:spLocks noGrp="1"/>
+          </p:cNvSpPr>
           <p:nvPr>
-            <p:ph idx="12" type="sldNum"/>
+            <p:ph type="sldNum" idx="12"/>
           </p:nvPr>
         </p:nvSpPr>
         <p:spPr>
@@ -5833,12 +6270,12 @@
           </a:ln>
         </p:spPr>
         <p:txBody>
-          <a:bodyPr anchorCtr="0" anchor="ctr" bIns="45700" lIns="91425" rIns="91425" tIns="45700">
+          <a:bodyPr lIns="91425" tIns="45700" rIns="91425" bIns="45700" anchor="ctr" anchorCtr="0">
             <a:noAutofit/>
           </a:bodyPr>
           <a:lstStyle/>
           <a:p>
-            <a:pPr indent="0" lvl="0" marL="0" marR="0" rtl="0" algn="l">
+            <a:pPr marL="0" marR="0" lvl="0" indent="0" algn="l" rtl="0">
               <a:spcBef>
                 <a:spcPts val="0"/>
               </a:spcBef>
@@ -5846,7 +6283,7 @@
               <a:buNone/>
             </a:pPr>
             <a:fld id="{00000000-1234-1234-1234-123412341234}" type="slidenum">
-              <a:rPr b="1" i="0" lang="es-419" sz="1400" u="none" cap="none" strike="noStrike">
+              <a:rPr lang="es-419" sz="1400" b="1" i="0" u="none" strike="noStrike" cap="none">
                 <a:solidFill>
                   <a:srgbClr val="FFFFFF"/>
                 </a:solidFill>
@@ -5855,8 +6292,17 @@
                 <a:cs typeface="Arial"/>
                 <a:sym typeface="Arial"/>
               </a:rPr>
-              <a:t>‹#›</a:t>
+              <a:t>‹Nº›</a:t>
             </a:fld>
+            <a:endParaRPr lang="es-419" sz="1400" b="1" i="0" u="none" strike="noStrike" cap="none">
+              <a:solidFill>
+                <a:srgbClr val="FFFFFF"/>
+              </a:solidFill>
+              <a:latin typeface="Arial"/>
+              <a:ea typeface="Arial"/>
+              <a:cs typeface="Arial"/>
+              <a:sym typeface="Arial"/>
+            </a:endParaRPr>
           </a:p>
         </p:txBody>
       </p:sp>
@@ -5869,18 +6315,19 @@
 </file>
 
 <file path=ppt/slideMasters/slideMaster1.xml><?xml version="1.0" encoding="utf-8"?>
-<p:sldMaster xmlns:a="http://schemas.openxmlformats.org/drawingml/2006/main" xmlns:r="http://schemas.openxmlformats.org/officeDocument/2006/relationships" xmlns:mc="http://schemas.openxmlformats.org/markup-compatibility/2006" xmlns:mv="urn:schemas-microsoft-com:mac:vml" xmlns:p="http://schemas.openxmlformats.org/presentationml/2006/main" xmlns:c="http://schemas.openxmlformats.org/drawingml/2006/chart" xmlns:dgm="http://schemas.openxmlformats.org/drawingml/2006/diagram" xmlns:o="urn:schemas-microsoft-com:office:office" xmlns:v="urn:schemas-microsoft-com:vml" xmlns:pvml="urn:schemas-microsoft-com:office:powerpoint" xmlns:com="http://schemas.openxmlformats.org/drawingml/2006/compatibility" xmlns:p14="http://schemas.microsoft.com/office/powerpoint/2010/main">
+<p:sldMaster xmlns:a="http://schemas.openxmlformats.org/drawingml/2006/main" xmlns:r="http://schemas.openxmlformats.org/officeDocument/2006/relationships" xmlns:p="http://schemas.openxmlformats.org/presentationml/2006/main">
   <p:cSld>
     <p:bg>
       <p:bgPr>
         <a:solidFill>
           <a:schemeClr val="lt1"/>
         </a:solidFill>
+        <a:effectLst/>
       </p:bgPr>
     </p:bg>
     <p:spTree>
       <p:nvGrpSpPr>
-        <p:cNvPr id="5" name="Shape 5"/>
+        <p:cNvPr id="1" name="Shape 5"/>
         <p:cNvGrpSpPr/>
         <p:nvPr/>
       </p:nvGrpSpPr>
@@ -5914,21 +6361,18 @@
           </a:ln>
         </p:spPr>
         <p:txBody>
-          <a:bodyPr anchorCtr="0" anchor="ctr" bIns="45700" lIns="91425" rIns="91425" tIns="45700">
+          <a:bodyPr lIns="91425" tIns="45700" rIns="91425" bIns="45700" anchor="ctr" anchorCtr="0">
             <a:noAutofit/>
           </a:bodyPr>
           <a:lstStyle/>
           <a:p>
-            <a:pPr indent="0" lvl="0" marL="0" marR="0" rtl="0" algn="ctr">
+            <a:pPr marL="0" marR="0" lvl="0" indent="0" algn="ctr" rtl="0">
               <a:spcBef>
                 <a:spcPts val="0"/>
               </a:spcBef>
               <a:buNone/>
             </a:pPr>
-            <a:r>
-              <a:t/>
-            </a:r>
-            <a:endParaRPr b="0" i="0" sz="1800" u="none" cap="none" strike="noStrike">
+            <a:endParaRPr sz="1800" b="0" i="0" u="none" strike="noStrike" cap="none">
               <a:solidFill>
                 <a:schemeClr val="lt1"/>
               </a:solidFill>
@@ -5943,7 +6387,9 @@
       <p:sp>
         <p:nvSpPr>
           <p:cNvPr id="7" name="Shape 7"/>
-          <p:cNvSpPr txBox="1"/>
+          <p:cNvSpPr txBox="1">
+            <a:spLocks noGrp="1"/>
+          </p:cNvSpPr>
           <p:nvPr>
             <p:ph type="title"/>
           </p:nvPr>
@@ -5962,9 +6408,9 @@
           </a:ln>
         </p:spPr>
         <p:txBody>
-          <a:bodyPr anchorCtr="0" anchor="ctr" bIns="91425" lIns="91425" rIns="91425" tIns="91425"/>
+          <a:bodyPr lIns="91425" tIns="91425" rIns="91425" bIns="91425" anchor="ctr" anchorCtr="0"/>
           <a:lstStyle>
-            <a:lvl1pPr indent="0" lvl="0" marL="0" marR="0" rtl="0" algn="l">
+            <a:lvl1pPr marL="0" marR="0" lvl="0" indent="0" algn="l" rtl="0">
               <a:spcBef>
                 <a:spcPts val="0"/>
               </a:spcBef>
@@ -5975,64 +6421,68 @@
               <a:buNone/>
               <a:defRPr/>
             </a:lvl1pPr>
-            <a:lvl2pPr indent="0" lvl="1" marL="0" marR="0" rtl="0" algn="l">
+            <a:lvl2pPr marL="0" marR="0" lvl="1" indent="0" algn="l" rtl="0">
               <a:spcBef>
                 <a:spcPts val="0"/>
               </a:spcBef>
               <a:defRPr/>
             </a:lvl2pPr>
-            <a:lvl3pPr indent="0" lvl="2" marL="0" marR="0" rtl="0" algn="l">
+            <a:lvl3pPr marL="0" marR="0" lvl="2" indent="0" algn="l" rtl="0">
               <a:spcBef>
                 <a:spcPts val="0"/>
               </a:spcBef>
               <a:defRPr/>
             </a:lvl3pPr>
-            <a:lvl4pPr indent="0" lvl="3" marL="0" marR="0" rtl="0" algn="l">
+            <a:lvl4pPr marL="0" marR="0" lvl="3" indent="0" algn="l" rtl="0">
               <a:spcBef>
                 <a:spcPts val="0"/>
               </a:spcBef>
               <a:defRPr/>
             </a:lvl4pPr>
-            <a:lvl5pPr indent="0" lvl="4" marL="0" marR="0" rtl="0" algn="l">
+            <a:lvl5pPr marL="0" marR="0" lvl="4" indent="0" algn="l" rtl="0">
               <a:spcBef>
                 <a:spcPts val="0"/>
               </a:spcBef>
               <a:defRPr/>
             </a:lvl5pPr>
-            <a:lvl6pPr indent="0" lvl="5" marL="0" marR="0" rtl="0" algn="l">
+            <a:lvl6pPr marL="0" marR="0" lvl="5" indent="0" algn="l" rtl="0">
               <a:spcBef>
                 <a:spcPts val="0"/>
               </a:spcBef>
               <a:defRPr/>
             </a:lvl6pPr>
-            <a:lvl7pPr indent="0" lvl="6" marL="0" marR="0" rtl="0" algn="l">
+            <a:lvl7pPr marL="0" marR="0" lvl="6" indent="0" algn="l" rtl="0">
               <a:spcBef>
                 <a:spcPts val="0"/>
               </a:spcBef>
               <a:defRPr/>
             </a:lvl7pPr>
-            <a:lvl8pPr indent="0" lvl="7" marL="0" marR="0" rtl="0" algn="l">
+            <a:lvl8pPr marL="0" marR="0" lvl="7" indent="0" algn="l" rtl="0">
               <a:spcBef>
                 <a:spcPts val="0"/>
               </a:spcBef>
               <a:defRPr/>
             </a:lvl8pPr>
-            <a:lvl9pPr indent="0" lvl="8" marL="0" marR="0" rtl="0" algn="l">
+            <a:lvl9pPr marL="0" marR="0" lvl="8" indent="0" algn="l" rtl="0">
               <a:spcBef>
                 <a:spcPts val="0"/>
               </a:spcBef>
               <a:defRPr/>
             </a:lvl9pPr>
           </a:lstStyle>
-          <a:p/>
+          <a:p>
+            <a:endParaRPr/>
+          </a:p>
         </p:txBody>
       </p:sp>
       <p:sp>
         <p:nvSpPr>
           <p:cNvPr id="8" name="Shape 8"/>
-          <p:cNvSpPr txBox="1"/>
+          <p:cNvSpPr txBox="1">
+            <a:spLocks noGrp="1"/>
+          </p:cNvSpPr>
           <p:nvPr>
-            <p:ph idx="1" type="body"/>
+            <p:ph type="body" idx="1"/>
           </p:nvPr>
         </p:nvSpPr>
         <p:spPr>
@@ -6049,9 +6499,9 @@
           </a:ln>
         </p:spPr>
         <p:txBody>
-          <a:bodyPr anchorCtr="0" anchor="t" bIns="91425" lIns="91425" rIns="91425" tIns="91425"/>
+          <a:bodyPr lIns="91425" tIns="91425" rIns="91425" bIns="91425" anchor="t" anchorCtr="0"/>
           <a:lstStyle>
-            <a:lvl1pPr indent="-53339" lvl="0" marL="182880" marR="0" rtl="0" algn="l">
+            <a:lvl1pPr marL="182880" marR="0" lvl="0" indent="-53339" algn="l" rtl="0">
               <a:spcBef>
                 <a:spcPts val="480"/>
               </a:spcBef>
@@ -6062,7 +6512,7 @@
               <a:buChar char="•"/>
               <a:defRPr/>
             </a:lvl1pPr>
-            <a:lvl2pPr indent="-82550" lvl="1" marL="457200" marR="0" rtl="0" algn="l">
+            <a:lvl2pPr marL="457200" marR="0" lvl="1" indent="-82550" algn="l" rtl="0">
               <a:spcBef>
                 <a:spcPts val="400"/>
               </a:spcBef>
@@ -6073,7 +6523,7 @@
               <a:buChar char="•"/>
               <a:defRPr/>
             </a:lvl2pPr>
-            <a:lvl3pPr indent="-82550" lvl="2" marL="731520" marR="0" rtl="0" algn="l">
+            <a:lvl3pPr marL="731520" marR="0" lvl="2" indent="-82550" algn="l" rtl="0">
               <a:spcBef>
                 <a:spcPts val="360"/>
               </a:spcBef>
@@ -6084,7 +6534,7 @@
               <a:buChar char="•"/>
               <a:defRPr/>
             </a:lvl3pPr>
-            <a:lvl4pPr indent="-91439" lvl="3" marL="1005839" marR="0" rtl="0" algn="l">
+            <a:lvl4pPr marL="1005839" marR="0" lvl="3" indent="-91439" algn="l" rtl="0">
               <a:spcBef>
                 <a:spcPts val="320"/>
               </a:spcBef>
@@ -6095,7 +6545,7 @@
               <a:buChar char="•"/>
               <a:defRPr/>
             </a:lvl4pPr>
-            <a:lvl5pPr indent="-58419" lvl="4" marL="1188720" marR="0" rtl="0" algn="l">
+            <a:lvl5pPr marL="1188720" marR="0" lvl="4" indent="-58419" algn="l" rtl="0">
               <a:spcBef>
                 <a:spcPts val="280"/>
               </a:spcBef>
@@ -6106,7 +6556,7 @@
               <a:buChar char="•"/>
               <a:defRPr/>
             </a:lvl5pPr>
-            <a:lvl6pPr indent="-107950" lvl="5" marL="1371600" marR="0" rtl="0" algn="l">
+            <a:lvl6pPr marL="1371600" marR="0" lvl="5" indent="-107950" algn="l" rtl="0">
               <a:spcBef>
                 <a:spcPts val="260"/>
               </a:spcBef>
@@ -6117,7 +6567,7 @@
               <a:buChar char="•"/>
               <a:defRPr/>
             </a:lvl6pPr>
-            <a:lvl7pPr indent="-100330" lvl="6" marL="1554480" marR="0" rtl="0" algn="l">
+            <a:lvl7pPr marL="1554480" marR="0" lvl="6" indent="-100330" algn="l" rtl="0">
               <a:spcBef>
                 <a:spcPts val="260"/>
               </a:spcBef>
@@ -6128,7 +6578,7 @@
               <a:buChar char="•"/>
               <a:defRPr/>
             </a:lvl7pPr>
-            <a:lvl8pPr indent="-105410" lvl="7" marL="1737360" marR="0" rtl="0" algn="l">
+            <a:lvl8pPr marL="1737360" marR="0" lvl="7" indent="-105410" algn="l" rtl="0">
               <a:spcBef>
                 <a:spcPts val="260"/>
               </a:spcBef>
@@ -6139,7 +6589,7 @@
               <a:buChar char="•"/>
               <a:defRPr/>
             </a:lvl8pPr>
-            <a:lvl9pPr indent="-110489" lvl="8" marL="1920240" marR="0" rtl="0" algn="l">
+            <a:lvl9pPr marL="1920240" marR="0" lvl="8" indent="-110489" algn="l" rtl="0">
               <a:spcBef>
                 <a:spcPts val="260"/>
               </a:spcBef>
@@ -6151,7 +6601,9 @@
               <a:defRPr/>
             </a:lvl9pPr>
           </a:lstStyle>
-          <a:p/>
+          <a:p>
+            <a:endParaRPr/>
+          </a:p>
         </p:txBody>
       </p:sp>
       <p:sp>
@@ -6176,21 +6628,18 @@
           </a:ln>
         </p:spPr>
         <p:txBody>
-          <a:bodyPr anchorCtr="0" anchor="ctr" bIns="45700" lIns="91425" rIns="91425" tIns="45700">
+          <a:bodyPr lIns="91425" tIns="45700" rIns="91425" bIns="45700" anchor="ctr" anchorCtr="0">
             <a:noAutofit/>
           </a:bodyPr>
           <a:lstStyle/>
           <a:p>
-            <a:pPr indent="0" lvl="0" marL="0" marR="0" rtl="0" algn="ctr">
+            <a:pPr marL="0" marR="0" lvl="0" indent="0" algn="ctr" rtl="0">
               <a:spcBef>
                 <a:spcPts val="0"/>
               </a:spcBef>
               <a:buNone/>
             </a:pPr>
-            <a:r>
-              <a:t/>
-            </a:r>
-            <a:endParaRPr b="0" i="0" sz="1800" u="none" cap="none" strike="noStrike">
+            <a:endParaRPr sz="1800" b="0" i="0" u="none" strike="noStrike" cap="none">
               <a:solidFill>
                 <a:schemeClr val="lt1"/>
               </a:solidFill>
@@ -6205,9 +6654,11 @@
       <p:sp>
         <p:nvSpPr>
           <p:cNvPr id="10" name="Shape 10"/>
-          <p:cNvSpPr txBox="1"/>
+          <p:cNvSpPr txBox="1">
+            <a:spLocks noGrp="1"/>
+          </p:cNvSpPr>
           <p:nvPr>
-            <p:ph idx="10" type="dt"/>
+            <p:ph type="dt" idx="10"/>
           </p:nvPr>
         </p:nvSpPr>
         <p:spPr>
@@ -6224,72 +6675,76 @@
           </a:ln>
         </p:spPr>
         <p:txBody>
-          <a:bodyPr anchorCtr="0" anchor="ctr" bIns="91425" lIns="91425" rIns="91425" tIns="91425"/>
+          <a:bodyPr lIns="91425" tIns="91425" rIns="91425" bIns="91425" anchor="ctr" anchorCtr="0"/>
           <a:lstStyle>
-            <a:lvl1pPr indent="0" lvl="0" marL="0" marR="0" rtl="0" algn="l">
+            <a:lvl1pPr marL="0" marR="0" lvl="0" indent="0" algn="l" rtl="0">
               <a:spcBef>
                 <a:spcPts val="0"/>
               </a:spcBef>
               <a:defRPr/>
             </a:lvl1pPr>
-            <a:lvl2pPr indent="0" lvl="1" marL="457200" marR="0" rtl="0" algn="l">
+            <a:lvl2pPr marL="457200" marR="0" lvl="1" indent="0" algn="l" rtl="0">
               <a:spcBef>
                 <a:spcPts val="0"/>
               </a:spcBef>
               <a:defRPr/>
             </a:lvl2pPr>
-            <a:lvl3pPr indent="0" lvl="2" marL="914400" marR="0" rtl="0" algn="l">
+            <a:lvl3pPr marL="914400" marR="0" lvl="2" indent="0" algn="l" rtl="0">
               <a:spcBef>
                 <a:spcPts val="0"/>
               </a:spcBef>
               <a:defRPr/>
             </a:lvl3pPr>
-            <a:lvl4pPr indent="0" lvl="3" marL="1371600" marR="0" rtl="0" algn="l">
+            <a:lvl4pPr marL="1371600" marR="0" lvl="3" indent="0" algn="l" rtl="0">
               <a:spcBef>
                 <a:spcPts val="0"/>
               </a:spcBef>
               <a:defRPr/>
             </a:lvl4pPr>
-            <a:lvl5pPr indent="0" lvl="4" marL="1828800" marR="0" rtl="0" algn="l">
+            <a:lvl5pPr marL="1828800" marR="0" lvl="4" indent="0" algn="l" rtl="0">
               <a:spcBef>
                 <a:spcPts val="0"/>
               </a:spcBef>
               <a:defRPr/>
             </a:lvl5pPr>
-            <a:lvl6pPr indent="0" lvl="5" marL="2286000" marR="0" rtl="0" algn="l">
+            <a:lvl6pPr marL="2286000" marR="0" lvl="5" indent="0" algn="l" rtl="0">
               <a:spcBef>
                 <a:spcPts val="0"/>
               </a:spcBef>
               <a:defRPr/>
             </a:lvl6pPr>
-            <a:lvl7pPr indent="0" lvl="6" marL="2743200" marR="0" rtl="0" algn="l">
+            <a:lvl7pPr marL="2743200" marR="0" lvl="6" indent="0" algn="l" rtl="0">
               <a:spcBef>
                 <a:spcPts val="0"/>
               </a:spcBef>
               <a:defRPr/>
             </a:lvl7pPr>
-            <a:lvl8pPr indent="0" lvl="7" marL="3200400" marR="0" rtl="0" algn="l">
+            <a:lvl8pPr marL="3200400" marR="0" lvl="7" indent="0" algn="l" rtl="0">
               <a:spcBef>
                 <a:spcPts val="0"/>
               </a:spcBef>
               <a:defRPr/>
             </a:lvl8pPr>
-            <a:lvl9pPr indent="0" lvl="8" marL="3657600" marR="0" rtl="0" algn="l">
+            <a:lvl9pPr marL="3657600" marR="0" lvl="8" indent="0" algn="l" rtl="0">
               <a:spcBef>
                 <a:spcPts val="0"/>
               </a:spcBef>
               <a:defRPr/>
             </a:lvl9pPr>
           </a:lstStyle>
-          <a:p/>
+          <a:p>
+            <a:endParaRPr/>
+          </a:p>
         </p:txBody>
       </p:sp>
       <p:sp>
         <p:nvSpPr>
           <p:cNvPr id="11" name="Shape 11"/>
-          <p:cNvSpPr txBox="1"/>
+          <p:cNvSpPr txBox="1">
+            <a:spLocks noGrp="1"/>
+          </p:cNvSpPr>
           <p:nvPr>
-            <p:ph idx="11" type="ftr"/>
+            <p:ph type="ftr" idx="11"/>
           </p:nvPr>
         </p:nvSpPr>
         <p:spPr>
@@ -6306,72 +6761,76 @@
           </a:ln>
         </p:spPr>
         <p:txBody>
-          <a:bodyPr anchorCtr="0" anchor="ctr" bIns="91425" lIns="91425" rIns="91425" tIns="91425"/>
+          <a:bodyPr lIns="91425" tIns="91425" rIns="91425" bIns="91425" anchor="ctr" anchorCtr="0"/>
           <a:lstStyle>
-            <a:lvl1pPr indent="0" lvl="0" marL="0" marR="0" rtl="0" algn="ctr">
+            <a:lvl1pPr marL="0" marR="0" lvl="0" indent="0" algn="ctr" rtl="0">
               <a:spcBef>
                 <a:spcPts val="0"/>
               </a:spcBef>
               <a:defRPr/>
             </a:lvl1pPr>
-            <a:lvl2pPr indent="0" lvl="1" marL="457200" marR="0" rtl="0" algn="l">
+            <a:lvl2pPr marL="457200" marR="0" lvl="1" indent="0" algn="l" rtl="0">
               <a:spcBef>
                 <a:spcPts val="0"/>
               </a:spcBef>
               <a:defRPr/>
             </a:lvl2pPr>
-            <a:lvl3pPr indent="0" lvl="2" marL="914400" marR="0" rtl="0" algn="l">
+            <a:lvl3pPr marL="914400" marR="0" lvl="2" indent="0" algn="l" rtl="0">
               <a:spcBef>
                 <a:spcPts val="0"/>
               </a:spcBef>
               <a:defRPr/>
             </a:lvl3pPr>
-            <a:lvl4pPr indent="0" lvl="3" marL="1371600" marR="0" rtl="0" algn="l">
+            <a:lvl4pPr marL="1371600" marR="0" lvl="3" indent="0" algn="l" rtl="0">
               <a:spcBef>
                 <a:spcPts val="0"/>
               </a:spcBef>
               <a:defRPr/>
             </a:lvl4pPr>
-            <a:lvl5pPr indent="0" lvl="4" marL="1828800" marR="0" rtl="0" algn="l">
+            <a:lvl5pPr marL="1828800" marR="0" lvl="4" indent="0" algn="l" rtl="0">
               <a:spcBef>
                 <a:spcPts val="0"/>
               </a:spcBef>
               <a:defRPr/>
             </a:lvl5pPr>
-            <a:lvl6pPr indent="0" lvl="5" marL="2286000" marR="0" rtl="0" algn="l">
+            <a:lvl6pPr marL="2286000" marR="0" lvl="5" indent="0" algn="l" rtl="0">
               <a:spcBef>
                 <a:spcPts val="0"/>
               </a:spcBef>
               <a:defRPr/>
             </a:lvl6pPr>
-            <a:lvl7pPr indent="0" lvl="6" marL="2743200" marR="0" rtl="0" algn="l">
+            <a:lvl7pPr marL="2743200" marR="0" lvl="6" indent="0" algn="l" rtl="0">
               <a:spcBef>
                 <a:spcPts val="0"/>
               </a:spcBef>
               <a:defRPr/>
             </a:lvl7pPr>
-            <a:lvl8pPr indent="0" lvl="7" marL="3200400" marR="0" rtl="0" algn="l">
+            <a:lvl8pPr marL="3200400" marR="0" lvl="7" indent="0" algn="l" rtl="0">
               <a:spcBef>
                 <a:spcPts val="0"/>
               </a:spcBef>
               <a:defRPr/>
             </a:lvl8pPr>
-            <a:lvl9pPr indent="0" lvl="8" marL="3657600" marR="0" rtl="0" algn="l">
+            <a:lvl9pPr marL="3657600" marR="0" lvl="8" indent="0" algn="l" rtl="0">
               <a:spcBef>
                 <a:spcPts val="0"/>
               </a:spcBef>
               <a:defRPr/>
             </a:lvl9pPr>
           </a:lstStyle>
-          <a:p/>
+          <a:p>
+            <a:endParaRPr/>
+          </a:p>
         </p:txBody>
       </p:sp>
       <p:sp>
         <p:nvSpPr>
           <p:cNvPr id="12" name="Shape 12"/>
-          <p:cNvSpPr txBox="1"/>
+          <p:cNvSpPr txBox="1">
+            <a:spLocks noGrp="1"/>
+          </p:cNvSpPr>
           <p:nvPr>
-            <p:ph idx="12" type="sldNum"/>
+            <p:ph type="sldNum" idx="12"/>
           </p:nvPr>
         </p:nvSpPr>
         <p:spPr>
@@ -6388,12 +6847,12 @@
           </a:ln>
         </p:spPr>
         <p:txBody>
-          <a:bodyPr anchorCtr="0" anchor="ctr" bIns="45700" lIns="91425" rIns="91425" tIns="45700">
+          <a:bodyPr lIns="91425" tIns="45700" rIns="91425" bIns="45700" anchor="ctr" anchorCtr="0">
             <a:noAutofit/>
           </a:bodyPr>
           <a:lstStyle/>
           <a:p>
-            <a:pPr indent="0" lvl="0" marL="0" marR="0" rtl="0" algn="l">
+            <a:pPr marL="0" marR="0" lvl="0" indent="0" algn="l" rtl="0">
               <a:spcBef>
                 <a:spcPts val="0"/>
               </a:spcBef>
@@ -6401,7 +6860,7 @@
               <a:buNone/>
             </a:pPr>
             <a:fld id="{00000000-1234-1234-1234-123412341234}" type="slidenum">
-              <a:rPr b="1" i="0" lang="es-419" sz="1400" u="none" cap="none" strike="noStrike">
+              <a:rPr lang="es-419" sz="1400" b="1" i="0" u="none" strike="noStrike" cap="none">
                 <a:solidFill>
                   <a:srgbClr val="FFFFFF"/>
                 </a:solidFill>
@@ -6410,14 +6869,23 @@
                 <a:cs typeface="Arial"/>
                 <a:sym typeface="Arial"/>
               </a:rPr>
-              <a:t>‹#›</a:t>
+              <a:t>‹Nº›</a:t>
             </a:fld>
+            <a:endParaRPr lang="es-419" sz="1400" b="1" i="0" u="none" strike="noStrike" cap="none">
+              <a:solidFill>
+                <a:srgbClr val="FFFFFF"/>
+              </a:solidFill>
+              <a:latin typeface="Arial"/>
+              <a:ea typeface="Arial"/>
+              <a:cs typeface="Arial"/>
+              <a:sym typeface="Arial"/>
+            </a:endParaRPr>
           </a:p>
         </p:txBody>
       </p:sp>
     </p:spTree>
   </p:cSld>
-  <p:clrMap accent1="accent1" accent2="accent2" accent3="accent3" accent4="accent4" accent5="accent5" accent6="accent6" bg1="lt1" bg2="dk2" tx1="dk1" tx2="lt2" folHlink="folHlink" hlink="hlink"/>
+  <p:clrMap bg1="lt1" tx1="dk1" bg2="dk2" tx2="lt2" accent1="accent1" accent2="accent2" accent3="accent3" accent4="accent4" accent5="accent5" accent6="accent6" hlink="hlink" folHlink="folHlink"/>
   <p:sldLayoutIdLst>
     <p:sldLayoutId id="2147483648" r:id="rId1"/>
     <p:sldLayoutId id="2147483649" r:id="rId2"/>
@@ -6431,10 +6899,10 @@
     <p:sldLayoutId id="2147483657" r:id="rId10"/>
     <p:sldLayoutId id="2147483658" r:id="rId11"/>
   </p:sldLayoutIdLst>
-  <p:hf dt="0" ftr="0" hdr="0" sldNum="0"/>
+  <p:hf sldNum="0" hdr="0" ftr="0" dt="0"/>
   <p:txStyles>
     <p:titleStyle>
-      <a:defPPr lvl="0" marR="0" rtl="0" algn="l">
+      <a:defPPr marR="0" lvl="0" algn="l" rtl="0">
         <a:lnSpc>
           <a:spcPct val="100000"/>
         </a:lnSpc>
@@ -6445,7 +6913,7 @@
           <a:spcPts val="0"/>
         </a:spcAft>
       </a:defPPr>
-      <a:lvl1pPr lvl="0" marR="0" rtl="0" algn="l">
+      <a:lvl1pPr marR="0" lvl="0" algn="l" rtl="0">
         <a:lnSpc>
           <a:spcPct val="100000"/>
         </a:lnSpc>
@@ -6456,7 +6924,7 @@
           <a:spcPts val="0"/>
         </a:spcAft>
         <a:buNone/>
-        <a:defRPr b="0" i="0" sz="1400" u="none" cap="none" strike="noStrike">
+        <a:defRPr sz="1400" b="0" i="0" u="none" strike="noStrike" cap="none">
           <a:solidFill>
             <a:srgbClr val="000000"/>
           </a:solidFill>
@@ -6468,7 +6936,7 @@
       </a:lvl1pPr>
     </p:titleStyle>
     <p:bodyStyle>
-      <a:defPPr lvl="0" marR="0" rtl="0" algn="l">
+      <a:defPPr marR="0" lvl="0" algn="l" rtl="0">
         <a:lnSpc>
           <a:spcPct val="100000"/>
         </a:lnSpc>
@@ -6479,7 +6947,7 @@
           <a:spcPts val="0"/>
         </a:spcAft>
       </a:defPPr>
-      <a:lvl1pPr lvl="0" marR="0" rtl="0" algn="l">
+      <a:lvl1pPr marR="0" lvl="0" algn="l" rtl="0">
         <a:lnSpc>
           <a:spcPct val="100000"/>
         </a:lnSpc>
@@ -6490,7 +6958,7 @@
           <a:spcPts val="0"/>
         </a:spcAft>
         <a:buNone/>
-        <a:defRPr b="0" i="0" sz="1400" u="none" cap="none" strike="noStrike">
+        <a:defRPr sz="1400" b="0" i="0" u="none" strike="noStrike" cap="none">
           <a:solidFill>
             <a:srgbClr val="000000"/>
           </a:solidFill>
@@ -6500,7 +6968,7 @@
           <a:sym typeface="Arial"/>
         </a:defRPr>
       </a:lvl1pPr>
-      <a:lvl2pPr lvl="1" marR="0" rtl="0" algn="l">
+      <a:lvl2pPr marR="0" lvl="1" algn="l" rtl="0">
         <a:lnSpc>
           <a:spcPct val="100000"/>
         </a:lnSpc>
@@ -6511,7 +6979,7 @@
           <a:spcPts val="0"/>
         </a:spcAft>
         <a:buNone/>
-        <a:defRPr b="0" i="0" sz="1400" u="none" cap="none" strike="noStrike">
+        <a:defRPr sz="1400" b="0" i="0" u="none" strike="noStrike" cap="none">
           <a:solidFill>
             <a:srgbClr val="000000"/>
           </a:solidFill>
@@ -6521,7 +6989,7 @@
           <a:sym typeface="Arial"/>
         </a:defRPr>
       </a:lvl2pPr>
-      <a:lvl3pPr lvl="2" marR="0" rtl="0" algn="l">
+      <a:lvl3pPr marR="0" lvl="2" algn="l" rtl="0">
         <a:lnSpc>
           <a:spcPct val="100000"/>
         </a:lnSpc>
@@ -6532,7 +7000,7 @@
           <a:spcPts val="0"/>
         </a:spcAft>
         <a:buNone/>
-        <a:defRPr b="0" i="0" sz="1400" u="none" cap="none" strike="noStrike">
+        <a:defRPr sz="1400" b="0" i="0" u="none" strike="noStrike" cap="none">
           <a:solidFill>
             <a:srgbClr val="000000"/>
           </a:solidFill>
@@ -6542,7 +7010,7 @@
           <a:sym typeface="Arial"/>
         </a:defRPr>
       </a:lvl3pPr>
-      <a:lvl4pPr lvl="3" marR="0" rtl="0" algn="l">
+      <a:lvl4pPr marR="0" lvl="3" algn="l" rtl="0">
         <a:lnSpc>
           <a:spcPct val="100000"/>
         </a:lnSpc>
@@ -6553,7 +7021,7 @@
           <a:spcPts val="0"/>
         </a:spcAft>
         <a:buNone/>
-        <a:defRPr b="0" i="0" sz="1400" u="none" cap="none" strike="noStrike">
+        <a:defRPr sz="1400" b="0" i="0" u="none" strike="noStrike" cap="none">
           <a:solidFill>
             <a:srgbClr val="000000"/>
           </a:solidFill>
@@ -6563,7 +7031,7 @@
           <a:sym typeface="Arial"/>
         </a:defRPr>
       </a:lvl4pPr>
-      <a:lvl5pPr lvl="4" marR="0" rtl="0" algn="l">
+      <a:lvl5pPr marR="0" lvl="4" algn="l" rtl="0">
         <a:lnSpc>
           <a:spcPct val="100000"/>
         </a:lnSpc>
@@ -6574,7 +7042,7 @@
           <a:spcPts val="0"/>
         </a:spcAft>
         <a:buNone/>
-        <a:defRPr b="0" i="0" sz="1400" u="none" cap="none" strike="noStrike">
+        <a:defRPr sz="1400" b="0" i="0" u="none" strike="noStrike" cap="none">
           <a:solidFill>
             <a:srgbClr val="000000"/>
           </a:solidFill>
@@ -6584,7 +7052,7 @@
           <a:sym typeface="Arial"/>
         </a:defRPr>
       </a:lvl5pPr>
-      <a:lvl6pPr lvl="5" marR="0" rtl="0" algn="l">
+      <a:lvl6pPr marR="0" lvl="5" algn="l" rtl="0">
         <a:lnSpc>
           <a:spcPct val="100000"/>
         </a:lnSpc>
@@ -6595,7 +7063,7 @@
           <a:spcPts val="0"/>
         </a:spcAft>
         <a:buNone/>
-        <a:defRPr b="0" i="0" sz="1400" u="none" cap="none" strike="noStrike">
+        <a:defRPr sz="1400" b="0" i="0" u="none" strike="noStrike" cap="none">
           <a:solidFill>
             <a:srgbClr val="000000"/>
           </a:solidFill>
@@ -6605,7 +7073,7 @@
           <a:sym typeface="Arial"/>
         </a:defRPr>
       </a:lvl6pPr>
-      <a:lvl7pPr lvl="6" marR="0" rtl="0" algn="l">
+      <a:lvl7pPr marR="0" lvl="6" algn="l" rtl="0">
         <a:lnSpc>
           <a:spcPct val="100000"/>
         </a:lnSpc>
@@ -6616,7 +7084,7 @@
           <a:spcPts val="0"/>
         </a:spcAft>
         <a:buNone/>
-        <a:defRPr b="0" i="0" sz="1400" u="none" cap="none" strike="noStrike">
+        <a:defRPr sz="1400" b="0" i="0" u="none" strike="noStrike" cap="none">
           <a:solidFill>
             <a:srgbClr val="000000"/>
           </a:solidFill>
@@ -6626,7 +7094,7 @@
           <a:sym typeface="Arial"/>
         </a:defRPr>
       </a:lvl7pPr>
-      <a:lvl8pPr lvl="7" marR="0" rtl="0" algn="l">
+      <a:lvl8pPr marR="0" lvl="7" algn="l" rtl="0">
         <a:lnSpc>
           <a:spcPct val="100000"/>
         </a:lnSpc>
@@ -6637,7 +7105,7 @@
           <a:spcPts val="0"/>
         </a:spcAft>
         <a:buNone/>
-        <a:defRPr b="0" i="0" sz="1400" u="none" cap="none" strike="noStrike">
+        <a:defRPr sz="1400" b="0" i="0" u="none" strike="noStrike" cap="none">
           <a:solidFill>
             <a:srgbClr val="000000"/>
           </a:solidFill>
@@ -6647,7 +7115,7 @@
           <a:sym typeface="Arial"/>
         </a:defRPr>
       </a:lvl8pPr>
-      <a:lvl9pPr lvl="8" marR="0" rtl="0" algn="l">
+      <a:lvl9pPr marR="0" lvl="8" algn="l" rtl="0">
         <a:lnSpc>
           <a:spcPct val="100000"/>
         </a:lnSpc>
@@ -6658,7 +7126,7 @@
           <a:spcPts val="0"/>
         </a:spcAft>
         <a:buNone/>
-        <a:defRPr b="0" i="0" sz="1400" u="none" cap="none" strike="noStrike">
+        <a:defRPr sz="1400" b="0" i="0" u="none" strike="noStrike" cap="none">
           <a:solidFill>
             <a:srgbClr val="000000"/>
           </a:solidFill>
@@ -6670,7 +7138,7 @@
       </a:lvl9pPr>
     </p:bodyStyle>
     <p:otherStyle>
-      <a:defPPr lvl="0" marR="0" rtl="0" algn="l">
+      <a:defPPr marR="0" lvl="0" algn="l" rtl="0">
         <a:lnSpc>
           <a:spcPct val="100000"/>
         </a:lnSpc>
@@ -6681,7 +7149,7 @@
           <a:spcPts val="0"/>
         </a:spcAft>
       </a:defPPr>
-      <a:lvl1pPr lvl="0" marR="0" rtl="0" algn="l">
+      <a:lvl1pPr marR="0" lvl="0" algn="l" rtl="0">
         <a:lnSpc>
           <a:spcPct val="100000"/>
         </a:lnSpc>
@@ -6692,7 +7160,7 @@
           <a:spcPts val="0"/>
         </a:spcAft>
         <a:buNone/>
-        <a:defRPr b="0" i="0" sz="1400" u="none" cap="none" strike="noStrike">
+        <a:defRPr sz="1400" b="0" i="0" u="none" strike="noStrike" cap="none">
           <a:solidFill>
             <a:srgbClr val="000000"/>
           </a:solidFill>
@@ -6702,7 +7170,7 @@
           <a:sym typeface="Arial"/>
         </a:defRPr>
       </a:lvl1pPr>
-      <a:lvl2pPr lvl="1" marR="0" rtl="0" algn="l">
+      <a:lvl2pPr marR="0" lvl="1" algn="l" rtl="0">
         <a:lnSpc>
           <a:spcPct val="100000"/>
         </a:lnSpc>
@@ -6713,7 +7181,7 @@
           <a:spcPts val="0"/>
         </a:spcAft>
         <a:buNone/>
-        <a:defRPr b="0" i="0" sz="1400" u="none" cap="none" strike="noStrike">
+        <a:defRPr sz="1400" b="0" i="0" u="none" strike="noStrike" cap="none">
           <a:solidFill>
             <a:srgbClr val="000000"/>
           </a:solidFill>
@@ -6723,7 +7191,7 @@
           <a:sym typeface="Arial"/>
         </a:defRPr>
       </a:lvl2pPr>
-      <a:lvl3pPr lvl="2" marR="0" rtl="0" algn="l">
+      <a:lvl3pPr marR="0" lvl="2" algn="l" rtl="0">
         <a:lnSpc>
           <a:spcPct val="100000"/>
         </a:lnSpc>
@@ -6734,7 +7202,7 @@
           <a:spcPts val="0"/>
         </a:spcAft>
         <a:buNone/>
-        <a:defRPr b="0" i="0" sz="1400" u="none" cap="none" strike="noStrike">
+        <a:defRPr sz="1400" b="0" i="0" u="none" strike="noStrike" cap="none">
           <a:solidFill>
             <a:srgbClr val="000000"/>
           </a:solidFill>
@@ -6744,7 +7212,7 @@
           <a:sym typeface="Arial"/>
         </a:defRPr>
       </a:lvl3pPr>
-      <a:lvl4pPr lvl="3" marR="0" rtl="0" algn="l">
+      <a:lvl4pPr marR="0" lvl="3" algn="l" rtl="0">
         <a:lnSpc>
           <a:spcPct val="100000"/>
         </a:lnSpc>
@@ -6755,7 +7223,7 @@
           <a:spcPts val="0"/>
         </a:spcAft>
         <a:buNone/>
-        <a:defRPr b="0" i="0" sz="1400" u="none" cap="none" strike="noStrike">
+        <a:defRPr sz="1400" b="0" i="0" u="none" strike="noStrike" cap="none">
           <a:solidFill>
             <a:srgbClr val="000000"/>
           </a:solidFill>
@@ -6765,7 +7233,7 @@
           <a:sym typeface="Arial"/>
         </a:defRPr>
       </a:lvl4pPr>
-      <a:lvl5pPr lvl="4" marR="0" rtl="0" algn="l">
+      <a:lvl5pPr marR="0" lvl="4" algn="l" rtl="0">
         <a:lnSpc>
           <a:spcPct val="100000"/>
         </a:lnSpc>
@@ -6776,7 +7244,7 @@
           <a:spcPts val="0"/>
         </a:spcAft>
         <a:buNone/>
-        <a:defRPr b="0" i="0" sz="1400" u="none" cap="none" strike="noStrike">
+        <a:defRPr sz="1400" b="0" i="0" u="none" strike="noStrike" cap="none">
           <a:solidFill>
             <a:srgbClr val="000000"/>
           </a:solidFill>
@@ -6786,7 +7254,7 @@
           <a:sym typeface="Arial"/>
         </a:defRPr>
       </a:lvl5pPr>
-      <a:lvl6pPr lvl="5" marR="0" rtl="0" algn="l">
+      <a:lvl6pPr marR="0" lvl="5" algn="l" rtl="0">
         <a:lnSpc>
           <a:spcPct val="100000"/>
         </a:lnSpc>
@@ -6797,7 +7265,7 @@
           <a:spcPts val="0"/>
         </a:spcAft>
         <a:buNone/>
-        <a:defRPr b="0" i="0" sz="1400" u="none" cap="none" strike="noStrike">
+        <a:defRPr sz="1400" b="0" i="0" u="none" strike="noStrike" cap="none">
           <a:solidFill>
             <a:srgbClr val="000000"/>
           </a:solidFill>
@@ -6807,7 +7275,7 @@
           <a:sym typeface="Arial"/>
         </a:defRPr>
       </a:lvl6pPr>
-      <a:lvl7pPr lvl="6" marR="0" rtl="0" algn="l">
+      <a:lvl7pPr marR="0" lvl="6" algn="l" rtl="0">
         <a:lnSpc>
           <a:spcPct val="100000"/>
         </a:lnSpc>
@@ -6818,7 +7286,7 @@
           <a:spcPts val="0"/>
         </a:spcAft>
         <a:buNone/>
-        <a:defRPr b="0" i="0" sz="1400" u="none" cap="none" strike="noStrike">
+        <a:defRPr sz="1400" b="0" i="0" u="none" strike="noStrike" cap="none">
           <a:solidFill>
             <a:srgbClr val="000000"/>
           </a:solidFill>
@@ -6828,7 +7296,7 @@
           <a:sym typeface="Arial"/>
         </a:defRPr>
       </a:lvl7pPr>
-      <a:lvl8pPr lvl="7" marR="0" rtl="0" algn="l">
+      <a:lvl8pPr marR="0" lvl="7" algn="l" rtl="0">
         <a:lnSpc>
           <a:spcPct val="100000"/>
         </a:lnSpc>
@@ -6839,7 +7307,7 @@
           <a:spcPts val="0"/>
         </a:spcAft>
         <a:buNone/>
-        <a:defRPr b="0" i="0" sz="1400" u="none" cap="none" strike="noStrike">
+        <a:defRPr sz="1400" b="0" i="0" u="none" strike="noStrike" cap="none">
           <a:solidFill>
             <a:srgbClr val="000000"/>
           </a:solidFill>
@@ -6849,7 +7317,7 @@
           <a:sym typeface="Arial"/>
         </a:defRPr>
       </a:lvl8pPr>
-      <a:lvl9pPr lvl="8" marR="0" rtl="0" algn="l">
+      <a:lvl9pPr marR="0" lvl="8" algn="l" rtl="0">
         <a:lnSpc>
           <a:spcPct val="100000"/>
         </a:lnSpc>
@@ -6860,7 +7328,7 @@
           <a:spcPts val="0"/>
         </a:spcAft>
         <a:buNone/>
-        <a:defRPr b="0" i="0" sz="1400" u="none" cap="none" strike="noStrike">
+        <a:defRPr sz="1400" b="0" i="0" u="none" strike="noStrike" cap="none">
           <a:solidFill>
             <a:srgbClr val="000000"/>
           </a:solidFill>
@@ -6876,11 +7344,11 @@
 </file>
 
 <file path=ppt/slides/slide1.xml><?xml version="1.0" encoding="utf-8"?>
-<p:sld xmlns:a="http://schemas.openxmlformats.org/drawingml/2006/main" xmlns:r="http://schemas.openxmlformats.org/officeDocument/2006/relationships" xmlns:mc="http://schemas.openxmlformats.org/markup-compatibility/2006" xmlns:mv="urn:schemas-microsoft-com:mac:vml" xmlns:p="http://schemas.openxmlformats.org/presentationml/2006/main" xmlns:c="http://schemas.openxmlformats.org/drawingml/2006/chart" xmlns:dgm="http://schemas.openxmlformats.org/drawingml/2006/diagram" xmlns:o="urn:schemas-microsoft-com:office:office" xmlns:v="urn:schemas-microsoft-com:vml" xmlns:pvml="urn:schemas-microsoft-com:office:powerpoint" xmlns:com="http://schemas.openxmlformats.org/drawingml/2006/compatibility" xmlns:p14="http://schemas.microsoft.com/office/powerpoint/2010/main">
+<p:sld xmlns:a="http://schemas.openxmlformats.org/drawingml/2006/main" xmlns:r="http://schemas.openxmlformats.org/officeDocument/2006/relationships" xmlns:p="http://schemas.openxmlformats.org/presentationml/2006/main">
   <p:cSld>
     <p:spTree>
       <p:nvGrpSpPr>
-        <p:cNvPr id="89" name="Shape 89"/>
+        <p:cNvPr id="1" name="Shape 89"/>
         <p:cNvGrpSpPr/>
         <p:nvPr/>
       </p:nvGrpSpPr>
@@ -6895,7 +7363,9 @@
       <p:sp>
         <p:nvSpPr>
           <p:cNvPr id="90" name="Shape 90"/>
-          <p:cNvSpPr txBox="1"/>
+          <p:cNvSpPr txBox="1">
+            <a:spLocks noGrp="1"/>
+          </p:cNvSpPr>
           <p:nvPr>
             <p:ph type="ctrTitle"/>
           </p:nvPr>
@@ -6914,12 +7384,12 @@
           </a:ln>
         </p:spPr>
         <p:txBody>
-          <a:bodyPr anchorCtr="0" anchor="b" bIns="45700" lIns="91425" rIns="91425" tIns="45700">
+          <a:bodyPr lIns="91425" tIns="45700" rIns="91425" bIns="45700" anchor="b" anchorCtr="0">
             <a:noAutofit/>
           </a:bodyPr>
           <a:lstStyle/>
           <a:p>
-            <a:pPr indent="0" lvl="0" marL="0" marR="0" rtl="0" algn="ctr">
+            <a:pPr marL="0" marR="0" lvl="0" indent="0" algn="ctr" rtl="0">
               <a:spcBef>
                 <a:spcPts val="0"/>
               </a:spcBef>
@@ -6939,7 +7409,7 @@
               <a:t>APLICACIÓN</a:t>
             </a:r>
             <a:r>
-              <a:rPr b="0" i="0" lang="es-419" sz="5400" u="none" cap="none" strike="noStrike">
+              <a:rPr lang="es-419" sz="5400" b="0" i="0" u="none" strike="noStrike" cap="none">
                 <a:solidFill>
                   <a:schemeClr val="dk2"/>
                 </a:solidFill>
@@ -6956,9 +7426,11 @@
       <p:sp>
         <p:nvSpPr>
           <p:cNvPr id="91" name="Shape 91"/>
-          <p:cNvSpPr txBox="1"/>
+          <p:cNvSpPr txBox="1">
+            <a:spLocks noGrp="1"/>
+          </p:cNvSpPr>
           <p:nvPr>
-            <p:ph idx="1" type="subTitle"/>
+            <p:ph type="subTitle" idx="1"/>
           </p:nvPr>
         </p:nvSpPr>
         <p:spPr>
@@ -6975,12 +7447,12 @@
           </a:ln>
         </p:spPr>
         <p:txBody>
-          <a:bodyPr anchorCtr="0" anchor="t" bIns="45700" lIns="91425" rIns="91425" tIns="45700">
+          <a:bodyPr lIns="91425" tIns="45700" rIns="91425" bIns="45700" anchor="t" anchorCtr="0">
             <a:noAutofit/>
           </a:bodyPr>
           <a:lstStyle/>
           <a:p>
-            <a:pPr lvl="0" rtl="0" algn="ctr">
+            <a:pPr lvl="0" algn="ctr" rtl="0">
               <a:spcBef>
                 <a:spcPts val="0"/>
               </a:spcBef>
@@ -6992,16 +7464,29 @@
               <a:buNone/>
             </a:pPr>
             <a:r>
-              <a:rPr lang="es-419" sz="2400">
+              <a:rPr lang="es-419" sz="2400" smtClean="0">
                 <a:solidFill>
                   <a:srgbClr val="55556F"/>
                 </a:solidFill>
               </a:rPr>
-              <a:t>Yesenia Calvo Araya</a:t>
+              <a:t>Efrén Jiménez </a:t>
             </a:r>
-          </a:p>
-          <a:p>
-            <a:pPr indent="0" lvl="0" marL="0" marR="0" rtl="0" algn="ctr">
+            <a:r>
+              <a:rPr lang="es-419" sz="2400" dirty="0" smtClean="0">
+                <a:solidFill>
+                  <a:srgbClr val="55556F"/>
+                </a:solidFill>
+              </a:rPr>
+              <a:t>Delgado</a:t>
+            </a:r>
+            <a:endParaRPr lang="es-419" sz="2400" dirty="0">
+              <a:solidFill>
+                <a:srgbClr val="55556F"/>
+              </a:solidFill>
+            </a:endParaRPr>
+          </a:p>
+          <a:p>
+            <a:pPr marL="0" marR="0" lvl="0" indent="0" algn="ctr" rtl="0">
               <a:spcBef>
                 <a:spcPts val="0"/>
               </a:spcBef>
@@ -7013,7 +7498,7 @@
               <a:buNone/>
             </a:pPr>
             <a:r>
-              <a:rPr b="1" lang="es-419" sz="4000">
+              <a:rPr lang="es-419" sz="4000" b="1" dirty="0">
                 <a:solidFill>
                   <a:srgbClr val="55556F"/>
                 </a:solidFill>
@@ -7022,7 +7507,7 @@
             </a:r>
           </a:p>
           <a:p>
-            <a:pPr indent="0" lvl="0" marL="0" marR="0" rtl="0" algn="ctr">
+            <a:pPr marL="0" marR="0" lvl="0" indent="0" algn="ctr" rtl="0">
               <a:spcBef>
                 <a:spcPts val="0"/>
               </a:spcBef>
@@ -7034,7 +7519,7 @@
               <a:buNone/>
             </a:pPr>
             <a:r>
-              <a:rPr b="1" lang="es-419" sz="4000">
+              <a:rPr lang="es-419" sz="4000" b="1" dirty="0">
                 <a:solidFill>
                   <a:srgbClr val="55556F"/>
                 </a:solidFill>
@@ -7043,7 +7528,7 @@
             </a:r>
           </a:p>
           <a:p>
-            <a:pPr indent="0" lvl="0" marL="0" marR="0" rtl="0" algn="ctr">
+            <a:pPr marL="0" marR="0" lvl="0" indent="0" algn="ctr" rtl="0">
               <a:spcBef>
                 <a:spcPts val="480"/>
               </a:spcBef>
@@ -7054,10 +7539,7 @@
               <a:buFont typeface="Arial"/>
               <a:buNone/>
             </a:pPr>
-            <a:r>
-              <a:t/>
-            </a:r>
-            <a:endParaRPr b="0" i="0" sz="2400" u="none" cap="none" strike="noStrike">
+            <a:endParaRPr sz="2400" b="0" i="0" u="none" strike="noStrike" cap="none" dirty="0">
               <a:solidFill>
                 <a:srgbClr val="55556F"/>
               </a:solidFill>
@@ -7068,7 +7550,7 @@
             </a:endParaRPr>
           </a:p>
           <a:p>
-            <a:pPr indent="0" lvl="0" marL="0" marR="0" rtl="0" algn="ctr">
+            <a:pPr marL="0" marR="0" lvl="0" indent="0" algn="ctr" rtl="0">
               <a:spcBef>
                 <a:spcPts val="480"/>
               </a:spcBef>
@@ -7079,10 +7561,7 @@
               <a:buFont typeface="Arial"/>
               <a:buNone/>
             </a:pPr>
-            <a:r>
-              <a:t/>
-            </a:r>
-            <a:endParaRPr b="0" i="0" sz="2400" u="none" cap="none" strike="noStrike">
+            <a:endParaRPr sz="2400" b="0" i="0" u="none" strike="noStrike" cap="none" dirty="0">
               <a:solidFill>
                 <a:srgbClr val="55556F"/>
               </a:solidFill>
@@ -7106,11 +7585,11 @@
 </file>
 
 <file path=ppt/slides/slide2.xml><?xml version="1.0" encoding="utf-8"?>
-<p:sld xmlns:a="http://schemas.openxmlformats.org/drawingml/2006/main" xmlns:r="http://schemas.openxmlformats.org/officeDocument/2006/relationships" xmlns:mc="http://schemas.openxmlformats.org/markup-compatibility/2006" xmlns:mv="urn:schemas-microsoft-com:mac:vml" xmlns:p="http://schemas.openxmlformats.org/presentationml/2006/main" xmlns:c="http://schemas.openxmlformats.org/drawingml/2006/chart" xmlns:dgm="http://schemas.openxmlformats.org/drawingml/2006/diagram" xmlns:o="urn:schemas-microsoft-com:office:office" xmlns:v="urn:schemas-microsoft-com:vml" xmlns:pvml="urn:schemas-microsoft-com:office:powerpoint" xmlns:com="http://schemas.openxmlformats.org/drawingml/2006/compatibility" xmlns:p14="http://schemas.microsoft.com/office/powerpoint/2010/main">
+<p:sld xmlns:a="http://schemas.openxmlformats.org/drawingml/2006/main" xmlns:r="http://schemas.openxmlformats.org/officeDocument/2006/relationships" xmlns:p="http://schemas.openxmlformats.org/presentationml/2006/main">
   <p:cSld>
     <p:spTree>
       <p:nvGrpSpPr>
-        <p:cNvPr id="95" name="Shape 95"/>
+        <p:cNvPr id="1" name="Shape 95"/>
         <p:cNvGrpSpPr/>
         <p:nvPr/>
       </p:nvGrpSpPr>
@@ -7125,7 +7604,9 @@
       <p:sp>
         <p:nvSpPr>
           <p:cNvPr id="96" name="Shape 96"/>
-          <p:cNvSpPr txBox="1"/>
+          <p:cNvSpPr txBox="1">
+            <a:spLocks noGrp="1"/>
+          </p:cNvSpPr>
           <p:nvPr>
             <p:ph type="title"/>
           </p:nvPr>
@@ -7144,12 +7625,12 @@
           </a:ln>
         </p:spPr>
         <p:txBody>
-          <a:bodyPr anchorCtr="0" anchor="ctr" bIns="45700" lIns="91425" rIns="91425" tIns="45700">
+          <a:bodyPr lIns="91425" tIns="45700" rIns="91425" bIns="45700" anchor="ctr" anchorCtr="0">
             <a:noAutofit/>
           </a:bodyPr>
           <a:lstStyle/>
           <a:p>
-            <a:pPr indent="0" lvl="0" marL="0" marR="0" rtl="0" algn="l">
+            <a:pPr marL="0" marR="0" lvl="0" indent="0" algn="l" rtl="0">
               <a:spcBef>
                 <a:spcPts val="0"/>
               </a:spcBef>
@@ -7161,7 +7642,7 @@
               <a:buNone/>
             </a:pPr>
             <a:r>
-              <a:rPr b="0" i="0" lang="es-419" sz="4000" u="none" cap="none" strike="noStrike">
+              <a:rPr lang="es-419" sz="4000" b="0" i="0" u="none" strike="noStrike" cap="none">
                 <a:solidFill>
                   <a:schemeClr val="dk2"/>
                 </a:solidFill>
@@ -7178,9 +7659,11 @@
       <p:sp>
         <p:nvSpPr>
           <p:cNvPr id="97" name="Shape 97"/>
-          <p:cNvSpPr txBox="1"/>
+          <p:cNvSpPr txBox="1">
+            <a:spLocks noGrp="1"/>
+          </p:cNvSpPr>
           <p:nvPr>
-            <p:ph idx="1" type="body"/>
+            <p:ph type="body" idx="1"/>
           </p:nvPr>
         </p:nvSpPr>
         <p:spPr>
@@ -7197,12 +7680,12 @@
           </a:ln>
         </p:spPr>
         <p:txBody>
-          <a:bodyPr anchorCtr="0" anchor="t" bIns="45700" lIns="91425" rIns="91425" tIns="45700">
+          <a:bodyPr lIns="91425" tIns="45700" rIns="91425" bIns="45700" anchor="t" anchorCtr="0">
             <a:noAutofit/>
           </a:bodyPr>
           <a:lstStyle/>
           <a:p>
-            <a:pPr indent="-182880" lvl="0" marL="182880" marR="0" rtl="0" algn="just">
+            <a:pPr marL="182880" marR="0" lvl="0" indent="-182880" algn="just" rtl="0">
               <a:lnSpc>
                 <a:spcPct val="100000"/>
               </a:lnSpc>
@@ -7229,7 +7712,7 @@
             </a:r>
           </a:p>
           <a:p>
-            <a:pPr indent="0" lvl="0" marL="0" marR="0" rtl="0" algn="just">
+            <a:pPr marL="0" marR="0" lvl="0" indent="0" algn="just" rtl="0">
               <a:lnSpc>
                 <a:spcPct val="100000"/>
               </a:lnSpc>
@@ -7241,9 +7724,6 @@
               </a:spcAft>
               <a:buNone/>
             </a:pPr>
-            <a:r>
-              <a:t/>
-            </a:r>
             <a:endParaRPr sz="2400">
               <a:solidFill>
                 <a:schemeClr val="dk1"/>
@@ -7264,11 +7744,11 @@
 </file>
 
 <file path=ppt/slides/slide3.xml><?xml version="1.0" encoding="utf-8"?>
-<p:sld xmlns:a="http://schemas.openxmlformats.org/drawingml/2006/main" xmlns:r="http://schemas.openxmlformats.org/officeDocument/2006/relationships" xmlns:mc="http://schemas.openxmlformats.org/markup-compatibility/2006" xmlns:mv="urn:schemas-microsoft-com:mac:vml" xmlns:p="http://schemas.openxmlformats.org/presentationml/2006/main" xmlns:c="http://schemas.openxmlformats.org/drawingml/2006/chart" xmlns:dgm="http://schemas.openxmlformats.org/drawingml/2006/diagram" xmlns:o="urn:schemas-microsoft-com:office:office" xmlns:v="urn:schemas-microsoft-com:vml" xmlns:pvml="urn:schemas-microsoft-com:office:powerpoint" xmlns:com="http://schemas.openxmlformats.org/drawingml/2006/compatibility" xmlns:p14="http://schemas.microsoft.com/office/powerpoint/2010/main">
+<p:sld xmlns:a="http://schemas.openxmlformats.org/drawingml/2006/main" xmlns:r="http://schemas.openxmlformats.org/officeDocument/2006/relationships" xmlns:p="http://schemas.openxmlformats.org/presentationml/2006/main">
   <p:cSld>
     <p:spTree>
       <p:nvGrpSpPr>
-        <p:cNvPr id="101" name="Shape 101"/>
+        <p:cNvPr id="1" name="Shape 101"/>
         <p:cNvGrpSpPr/>
         <p:nvPr/>
       </p:nvGrpSpPr>
@@ -7283,7 +7763,9 @@
       <p:sp>
         <p:nvSpPr>
           <p:cNvPr id="102" name="Shape 102"/>
-          <p:cNvSpPr txBox="1"/>
+          <p:cNvSpPr txBox="1">
+            <a:spLocks noGrp="1"/>
+          </p:cNvSpPr>
           <p:nvPr>
             <p:ph type="title"/>
           </p:nvPr>
@@ -7298,12 +7780,12 @@
           </a:prstGeom>
         </p:spPr>
         <p:txBody>
-          <a:bodyPr anchorCtr="0" anchor="ctr" bIns="91425" lIns="91425" rIns="91425" tIns="91425">
+          <a:bodyPr lIns="91425" tIns="91425" rIns="91425" bIns="91425" anchor="ctr" anchorCtr="0">
             <a:noAutofit/>
           </a:bodyPr>
           <a:lstStyle/>
           <a:p>
-            <a:pPr indent="0" lvl="0" marL="0" marR="0" rtl="0" algn="l">
+            <a:pPr marL="0" marR="0" lvl="0" indent="0" algn="l" rtl="0">
               <a:lnSpc>
                 <a:spcPct val="100000"/>
               </a:lnSpc>
@@ -7334,9 +7816,11 @@
       <p:sp>
         <p:nvSpPr>
           <p:cNvPr id="103" name="Shape 103"/>
-          <p:cNvSpPr txBox="1"/>
+          <p:cNvSpPr txBox="1">
+            <a:spLocks noGrp="1"/>
+          </p:cNvSpPr>
           <p:nvPr>
-            <p:ph idx="1" type="body"/>
+            <p:ph type="body" idx="1"/>
           </p:nvPr>
         </p:nvSpPr>
         <p:spPr>
@@ -7349,12 +7833,12 @@
           </a:prstGeom>
         </p:spPr>
         <p:txBody>
-          <a:bodyPr anchorCtr="0" anchor="t" bIns="91425" lIns="91425" rIns="91425" tIns="91425">
+          <a:bodyPr lIns="91425" tIns="91425" rIns="91425" bIns="91425" anchor="t" anchorCtr="0">
             <a:noAutofit/>
           </a:bodyPr>
           <a:lstStyle/>
           <a:p>
-            <a:pPr indent="-342900" lvl="0" marL="457200" rtl="0">
+            <a:pPr marL="457200" lvl="0" indent="-342900" rtl="0">
               <a:spcBef>
                 <a:spcPts val="0"/>
               </a:spcBef>
@@ -7366,7 +7850,7 @@
             </a:r>
           </a:p>
           <a:p>
-            <a:pPr indent="-342900" lvl="0" marL="457200" rtl="0">
+            <a:pPr marL="457200" lvl="0" indent="-342900" rtl="0">
               <a:spcBef>
                 <a:spcPts val="0"/>
               </a:spcBef>
@@ -7378,7 +7862,7 @@
             </a:r>
           </a:p>
           <a:p>
-            <a:pPr indent="-342900" lvl="0" marL="457200" rtl="0">
+            <a:pPr marL="457200" lvl="0" indent="-342900" rtl="0">
               <a:spcBef>
                 <a:spcPts val="0"/>
               </a:spcBef>
@@ -7390,7 +7874,7 @@
             </a:r>
           </a:p>
           <a:p>
-            <a:pPr indent="-342900" lvl="0" marL="457200">
+            <a:pPr marL="457200" lvl="0" indent="-342900">
               <a:spcBef>
                 <a:spcPts val="0"/>
               </a:spcBef>
@@ -7443,11 +7927,11 @@
 </file>
 
 <file path=ppt/slides/slide4.xml><?xml version="1.0" encoding="utf-8"?>
-<p:sld xmlns:a="http://schemas.openxmlformats.org/drawingml/2006/main" xmlns:r="http://schemas.openxmlformats.org/officeDocument/2006/relationships" xmlns:mc="http://schemas.openxmlformats.org/markup-compatibility/2006" xmlns:mv="urn:schemas-microsoft-com:mac:vml" xmlns:p="http://schemas.openxmlformats.org/presentationml/2006/main" xmlns:c="http://schemas.openxmlformats.org/drawingml/2006/chart" xmlns:dgm="http://schemas.openxmlformats.org/drawingml/2006/diagram" xmlns:o="urn:schemas-microsoft-com:office:office" xmlns:v="urn:schemas-microsoft-com:vml" xmlns:pvml="urn:schemas-microsoft-com:office:powerpoint" xmlns:com="http://schemas.openxmlformats.org/drawingml/2006/compatibility" xmlns:p14="http://schemas.microsoft.com/office/powerpoint/2010/main">
+<p:sld xmlns:a="http://schemas.openxmlformats.org/drawingml/2006/main" xmlns:r="http://schemas.openxmlformats.org/officeDocument/2006/relationships" xmlns:p="http://schemas.openxmlformats.org/presentationml/2006/main">
   <p:cSld>
     <p:spTree>
       <p:nvGrpSpPr>
-        <p:cNvPr id="108" name="Shape 108"/>
+        <p:cNvPr id="1" name="Shape 108"/>
         <p:cNvGrpSpPr/>
         <p:nvPr/>
       </p:nvGrpSpPr>
@@ -7462,7 +7946,9 @@
       <p:sp>
         <p:nvSpPr>
           <p:cNvPr id="109" name="Shape 109"/>
-          <p:cNvSpPr txBox="1"/>
+          <p:cNvSpPr txBox="1">
+            <a:spLocks noGrp="1"/>
+          </p:cNvSpPr>
           <p:nvPr>
             <p:ph type="title"/>
           </p:nvPr>
@@ -7477,7 +7963,7 @@
           </a:prstGeom>
         </p:spPr>
         <p:txBody>
-          <a:bodyPr anchorCtr="0" anchor="ctr" bIns="91425" lIns="91425" rIns="91425" tIns="91425">
+          <a:bodyPr lIns="91425" tIns="91425" rIns="91425" bIns="91425" anchor="ctr" anchorCtr="0">
             <a:noAutofit/>
           </a:bodyPr>
           <a:lstStyle/>
@@ -7502,9 +7988,11 @@
       <p:sp>
         <p:nvSpPr>
           <p:cNvPr id="110" name="Shape 110"/>
-          <p:cNvSpPr txBox="1"/>
+          <p:cNvSpPr txBox="1">
+            <a:spLocks noGrp="1"/>
+          </p:cNvSpPr>
           <p:nvPr>
-            <p:ph idx="1" type="body"/>
+            <p:ph type="body" idx="1"/>
           </p:nvPr>
         </p:nvSpPr>
         <p:spPr>
@@ -7517,12 +8005,12 @@
           </a:prstGeom>
         </p:spPr>
         <p:txBody>
-          <a:bodyPr anchorCtr="0" anchor="t" bIns="91425" lIns="91425" rIns="91425" tIns="91425">
+          <a:bodyPr lIns="91425" tIns="91425" rIns="91425" bIns="91425" anchor="t" anchorCtr="0">
             <a:noAutofit/>
           </a:bodyPr>
           <a:lstStyle/>
           <a:p>
-            <a:pPr indent="-381000" lvl="0" marL="457200" rtl="0">
+            <a:pPr marL="457200" lvl="0" indent="-381000" rtl="0">
               <a:spcBef>
                 <a:spcPts val="0"/>
               </a:spcBef>
@@ -7534,7 +8022,7 @@
             </a:r>
           </a:p>
           <a:p>
-            <a:pPr indent="-381000" lvl="0" marL="457200" rtl="0">
+            <a:pPr marL="457200" lvl="0" indent="-381000" rtl="0">
               <a:spcBef>
                 <a:spcPts val="0"/>
               </a:spcBef>
@@ -7546,7 +8034,7 @@
             </a:r>
           </a:p>
           <a:p>
-            <a:pPr indent="-381000" lvl="0" marL="457200" rtl="0">
+            <a:pPr marL="457200" lvl="0" indent="-381000" rtl="0">
               <a:spcBef>
                 <a:spcPts val="0"/>
               </a:spcBef>
@@ -7558,7 +8046,7 @@
             </a:r>
           </a:p>
           <a:p>
-            <a:pPr indent="-381000" lvl="0" marL="457200" rtl="0">
+            <a:pPr marL="457200" lvl="0" indent="-381000" rtl="0">
               <a:spcBef>
                 <a:spcPts val="0"/>
               </a:spcBef>
@@ -7570,7 +8058,7 @@
             </a:r>
           </a:p>
           <a:p>
-            <a:pPr indent="-381000" lvl="1" marL="914400" rtl="0">
+            <a:pPr marL="914400" lvl="1" indent="-381000" rtl="0">
               <a:spcBef>
                 <a:spcPts val="0"/>
               </a:spcBef>
@@ -7582,7 +8070,7 @@
             </a:r>
           </a:p>
           <a:p>
-            <a:pPr indent="-381000" lvl="1" marL="914400" rtl="0">
+            <a:pPr marL="914400" lvl="1" indent="-381000" rtl="0">
               <a:spcBef>
                 <a:spcPts val="0"/>
               </a:spcBef>
@@ -7594,7 +8082,7 @@
             </a:r>
           </a:p>
           <a:p>
-            <a:pPr indent="-381000" lvl="1" marL="914400">
+            <a:pPr marL="914400" lvl="1" indent="-381000">
               <a:spcBef>
                 <a:spcPts val="0"/>
               </a:spcBef>
@@ -7619,11 +8107,11 @@
 </file>
 
 <file path=ppt/slides/slide5.xml><?xml version="1.0" encoding="utf-8"?>
-<p:sld xmlns:a="http://schemas.openxmlformats.org/drawingml/2006/main" xmlns:r="http://schemas.openxmlformats.org/officeDocument/2006/relationships" xmlns:mc="http://schemas.openxmlformats.org/markup-compatibility/2006" xmlns:mv="urn:schemas-microsoft-com:mac:vml" xmlns:p="http://schemas.openxmlformats.org/presentationml/2006/main" xmlns:c="http://schemas.openxmlformats.org/drawingml/2006/chart" xmlns:dgm="http://schemas.openxmlformats.org/drawingml/2006/diagram" xmlns:o="urn:schemas-microsoft-com:office:office" xmlns:v="urn:schemas-microsoft-com:vml" xmlns:pvml="urn:schemas-microsoft-com:office:powerpoint" xmlns:com="http://schemas.openxmlformats.org/drawingml/2006/compatibility" xmlns:p14="http://schemas.microsoft.com/office/powerpoint/2010/main">
+<p:sld xmlns:a="http://schemas.openxmlformats.org/drawingml/2006/main" xmlns:r="http://schemas.openxmlformats.org/officeDocument/2006/relationships" xmlns:p="http://schemas.openxmlformats.org/presentationml/2006/main">
   <p:cSld>
     <p:spTree>
       <p:nvGrpSpPr>
-        <p:cNvPr id="114" name="Shape 114"/>
+        <p:cNvPr id="1" name="Shape 114"/>
         <p:cNvGrpSpPr/>
         <p:nvPr/>
       </p:nvGrpSpPr>
@@ -7638,7 +8126,9 @@
       <p:sp>
         <p:nvSpPr>
           <p:cNvPr id="115" name="Shape 115"/>
-          <p:cNvSpPr txBox="1"/>
+          <p:cNvSpPr txBox="1">
+            <a:spLocks noGrp="1"/>
+          </p:cNvSpPr>
           <p:nvPr>
             <p:ph type="title"/>
           </p:nvPr>
@@ -7653,7 +8143,7 @@
           </a:prstGeom>
         </p:spPr>
         <p:txBody>
-          <a:bodyPr anchorCtr="0" anchor="ctr" bIns="91425" lIns="91425" rIns="91425" tIns="91425">
+          <a:bodyPr lIns="91425" tIns="91425" rIns="91425" bIns="91425" anchor="ctr" anchorCtr="0">
             <a:noAutofit/>
           </a:bodyPr>
           <a:lstStyle/>
@@ -7680,9 +8170,6 @@
               </a:spcBef>
               <a:buNone/>
             </a:pPr>
-            <a:r>
-              <a:t/>
-            </a:r>
             <a:endParaRPr/>
           </a:p>
         </p:txBody>
@@ -7690,9 +8177,11 @@
       <p:sp>
         <p:nvSpPr>
           <p:cNvPr id="116" name="Shape 116"/>
-          <p:cNvSpPr txBox="1"/>
+          <p:cNvSpPr txBox="1">
+            <a:spLocks noGrp="1"/>
+          </p:cNvSpPr>
           <p:nvPr>
-            <p:ph idx="1" type="body"/>
+            <p:ph type="body" idx="1"/>
           </p:nvPr>
         </p:nvSpPr>
         <p:spPr>
@@ -7705,7 +8194,7 @@
           </a:prstGeom>
         </p:spPr>
         <p:txBody>
-          <a:bodyPr anchorCtr="0" anchor="t" bIns="91425" lIns="91425" rIns="91425" tIns="91425">
+          <a:bodyPr lIns="91425" tIns="91425" rIns="91425" bIns="91425" anchor="t" anchorCtr="0">
             <a:noAutofit/>
           </a:bodyPr>
           <a:lstStyle/>
@@ -7728,9 +8217,6 @@
               </a:spcBef>
               <a:buNone/>
             </a:pPr>
-            <a:r>
-              <a:t/>
-            </a:r>
             <a:endParaRPr sz="2400"/>
           </a:p>
           <a:p>
@@ -7746,7 +8232,7 @@
             </a:r>
           </a:p>
           <a:p>
-            <a:pPr indent="-381000" lvl="0" marL="457200" rtl="0">
+            <a:pPr marL="457200" lvl="0" indent="-381000" rtl="0">
               <a:spcBef>
                 <a:spcPts val="0"/>
               </a:spcBef>
@@ -7758,7 +8244,7 @@
             </a:r>
           </a:p>
           <a:p>
-            <a:pPr indent="-381000" lvl="0" marL="457200" rtl="0">
+            <a:pPr marL="457200" lvl="0" indent="-381000" rtl="0">
               <a:spcBef>
                 <a:spcPts val="0"/>
               </a:spcBef>
@@ -7770,7 +8256,7 @@
             </a:r>
           </a:p>
           <a:p>
-            <a:pPr indent="-381000" lvl="0" marL="457200" rtl="0">
+            <a:pPr marL="457200" lvl="0" indent="-381000" rtl="0">
               <a:spcBef>
                 <a:spcPts val="0"/>
               </a:spcBef>
@@ -7788,9 +8274,6 @@
               </a:spcBef>
               <a:buNone/>
             </a:pPr>
-            <a:r>
-              <a:t/>
-            </a:r>
             <a:endParaRPr/>
           </a:p>
         </p:txBody>
@@ -7807,7 +8290,7 @@
 </file>
 
 <file path=ppt/theme/theme1.xml><?xml version="1.0" encoding="utf-8"?>
-<a:theme xmlns:a="http://schemas.openxmlformats.org/drawingml/2006/main" xmlns:r="http://schemas.openxmlformats.org/officeDocument/2006/relationships" name="Claridad">
+<a:theme xmlns:a="http://schemas.openxmlformats.org/drawingml/2006/main" name="Claridad">
   <a:themeElements>
     <a:clrScheme name="Claridad">
       <a:dk1>
@@ -8082,11 +8565,13 @@
       </a:bgFillStyleLst>
     </a:fmtScheme>
   </a:themeElements>
+  <a:objectDefaults/>
+  <a:extraClrSchemeLst/>
 </a:theme>
 </file>
 
 <file path=ppt/theme/theme2.xml><?xml version="1.0" encoding="utf-8"?>
-<a:theme xmlns:a="http://schemas.openxmlformats.org/drawingml/2006/main" xmlns:r="http://schemas.openxmlformats.org/officeDocument/2006/relationships" name="Custom Theme">
+<a:theme xmlns:a="http://schemas.openxmlformats.org/drawingml/2006/main" name="Custom Theme">
   <a:themeElements>
     <a:clrScheme name="Default">
       <a:dk1>
@@ -8361,5 +8846,7 @@
       </a:bgFillStyleLst>
     </a:fmtScheme>
   </a:themeElements>
+  <a:objectDefaults/>
+  <a:extraClrSchemeLst/>
 </a:theme>
 </file>